--- a/ksz/KovácsSzabolcsZoltán.pptx
+++ b/ksz/KovácsSzabolcsZoltán.pptx
@@ -131,6 +131,9 @@
         </p15:guide>
       </p15:sldGuideLst>
     </p:ext>
+    <p:ext uri="{2D200454-40CA-4A62-9FC3-DE9A4176ACB9}">
+      <p15:notesGuideLst xmlns:p15="http://schemas.microsoft.com/office/powerpoint/2012/main"/>
+    </p:ext>
   </p:extLst>
 </p:presentation>
 </file>
@@ -217,7 +220,7 @@
           <a:p>
             <a:fld id="{D197CEE4-9B01-468A-A28E-1D4A3510372F}" type="datetimeFigureOut">
               <a:rPr lang="hu-HU" smtClean="0"/>
-              <a:t>2016. 05. 15.</a:t>
+              <a:t>2016. 05. 16.</a:t>
             </a:fld>
             <a:endParaRPr lang="hu-HU"/>
           </a:p>
@@ -2148,7 +2151,7 @@
           <a:p>
             <a:fld id="{C6E8B002-83F0-41C5-A7B7-2819A96BD9B2}" type="datetimeFigureOut">
               <a:rPr lang="hu-HU" smtClean="0"/>
-              <a:t>2016. 05. 15.</a:t>
+              <a:t>2016. 05. 16.</a:t>
             </a:fld>
             <a:endParaRPr lang="hu-HU"/>
           </a:p>
@@ -2318,7 +2321,7 @@
           <a:p>
             <a:fld id="{C6E8B002-83F0-41C5-A7B7-2819A96BD9B2}" type="datetimeFigureOut">
               <a:rPr lang="hu-HU" smtClean="0"/>
-              <a:t>2016. 05. 15.</a:t>
+              <a:t>2016. 05. 16.</a:t>
             </a:fld>
             <a:endParaRPr lang="hu-HU"/>
           </a:p>
@@ -2498,7 +2501,7 @@
           <a:p>
             <a:fld id="{C6E8B002-83F0-41C5-A7B7-2819A96BD9B2}" type="datetimeFigureOut">
               <a:rPr lang="hu-HU" smtClean="0"/>
-              <a:t>2016. 05. 15.</a:t>
+              <a:t>2016. 05. 16.</a:t>
             </a:fld>
             <a:endParaRPr lang="hu-HU"/>
           </a:p>
@@ -2668,7 +2671,7 @@
           <a:p>
             <a:fld id="{C6E8B002-83F0-41C5-A7B7-2819A96BD9B2}" type="datetimeFigureOut">
               <a:rPr lang="hu-HU" smtClean="0"/>
-              <a:t>2016. 05. 15.</a:t>
+              <a:t>2016. 05. 16.</a:t>
             </a:fld>
             <a:endParaRPr lang="hu-HU"/>
           </a:p>
@@ -2912,7 +2915,7 @@
           <a:p>
             <a:fld id="{C6E8B002-83F0-41C5-A7B7-2819A96BD9B2}" type="datetimeFigureOut">
               <a:rPr lang="hu-HU" smtClean="0"/>
-              <a:t>2016. 05. 15.</a:t>
+              <a:t>2016. 05. 16.</a:t>
             </a:fld>
             <a:endParaRPr lang="hu-HU"/>
           </a:p>
@@ -3144,7 +3147,7 @@
           <a:p>
             <a:fld id="{C6E8B002-83F0-41C5-A7B7-2819A96BD9B2}" type="datetimeFigureOut">
               <a:rPr lang="hu-HU" smtClean="0"/>
-              <a:t>2016. 05. 15.</a:t>
+              <a:t>2016. 05. 16.</a:t>
             </a:fld>
             <a:endParaRPr lang="hu-HU"/>
           </a:p>
@@ -3511,7 +3514,7 @@
           <a:p>
             <a:fld id="{C6E8B002-83F0-41C5-A7B7-2819A96BD9B2}" type="datetimeFigureOut">
               <a:rPr lang="hu-HU" smtClean="0"/>
-              <a:t>2016. 05. 15.</a:t>
+              <a:t>2016. 05. 16.</a:t>
             </a:fld>
             <a:endParaRPr lang="hu-HU"/>
           </a:p>
@@ -3629,7 +3632,7 @@
           <a:p>
             <a:fld id="{C6E8B002-83F0-41C5-A7B7-2819A96BD9B2}" type="datetimeFigureOut">
               <a:rPr lang="hu-HU" smtClean="0"/>
-              <a:t>2016. 05. 15.</a:t>
+              <a:t>2016. 05. 16.</a:t>
             </a:fld>
             <a:endParaRPr lang="hu-HU"/>
           </a:p>
@@ -3724,7 +3727,7 @@
           <a:p>
             <a:fld id="{C6E8B002-83F0-41C5-A7B7-2819A96BD9B2}" type="datetimeFigureOut">
               <a:rPr lang="hu-HU" smtClean="0"/>
-              <a:t>2016. 05. 15.</a:t>
+              <a:t>2016. 05. 16.</a:t>
             </a:fld>
             <a:endParaRPr lang="hu-HU"/>
           </a:p>
@@ -4001,7 +4004,7 @@
           <a:p>
             <a:fld id="{C6E8B002-83F0-41C5-A7B7-2819A96BD9B2}" type="datetimeFigureOut">
               <a:rPr lang="hu-HU" smtClean="0"/>
-              <a:t>2016. 05. 15.</a:t>
+              <a:t>2016. 05. 16.</a:t>
             </a:fld>
             <a:endParaRPr lang="hu-HU"/>
           </a:p>
@@ -4258,7 +4261,7 @@
           <a:p>
             <a:fld id="{C6E8B002-83F0-41C5-A7B7-2819A96BD9B2}" type="datetimeFigureOut">
               <a:rPr lang="hu-HU" smtClean="0"/>
-              <a:t>2016. 05. 15.</a:t>
+              <a:t>2016. 05. 16.</a:t>
             </a:fld>
             <a:endParaRPr lang="hu-HU"/>
           </a:p>
@@ -4478,7 +4481,7 @@
           <a:p>
             <a:fld id="{C6E8B002-83F0-41C5-A7B7-2819A96BD9B2}" type="datetimeFigureOut">
               <a:rPr lang="hu-HU" smtClean="0"/>
-              <a:t>2016. 05. 15.</a:t>
+              <a:t>2016. 05. 16.</a:t>
             </a:fld>
             <a:endParaRPr lang="hu-HU"/>
           </a:p>
@@ -5204,12 +5207,6 @@
               </a:rPr>
               <a:t>Kovács Szabolcs Zoltán</a:t>
             </a:r>
-            <a:endParaRPr lang="hu-HU" sz="1500" i="1" dirty="0" smtClean="0">
-              <a:solidFill>
-                <a:schemeClr val="bg1"/>
-              </a:solidFill>
-              <a:latin typeface="+mj-lt"/>
-            </a:endParaRPr>
           </a:p>
           <a:p>
             <a:pPr marL="0" indent="0">
@@ -5232,17 +5229,7 @@
                 <a:latin typeface="+mj-lt"/>
                 <a:hlinkClick r:id="rId3"/>
               </a:rPr>
-              <a:t>s</a:t>
-            </a:r>
-            <a:r>
-              <a:rPr lang="hu-HU" sz="1500" i="1" dirty="0" smtClean="0">
-                <a:solidFill>
-                  <a:schemeClr val="bg1"/>
-                </a:solidFill>
-                <a:latin typeface="+mj-lt"/>
-                <a:hlinkClick r:id="rId3"/>
-              </a:rPr>
-              <a:t>zabolcs.kovacs94@</a:t>
+              <a:t>szabolcs.kovacs94@</a:t>
             </a:r>
             <a:r>
               <a:rPr lang="hu-HU" sz="1500" i="1" dirty="0" err="1" smtClean="0">
@@ -5389,17 +5376,8 @@
               <a:rPr lang="hu-HU" sz="1400" dirty="0" smtClean="0">
                 <a:latin typeface="+mj-lt"/>
               </a:rPr>
-              <a:t>Kezelő </a:t>
-            </a:r>
-            <a:r>
-              <a:rPr lang="hu-HU" sz="1400" dirty="0" smtClean="0">
-                <a:latin typeface="+mj-lt"/>
-              </a:rPr>
-              <a:t>képernyő    ----------------</a:t>
-            </a:r>
-            <a:endParaRPr lang="hu-HU" sz="1400" dirty="0" smtClean="0">
-              <a:latin typeface="+mj-lt"/>
-            </a:endParaRPr>
+              <a:t>Kezelő képernyő    ----------------</a:t>
+            </a:r>
           </a:p>
           <a:p>
             <a:pPr marL="342900" indent="-342900" algn="l">
@@ -5412,9 +5390,6 @@
               </a:rPr>
               <a:t>Szolgáltatások             -------------</a:t>
             </a:r>
-            <a:endParaRPr lang="hu-HU" sz="1400" dirty="0" smtClean="0">
-              <a:latin typeface="+mj-lt"/>
-            </a:endParaRPr>
           </a:p>
           <a:p>
             <a:pPr marL="800100" lvl="1" indent="-342900" algn="l">
@@ -5841,7 +5816,6 @@
               <a:rPr lang="hu-HU" sz="2400" dirty="0"/>
               <a:t>A JSF architektúra tartalmazza az alábbiakat:</a:t>
             </a:r>
-            <a:endParaRPr lang="hu-HU" sz="2400" dirty="0"/>
           </a:p>
           <a:p>
             <a:pPr lvl="3">
@@ -6042,29 +6016,35 @@
           <a:chExt cx="0" cy="0"/>
         </a:xfrm>
       </p:grpSpPr>
-      <p:sp>
-        <p:nvSpPr>
-          <p:cNvPr id="3" name="Tartalom helye 2"/>
-          <p:cNvSpPr>
-            <a:spLocks noGrp="1"/>
-          </p:cNvSpPr>
+      <p:pic>
+        <p:nvPicPr>
+          <p:cNvPr id="6" name="Tartalom helye 5"/>
+          <p:cNvPicPr>
+            <a:picLocks noGrp="1" noChangeAspect="1"/>
+          </p:cNvPicPr>
           <p:nvPr>
             <p:ph idx="1"/>
           </p:nvPr>
-        </p:nvSpPr>
-        <p:spPr/>
-        <p:txBody>
-          <a:bodyPr/>
-          <a:lstStyle/>
-          <a:p>
-            <a:r>
-              <a:rPr lang="hu-HU" dirty="0" smtClean="0"/>
-              <a:t>PS a felhasználók tábláról</a:t>
-            </a:r>
-            <a:endParaRPr lang="hu-HU" dirty="0"/>
-          </a:p>
-        </p:txBody>
-      </p:sp>
+        </p:nvPicPr>
+        <p:blipFill>
+          <a:blip r:embed="rId3">
+            <a:extLst>
+              <a:ext uri="{28A0092B-C50C-407E-A947-70E740481C1C}">
+                <a14:useLocalDpi xmlns:a14="http://schemas.microsoft.com/office/drawing/2010/main" val="0"/>
+              </a:ext>
+            </a:extLst>
+          </a:blip>
+          <a:stretch>
+            <a:fillRect/>
+          </a:stretch>
+        </p:blipFill>
+        <p:spPr>
+          <a:xfrm>
+            <a:off x="214517" y="952001"/>
+            <a:ext cx="8772729" cy="3927587"/>
+          </a:xfrm>
+        </p:spPr>
+      </p:pic>
     </p:spTree>
     <p:extLst>
       <p:ext uri="{BB962C8B-B14F-4D97-AF65-F5344CB8AC3E}">
@@ -6124,51 +6104,78 @@
           <a:p>
             <a:r>
               <a:rPr lang="hu-HU" dirty="0" smtClean="0"/>
-              <a:t>Kódlefedettség javítása</a:t>
-            </a:r>
-          </a:p>
-          <a:p>
-            <a:pPr lvl="1"/>
+              <a:t>Kódlefedettség </a:t>
+            </a:r>
             <a:r>
               <a:rPr lang="hu-HU" dirty="0" smtClean="0"/>
-              <a:t>Ps1 régi </a:t>
-            </a:r>
-            <a:r>
-              <a:rPr lang="hu-HU" dirty="0" err="1" smtClean="0"/>
-              <a:t>coverage</a:t>
-            </a:r>
-            <a:r>
-              <a:rPr lang="hu-HU" dirty="0" smtClean="0"/>
-              <a:t> </a:t>
-            </a:r>
-            <a:r>
-              <a:rPr lang="hu-HU" dirty="0" err="1" smtClean="0"/>
-              <a:t>report</a:t>
-            </a:r>
+              <a:t>javítása</a:t>
+            </a:r>
+          </a:p>
+          <a:p>
             <a:endParaRPr lang="hu-HU" dirty="0" smtClean="0"/>
           </a:p>
-          <a:p>
-            <a:pPr lvl="1"/>
-            <a:r>
-              <a:rPr lang="hu-HU" dirty="0" smtClean="0"/>
-              <a:t>Ps2 új </a:t>
-            </a:r>
-            <a:r>
-              <a:rPr lang="hu-HU" dirty="0" err="1" smtClean="0"/>
-              <a:t>coverage</a:t>
-            </a:r>
-            <a:r>
-              <a:rPr lang="hu-HU" dirty="0" smtClean="0"/>
-              <a:t> </a:t>
-            </a:r>
-            <a:r>
-              <a:rPr lang="hu-HU" dirty="0" err="1" smtClean="0"/>
-              <a:t>report</a:t>
-            </a:r>
-            <a:endParaRPr lang="hu-HU" dirty="0"/>
-          </a:p>
-        </p:txBody>
-      </p:sp>
+        </p:txBody>
+      </p:sp>
+      <p:pic>
+        <p:nvPicPr>
+          <p:cNvPr id="2" name="Kép 1"/>
+          <p:cNvPicPr>
+            <a:picLocks noChangeAspect="1"/>
+          </p:cNvPicPr>
+          <p:nvPr/>
+        </p:nvPicPr>
+        <p:blipFill>
+          <a:blip r:embed="rId3">
+            <a:extLst>
+              <a:ext uri="{28A0092B-C50C-407E-A947-70E740481C1C}">
+                <a14:useLocalDpi xmlns:a14="http://schemas.microsoft.com/office/drawing/2010/main" val="0"/>
+              </a:ext>
+            </a:extLst>
+          </a:blip>
+          <a:stretch>
+            <a:fillRect/>
+          </a:stretch>
+        </p:blipFill>
+        <p:spPr>
+          <a:xfrm>
+            <a:off x="0" y="1833138"/>
+            <a:ext cx="9144000" cy="454847"/>
+          </a:xfrm>
+          <a:prstGeom prst="rect">
+            <a:avLst/>
+          </a:prstGeom>
+        </p:spPr>
+      </p:pic>
+      <p:pic>
+        <p:nvPicPr>
+          <p:cNvPr id="4" name="Kép 3"/>
+          <p:cNvPicPr>
+            <a:picLocks noChangeAspect="1"/>
+          </p:cNvPicPr>
+          <p:nvPr/>
+        </p:nvPicPr>
+        <p:blipFill>
+          <a:blip r:embed="rId4">
+            <a:extLst>
+              <a:ext uri="{28A0092B-C50C-407E-A947-70E740481C1C}">
+                <a14:useLocalDpi xmlns:a14="http://schemas.microsoft.com/office/drawing/2010/main" val="0"/>
+              </a:ext>
+            </a:extLst>
+          </a:blip>
+          <a:stretch>
+            <a:fillRect/>
+          </a:stretch>
+        </p:blipFill>
+        <p:spPr>
+          <a:xfrm>
+            <a:off x="0" y="2532533"/>
+            <a:ext cx="9144000" cy="452133"/>
+          </a:xfrm>
+          <a:prstGeom prst="rect">
+            <a:avLst/>
+          </a:prstGeom>
+        </p:spPr>
+      </p:pic>
     </p:spTree>
     <p:extLst>
       <p:ext uri="{BB962C8B-B14F-4D97-AF65-F5344CB8AC3E}">

--- a/ksz/KovácsSzabolcsZoltán.pptx
+++ b/ksz/KovácsSzabolcsZoltán.pptx
@@ -5,19 +5,16 @@
     <p:sldMasterId id="2147483660" r:id="rId1"/>
   </p:sldMasterIdLst>
   <p:notesMasterIdLst>
-    <p:notesMasterId r:id="rId12"/>
+    <p:notesMasterId r:id="rId9"/>
   </p:notesMasterIdLst>
   <p:sldIdLst>
     <p:sldId id="257" r:id="rId2"/>
-    <p:sldId id="256" r:id="rId3"/>
+    <p:sldId id="266" r:id="rId3"/>
     <p:sldId id="264" r:id="rId4"/>
-    <p:sldId id="261" r:id="rId5"/>
-    <p:sldId id="262" r:id="rId6"/>
-    <p:sldId id="259" r:id="rId7"/>
-    <p:sldId id="260" r:id="rId8"/>
-    <p:sldId id="263" r:id="rId9"/>
-    <p:sldId id="265" r:id="rId10"/>
-    <p:sldId id="258" r:id="rId11"/>
+    <p:sldId id="259" r:id="rId5"/>
+    <p:sldId id="260" r:id="rId6"/>
+    <p:sldId id="263" r:id="rId7"/>
+    <p:sldId id="258" r:id="rId8"/>
   </p:sldIdLst>
   <p:sldSz cx="9144000" cy="5143500" type="screen16x9"/>
   <p:notesSz cx="6858000" cy="9144000"/>
@@ -220,7 +217,7 @@
           <a:p>
             <a:fld id="{D197CEE4-9B01-468A-A28E-1D4A3510372F}" type="datetimeFigureOut">
               <a:rPr lang="hu-HU" smtClean="0"/>
-              <a:t>2016. 05. 16.</a:t>
+              <a:t>2016. 05. 17.</a:t>
             </a:fld>
             <a:endParaRPr lang="hu-HU"/>
           </a:p>
@@ -534,24 +531,32 @@
           <a:p>
             <a:r>
               <a:rPr lang="hu-HU" dirty="0" smtClean="0"/>
-              <a:t>A csapaton</a:t>
+              <a:t>Üdvözlök</a:t>
             </a:r>
             <a:r>
               <a:rPr lang="hu-HU" baseline="0" dirty="0" smtClean="0"/>
-              <a:t> belül nem voltak a feladatok személyekre kijelölve. Mindenki magának választhatott szabadon.</a:t>
+              <a:t> mindenkit!</a:t>
             </a:r>
           </a:p>
           <a:p>
             <a:r>
               <a:rPr lang="hu-HU" baseline="0" dirty="0" smtClean="0"/>
-              <a:t>Igyekeztünk egyenlően elosztani a feladatokat. Úgy gondolom hogy ez sikerült is. </a:t>
+              <a:t>A nevem Kovács Szabolcs Zoltán és a Debreceni Egyetem Informatikai Karán Mérnök informatikus hallgató vagyok.</a:t>
             </a:r>
           </a:p>
           <a:p>
             <a:r>
               <a:rPr lang="hu-HU" baseline="0" dirty="0" smtClean="0"/>
-              <a:t>A fejlesztés során felmerültek kisebb-nagyobb problémák, de a nagyrészük hamar meg is oldódott. Első lépésként egymástól kértünk segítséget, ezután kezdtünk utána járni, keresgélni, viszont ha nem találtunk rá megoldást akkor az oktatókhoz fordultunk.</a:t>
-            </a:r>
+              <a:t>Korábbi tanulmányaim során megismerkedtem az informatikai hálózatokkal és az IT biztonságtechnikával, viszont szeretném magam kipróbálni az informatika több területén is.</a:t>
+            </a:r>
+          </a:p>
+          <a:p>
+            <a:r>
+              <a:rPr lang="hu-HU" baseline="0" dirty="0" smtClean="0"/>
+              <a:t>Ezért jelentkeztem erre a képzésre. </a:t>
+            </a:r>
+          </a:p>
+          <a:p>
             <a:endParaRPr lang="hu-HU" dirty="0"/>
           </a:p>
         </p:txBody>
@@ -573,7 +578,7 @@
           <a:p>
             <a:fld id="{50EAB2F4-CAA4-4BA1-AA2E-179AB5713217}" type="slidenum">
               <a:rPr lang="hu-HU" smtClean="0"/>
-              <a:t>3</a:t>
+              <a:t>2</a:t>
             </a:fld>
             <a:endParaRPr lang="hu-HU"/>
           </a:p>
@@ -582,7 +587,7 @@
     </p:spTree>
     <p:extLst>
       <p:ext uri="{BB962C8B-B14F-4D97-AF65-F5344CB8AC3E}">
-        <p14:creationId xmlns:p14="http://schemas.microsoft.com/office/powerpoint/2010/main" val="554911041"/>
+        <p14:creationId xmlns:p14="http://schemas.microsoft.com/office/powerpoint/2010/main" val="3921923421"/>
       </p:ext>
     </p:extLst>
   </p:cSld>
@@ -637,368 +642,96 @@
           <a:lstStyle/>
           <a:p>
             <a:r>
-              <a:rPr lang="en-US" sz="1200" b="0" i="0" kern="1200" dirty="0" smtClean="0">
-                <a:solidFill>
-                  <a:schemeClr val="tx1"/>
-                </a:solidFill>
-                <a:effectLst/>
-                <a:latin typeface="+mn-lt"/>
-                <a:ea typeface="+mn-ea"/>
-                <a:cs typeface="+mn-cs"/>
-              </a:rPr>
-              <a:t>In </a:t>
-            </a:r>
-            <a:r>
-              <a:rPr lang="en-US" sz="1200" b="0" i="0" u="none" strike="noStrike" kern="1200" dirty="0" smtClean="0">
-                <a:solidFill>
-                  <a:schemeClr val="tx1"/>
-                </a:solidFill>
-                <a:effectLst/>
-                <a:latin typeface="+mn-lt"/>
-                <a:ea typeface="+mn-ea"/>
-                <a:cs typeface="+mn-cs"/>
-              </a:rPr>
-              <a:t>computer science</a:t>
-            </a:r>
-            <a:r>
-              <a:rPr lang="en-US" sz="1200" b="0" i="0" kern="1200" dirty="0" smtClean="0">
-                <a:solidFill>
-                  <a:schemeClr val="tx1"/>
-                </a:solidFill>
-                <a:effectLst/>
-                <a:latin typeface="+mn-lt"/>
-                <a:ea typeface="+mn-ea"/>
-                <a:cs typeface="+mn-cs"/>
-              </a:rPr>
-              <a:t>, </a:t>
-            </a:r>
-            <a:r>
-              <a:rPr lang="en-US" sz="1200" b="1" i="0" kern="1200" dirty="0" smtClean="0">
-                <a:solidFill>
-                  <a:schemeClr val="tx1"/>
-                </a:solidFill>
-                <a:effectLst/>
-                <a:latin typeface="+mn-lt"/>
-                <a:ea typeface="+mn-ea"/>
-                <a:cs typeface="+mn-cs"/>
-              </a:rPr>
-              <a:t>transaction processing</a:t>
-            </a:r>
-            <a:r>
-              <a:rPr lang="en-US" sz="1200" b="0" i="0" kern="1200" dirty="0" smtClean="0">
-                <a:solidFill>
-                  <a:schemeClr val="tx1"/>
-                </a:solidFill>
-                <a:effectLst/>
-                <a:latin typeface="+mn-lt"/>
-                <a:ea typeface="+mn-ea"/>
-                <a:cs typeface="+mn-cs"/>
-              </a:rPr>
-              <a:t> is information processing that is divided into individual, indivisible operations called </a:t>
-            </a:r>
-            <a:r>
-              <a:rPr lang="en-US" sz="1200" b="0" i="1" kern="1200" dirty="0" smtClean="0">
-                <a:solidFill>
-                  <a:schemeClr val="tx1"/>
-                </a:solidFill>
-                <a:effectLst/>
-                <a:latin typeface="+mn-lt"/>
-                <a:ea typeface="+mn-ea"/>
-                <a:cs typeface="+mn-cs"/>
-              </a:rPr>
-              <a:t>transactions</a:t>
-            </a:r>
-            <a:r>
-              <a:rPr lang="en-US" sz="1200" b="0" i="0" kern="1200" dirty="0" smtClean="0">
-                <a:solidFill>
-                  <a:schemeClr val="tx1"/>
-                </a:solidFill>
-                <a:effectLst/>
-                <a:latin typeface="+mn-lt"/>
-                <a:ea typeface="+mn-ea"/>
-                <a:cs typeface="+mn-cs"/>
-              </a:rPr>
-              <a:t>. Each transaction must succeed or </a:t>
-            </a:r>
-            <a:r>
-              <a:rPr lang="en-US" sz="1200" b="0" i="0" u="none" strike="noStrike" kern="1200" dirty="0" smtClean="0">
-                <a:solidFill>
-                  <a:schemeClr val="tx1"/>
-                </a:solidFill>
-                <a:effectLst/>
-                <a:latin typeface="+mn-lt"/>
-                <a:ea typeface="+mn-ea"/>
-                <a:cs typeface="+mn-cs"/>
-              </a:rPr>
-              <a:t>fail</a:t>
-            </a:r>
-            <a:r>
-              <a:rPr lang="en-US" sz="1200" b="0" i="0" kern="1200" dirty="0" smtClean="0">
-                <a:solidFill>
-                  <a:schemeClr val="tx1"/>
-                </a:solidFill>
-                <a:effectLst/>
-                <a:latin typeface="+mn-lt"/>
-                <a:ea typeface="+mn-ea"/>
-                <a:cs typeface="+mn-cs"/>
-              </a:rPr>
-              <a:t> as a complete unit; it can never be only partially complete.</a:t>
-            </a:r>
-            <a:endParaRPr lang="hu-HU" sz="1200" b="0" i="0" kern="1200" dirty="0" smtClean="0">
-              <a:solidFill>
-                <a:schemeClr val="tx1"/>
-              </a:solidFill>
-              <a:effectLst/>
-              <a:latin typeface="+mn-lt"/>
-              <a:ea typeface="+mn-ea"/>
-              <a:cs typeface="+mn-cs"/>
-            </a:endParaRPr>
-          </a:p>
-          <a:p>
-            <a:r>
-              <a:rPr lang="hu-HU" sz="1200" b="0" i="0" kern="1200" dirty="0" smtClean="0">
-                <a:solidFill>
-                  <a:schemeClr val="tx1"/>
-                </a:solidFill>
-                <a:effectLst/>
-                <a:latin typeface="+mn-lt"/>
-                <a:ea typeface="+mn-ea"/>
-                <a:cs typeface="+mn-cs"/>
-              </a:rPr>
-              <a:t>A </a:t>
-            </a:r>
-            <a:r>
-              <a:rPr lang="hu-HU" sz="1200" b="1" i="0" kern="1200" dirty="0" smtClean="0">
-                <a:solidFill>
-                  <a:schemeClr val="tx1"/>
-                </a:solidFill>
-                <a:effectLst/>
-                <a:latin typeface="+mn-lt"/>
-                <a:ea typeface="+mn-ea"/>
-                <a:cs typeface="+mn-cs"/>
-              </a:rPr>
-              <a:t>Java Persistence API</a:t>
-            </a:r>
-            <a:r>
-              <a:rPr lang="hu-HU" sz="1200" b="0" i="0" kern="1200" dirty="0" smtClean="0">
-                <a:solidFill>
-                  <a:schemeClr val="tx1"/>
-                </a:solidFill>
-                <a:effectLst/>
-                <a:latin typeface="+mn-lt"/>
-                <a:ea typeface="+mn-ea"/>
-                <a:cs typeface="+mn-cs"/>
-              </a:rPr>
-              <a:t>, vagy röviden </a:t>
-            </a:r>
-            <a:r>
-              <a:rPr lang="hu-HU" sz="1200" b="1" i="0" kern="1200" dirty="0" smtClean="0">
-                <a:solidFill>
-                  <a:schemeClr val="tx1"/>
-                </a:solidFill>
-                <a:effectLst/>
-                <a:latin typeface="+mn-lt"/>
-                <a:ea typeface="+mn-ea"/>
-                <a:cs typeface="+mn-cs"/>
-              </a:rPr>
-              <a:t>JPA</a:t>
-            </a:r>
-            <a:r>
-              <a:rPr lang="hu-HU" sz="1200" b="0" i="0" kern="1200" dirty="0" smtClean="0">
-                <a:solidFill>
-                  <a:schemeClr val="tx1"/>
-                </a:solidFill>
-                <a:effectLst/>
-                <a:latin typeface="+mn-lt"/>
-                <a:ea typeface="+mn-ea"/>
-                <a:cs typeface="+mn-cs"/>
-              </a:rPr>
-              <a:t>, egy keretrendszer a Java programozási nyelvhez, melynek fő feladata a relációs adatok kezelése</a:t>
-            </a:r>
-          </a:p>
-          <a:p>
-            <a:r>
-              <a:rPr lang="hu-HU" sz="1200" b="0" i="0" kern="1200" dirty="0" smtClean="0">
-                <a:solidFill>
-                  <a:schemeClr val="tx1"/>
-                </a:solidFill>
-                <a:effectLst/>
-                <a:latin typeface="+mn-lt"/>
-                <a:ea typeface="+mn-ea"/>
-                <a:cs typeface="+mn-cs"/>
-              </a:rPr>
-              <a:t>A </a:t>
-            </a:r>
-            <a:r>
-              <a:rPr lang="hu-HU" sz="1200" b="1" i="0" kern="1200" dirty="0" smtClean="0">
-                <a:solidFill>
-                  <a:schemeClr val="tx1"/>
-                </a:solidFill>
-                <a:effectLst/>
-                <a:latin typeface="+mn-lt"/>
-                <a:ea typeface="+mn-ea"/>
-                <a:cs typeface="+mn-cs"/>
-              </a:rPr>
-              <a:t>Java Message Service</a:t>
-            </a:r>
-            <a:r>
-              <a:rPr lang="hu-HU" sz="1200" b="0" i="0" kern="1200" dirty="0" smtClean="0">
-                <a:solidFill>
-                  <a:schemeClr val="tx1"/>
-                </a:solidFill>
-                <a:effectLst/>
-                <a:latin typeface="+mn-lt"/>
-                <a:ea typeface="+mn-ea"/>
-                <a:cs typeface="+mn-cs"/>
-              </a:rPr>
-              <a:t> (röviden </a:t>
-            </a:r>
-            <a:r>
-              <a:rPr lang="hu-HU" sz="1200" b="1" i="0" kern="1200" dirty="0" smtClean="0">
-                <a:solidFill>
-                  <a:schemeClr val="tx1"/>
-                </a:solidFill>
-                <a:effectLst/>
-                <a:latin typeface="+mn-lt"/>
-                <a:ea typeface="+mn-ea"/>
-                <a:cs typeface="+mn-cs"/>
-              </a:rPr>
-              <a:t>JMS</a:t>
-            </a:r>
-            <a:r>
-              <a:rPr lang="hu-HU" sz="1200" b="0" i="0" kern="1200" dirty="0" smtClean="0">
-                <a:solidFill>
-                  <a:schemeClr val="tx1"/>
-                </a:solidFill>
-                <a:effectLst/>
-                <a:latin typeface="+mn-lt"/>
-                <a:ea typeface="+mn-ea"/>
-                <a:cs typeface="+mn-cs"/>
-              </a:rPr>
-              <a:t>) egy </a:t>
-            </a:r>
-            <a:r>
-              <a:rPr lang="hu-HU" sz="1200" b="0" i="0" u="none" strike="noStrike" kern="1200" dirty="0" smtClean="0">
-                <a:solidFill>
-                  <a:schemeClr val="tx1"/>
-                </a:solidFill>
-                <a:effectLst/>
-                <a:latin typeface="+mn-lt"/>
-                <a:ea typeface="+mn-ea"/>
-                <a:cs typeface="+mn-cs"/>
-              </a:rPr>
-              <a:t>Java</a:t>
-            </a:r>
-            <a:r>
-              <a:rPr lang="hu-HU" sz="1200" b="0" i="0" kern="1200" dirty="0" smtClean="0">
-                <a:solidFill>
-                  <a:schemeClr val="tx1"/>
-                </a:solidFill>
-                <a:effectLst/>
-                <a:latin typeface="+mn-lt"/>
-                <a:ea typeface="+mn-ea"/>
-                <a:cs typeface="+mn-cs"/>
-              </a:rPr>
-              <a:t> </a:t>
-            </a:r>
-            <a:r>
-              <a:rPr lang="hu-HU" sz="1200" b="0" i="0" u="none" strike="noStrike" kern="1200" dirty="0" smtClean="0">
-                <a:solidFill>
-                  <a:schemeClr val="tx1"/>
-                </a:solidFill>
-                <a:effectLst/>
-                <a:latin typeface="+mn-lt"/>
-                <a:ea typeface="+mn-ea"/>
-                <a:cs typeface="+mn-cs"/>
-              </a:rPr>
-              <a:t>API</a:t>
-            </a:r>
-            <a:r>
-              <a:rPr lang="hu-HU" sz="1200" b="0" i="0" kern="1200" dirty="0" smtClean="0">
-                <a:solidFill>
-                  <a:schemeClr val="tx1"/>
-                </a:solidFill>
-                <a:effectLst/>
-                <a:latin typeface="+mn-lt"/>
-                <a:ea typeface="+mn-ea"/>
-                <a:cs typeface="+mn-cs"/>
-              </a:rPr>
-              <a:t>, amellyel üzeneteket lehet küldeni különböző </a:t>
-            </a:r>
-            <a:r>
-              <a:rPr lang="hu-HU" sz="1200" b="0" i="0" u="none" strike="noStrike" kern="1200" dirty="0" smtClean="0">
-                <a:solidFill>
-                  <a:schemeClr val="tx1"/>
-                </a:solidFill>
-                <a:effectLst/>
-                <a:latin typeface="+mn-lt"/>
-                <a:ea typeface="+mn-ea"/>
-                <a:cs typeface="+mn-cs"/>
-              </a:rPr>
-              <a:t>szoftverkomponensek</a:t>
-            </a:r>
-            <a:r>
-              <a:rPr lang="hu-HU" sz="1200" b="0" i="0" kern="1200" dirty="0" smtClean="0">
-                <a:solidFill>
-                  <a:schemeClr val="tx1"/>
-                </a:solidFill>
-                <a:effectLst/>
-                <a:latin typeface="+mn-lt"/>
-                <a:ea typeface="+mn-ea"/>
-                <a:cs typeface="+mn-cs"/>
-              </a:rPr>
-              <a:t> között.</a:t>
-            </a:r>
-          </a:p>
-          <a:p>
-            <a:r>
-              <a:rPr lang="hu-HU" sz="1200" b="1" i="0" kern="1200" dirty="0" smtClean="0">
-                <a:solidFill>
-                  <a:schemeClr val="tx1"/>
-                </a:solidFill>
-                <a:effectLst/>
-                <a:latin typeface="+mn-lt"/>
-                <a:ea typeface="+mn-ea"/>
-                <a:cs typeface="+mn-cs"/>
-              </a:rPr>
-              <a:t>Java Naming and Directory Service (JNDI)</a:t>
-            </a:r>
-            <a:r>
-              <a:rPr lang="hu-HU" sz="1200" b="0" i="0" kern="1200" dirty="0" smtClean="0">
-                <a:solidFill>
-                  <a:schemeClr val="tx1"/>
-                </a:solidFill>
-                <a:effectLst/>
-                <a:latin typeface="+mn-lt"/>
-                <a:ea typeface="+mn-ea"/>
-                <a:cs typeface="+mn-cs"/>
-              </a:rPr>
-              <a:t> egy Java </a:t>
-            </a:r>
-            <a:r>
-              <a:rPr lang="hu-HU" sz="1200" b="0" i="0" u="none" strike="noStrike" kern="1200" dirty="0" smtClean="0">
-                <a:solidFill>
-                  <a:schemeClr val="tx1"/>
-                </a:solidFill>
-                <a:effectLst/>
-                <a:latin typeface="+mn-lt"/>
-                <a:ea typeface="+mn-ea"/>
-                <a:cs typeface="+mn-cs"/>
-              </a:rPr>
-              <a:t>API</a:t>
-            </a:r>
-            <a:r>
-              <a:rPr lang="hu-HU" sz="1200" b="0" i="0" kern="1200" dirty="0" smtClean="0">
-                <a:solidFill>
-                  <a:schemeClr val="tx1"/>
-                </a:solidFill>
-                <a:effectLst/>
-                <a:latin typeface="+mn-lt"/>
-                <a:ea typeface="+mn-ea"/>
-                <a:cs typeface="+mn-cs"/>
-              </a:rPr>
-              <a:t>, amellyel a Java kliens név alapján meg tud találni adatot illetve objektumot.</a:t>
-            </a:r>
+              <a:rPr lang="hu-HU" dirty="0" smtClean="0"/>
+              <a:t>A</a:t>
+            </a:r>
+            <a:r>
+              <a:rPr lang="hu-HU" baseline="0" dirty="0" smtClean="0"/>
+              <a:t> képzés végeztével megkezdődött a projekt munka, mely során csapatba kellett dolgozni, eleinte ezt furcsa volt számomra, bár dolgoztam már másokkal csapatba, csapatversenyeken, de ez azért más volt. Nem két vagy három ember dolgozott együtt hanem 10. Nem csak egy feladatot oldottunk meg együtt, hanem feladatok sorát. Amellett hogy más munkáját (kódját) egészítettük ki, esetenként használtuk fel, sokat segítettünk egymásnak. Mivel sok „idegen” kódot láttam, olvastam ezért most már sokkal könnyebben el tudok vonatkoztatni a saját kódjaimtól, és kevésbe jelent gondot értelmezni azt ami elém kerül.</a:t>
+            </a:r>
+          </a:p>
+          <a:p>
+            <a:endParaRPr lang="hu-HU" baseline="0" dirty="0" smtClean="0"/>
+          </a:p>
+          <a:p>
+            <a:pPr marL="0" marR="0" indent="0" algn="l" defTabSz="914400" rtl="0" eaLnBrk="1" fontAlgn="auto" latinLnBrk="0" hangingPunct="1">
+              <a:lnSpc>
+                <a:spcPct val="100000"/>
+              </a:lnSpc>
+              <a:spcBef>
+                <a:spcPts val="0"/>
+              </a:spcBef>
+              <a:spcAft>
+                <a:spcPts val="0"/>
+              </a:spcAft>
+              <a:buClrTx/>
+              <a:buSzTx/>
+              <a:buFontTx/>
+              <a:buNone/>
+              <a:tabLst/>
+              <a:defRPr/>
+            </a:pPr>
+            <a:r>
+              <a:rPr lang="hu-HU" dirty="0" smtClean="0"/>
+              <a:t>A </a:t>
+            </a:r>
+            <a:r>
+              <a:rPr lang="hu-HU" dirty="0" smtClean="0"/>
+              <a:t>csapaton</a:t>
+            </a:r>
+            <a:r>
+              <a:rPr lang="hu-HU" baseline="0" dirty="0" smtClean="0"/>
+              <a:t> belül nem voltak a feladatok személyekre </a:t>
+            </a:r>
+            <a:r>
+              <a:rPr lang="hu-HU" baseline="0" dirty="0" smtClean="0"/>
+              <a:t>szabva vagy egy bizonyos személyre kiszabva, viszont igyekeztünk egyenlően elosztani a feladatokat. </a:t>
+            </a:r>
+            <a:r>
+              <a:rPr lang="hu-HU" baseline="0" dirty="0" smtClean="0"/>
+              <a:t>Mindenki magának választhatott szabadon</a:t>
+            </a:r>
+            <a:r>
+              <a:rPr lang="hu-HU" baseline="0" dirty="0" smtClean="0"/>
+              <a:t>. Fontos volt számunk az hogy senkit se hagyjunk hátra. Ha valaki elakadt, vagy több napja dolgozott egy adott feladaton, a saját feladatainkat félre téve segítettünk neki megoldani a problémát.</a:t>
+            </a:r>
+            <a:endParaRPr lang="hu-HU" baseline="0" dirty="0" smtClean="0"/>
+          </a:p>
+          <a:p>
+            <a:endParaRPr lang="hu-HU" baseline="0" dirty="0" smtClean="0"/>
+          </a:p>
+          <a:p>
+            <a:r>
+              <a:rPr lang="hu-HU" baseline="0" dirty="0" smtClean="0"/>
+              <a:t>A fejlesztés során folyamatosan kihívások kerültek elém, ami motivációt jelentett számomra. A megoldásukkal folyamatosan bizonyíthattam magamnak, és másoknak is, hogy igen is sokat tanultam az elmúlt néhány hétben.</a:t>
+            </a:r>
+          </a:p>
+          <a:p>
+            <a:endParaRPr lang="hu-HU" baseline="0" dirty="0" smtClean="0"/>
+          </a:p>
+          <a:p>
+            <a:r>
+              <a:rPr lang="hu-HU" baseline="0" dirty="0" smtClean="0"/>
+              <a:t>A kihívások mellett </a:t>
+            </a:r>
+            <a:r>
+              <a:rPr lang="hu-HU" baseline="0" dirty="0" smtClean="0"/>
+              <a:t>felmerültek kisebb-nagyobb </a:t>
+            </a:r>
+            <a:r>
+              <a:rPr lang="hu-HU" baseline="0" dirty="0" smtClean="0"/>
+              <a:t>problémák is, </a:t>
+            </a:r>
+            <a:r>
+              <a:rPr lang="hu-HU" baseline="0" dirty="0" smtClean="0"/>
+              <a:t>de a nagyrészük hamar meg is oldódott. </a:t>
+            </a:r>
+            <a:r>
+              <a:rPr lang="hu-HU" baseline="0" dirty="0" smtClean="0"/>
+              <a:t>Mivel a problémák nagyrész amivel találkoztam nagy valószínűséggel csak nekem volt új, ezért először az interneten próbáltam rábukkanni a megoldásra, ha nem jártam sikerrel akkor a csapattársaimtól kértem segítséget, ha pedig ők sem tudtak segíteni akkor az oktatónkhoz, Attilához fordultam aki amint tudott segített, de probléma nem maradt megoldatlanul!</a:t>
+            </a:r>
+          </a:p>
+          <a:p>
             <a:endParaRPr lang="hu-HU" dirty="0"/>
           </a:p>
         </p:txBody>
@@ -1020,7 +753,7 @@
           <a:p>
             <a:fld id="{50EAB2F4-CAA4-4BA1-AA2E-179AB5713217}" type="slidenum">
               <a:rPr lang="hu-HU" smtClean="0"/>
-              <a:t>4</a:t>
+              <a:t>3</a:t>
             </a:fld>
             <a:endParaRPr lang="hu-HU"/>
           </a:p>
@@ -1029,7 +762,7 @@
     </p:spTree>
     <p:extLst>
       <p:ext uri="{BB962C8B-B14F-4D97-AF65-F5344CB8AC3E}">
-        <p14:creationId xmlns:p14="http://schemas.microsoft.com/office/powerpoint/2010/main" val="2913336513"/>
+        <p14:creationId xmlns:p14="http://schemas.microsoft.com/office/powerpoint/2010/main" val="554911041"/>
       </p:ext>
     </p:extLst>
   </p:cSld>
@@ -1066,16 +799,136 @@
             <p:ph type="sldImg"/>
           </p:nvPr>
         </p:nvSpPr>
+        <p:spPr>
+          <a:xfrm>
+            <a:off x="619125" y="3038475"/>
+            <a:ext cx="5486400" cy="3086100"/>
+          </a:xfrm>
+        </p:spPr>
+      </p:sp>
+      <p:sp>
+        <p:nvSpPr>
+          <p:cNvPr id="3" name="Jegyzetek helye 2"/>
+          <p:cNvSpPr>
+            <a:spLocks noGrp="1"/>
+          </p:cNvSpPr>
+          <p:nvPr>
+            <p:ph type="body" idx="1"/>
+          </p:nvPr>
+        </p:nvSpPr>
         <p:spPr/>
-      </p:sp>
-      <p:sp>
-        <p:nvSpPr>
-          <p:cNvPr id="3" name="Jegyzetek helye 2"/>
-          <p:cNvSpPr>
-            <a:spLocks noGrp="1"/>
-          </p:cNvSpPr>
-          <p:nvPr>
-            <p:ph type="body" idx="1"/>
+        <p:txBody>
+          <a:bodyPr/>
+          <a:lstStyle/>
+          <a:p>
+            <a:r>
+              <a:rPr lang="hu-HU" dirty="0" smtClean="0"/>
+              <a:t>A</a:t>
+            </a:r>
+            <a:r>
+              <a:rPr lang="hu-HU" baseline="0" dirty="0" smtClean="0"/>
+              <a:t> függőségek verziókezelését központosítani kellett. Mikor nekiálltunk a projekt elkészítésének függőségeket és verzióikat modulonként használtuk. Ennek több hátránya is, egyrészt mindenhol egyeznie kell a verziónak, illetve ha egy technológiának új verziója jelenne meg és át szeretnénk állni az egész projekttel az új verzióra akkor mindenhol át kéne írni a verziószámot, és ha valahol a régi marad akkor az elsőként említett hátrány lép fel. Ennek elkerülése végett a verziószámok csak egy helyen szerepelnek, a szülő modulba.</a:t>
+            </a:r>
+          </a:p>
+          <a:p>
+            <a:endParaRPr lang="hu-HU" baseline="0" dirty="0" smtClean="0"/>
+          </a:p>
+          <a:p>
+            <a:r>
+              <a:rPr lang="hu-HU" baseline="0" dirty="0" smtClean="0"/>
+              <a:t>Az oldalon eleinte beégetett szövegek jelentek meg, viszont ahhoz hogy több nyelven is elérhető legyen szükségünk volt valamilyen nyelvesítésre. A Java </a:t>
+            </a:r>
+            <a:r>
+              <a:rPr lang="hu-HU" baseline="0" dirty="0" err="1" smtClean="0"/>
+              <a:t>Resource</a:t>
+            </a:r>
+            <a:r>
+              <a:rPr lang="hu-HU" baseline="0" dirty="0" smtClean="0"/>
+              <a:t> </a:t>
+            </a:r>
+            <a:r>
+              <a:rPr lang="hu-HU" baseline="0" dirty="0" err="1" smtClean="0"/>
+              <a:t>Bundle</a:t>
+            </a:r>
+            <a:r>
+              <a:rPr lang="hu-HU" baseline="0" dirty="0" smtClean="0"/>
+              <a:t> használatával az alkalmazás nyelv-függetlenné tehető, a </a:t>
+            </a:r>
+            <a:r>
+              <a:rPr lang="hu-HU" baseline="0" dirty="0" err="1" smtClean="0"/>
+              <a:t>resource</a:t>
+            </a:r>
+            <a:r>
+              <a:rPr lang="hu-HU" baseline="0" dirty="0" smtClean="0"/>
+              <a:t> </a:t>
+            </a:r>
+            <a:r>
+              <a:rPr lang="hu-HU" baseline="0" dirty="0" err="1" smtClean="0"/>
+              <a:t>bundle</a:t>
+            </a:r>
+            <a:r>
+              <a:rPr lang="hu-HU" baseline="0" dirty="0" smtClean="0"/>
+              <a:t> egy .</a:t>
+            </a:r>
+            <a:r>
+              <a:rPr lang="hu-HU" baseline="0" dirty="0" err="1" smtClean="0"/>
+              <a:t>properties</a:t>
+            </a:r>
+            <a:r>
+              <a:rPr lang="hu-HU" baseline="0" dirty="0" smtClean="0"/>
+              <a:t> típusú fájlból olvassa ki az oda tartozó szöveget, a megfelelő nyelven. Ezek a fájlok tartalmazzák a fordításokat. A magyar nyelvű </a:t>
+            </a:r>
+            <a:r>
+              <a:rPr lang="hu-HU" baseline="0" dirty="0" err="1" smtClean="0"/>
+              <a:t>property-k</a:t>
+            </a:r>
+            <a:r>
+              <a:rPr lang="hu-HU" baseline="0" dirty="0" smtClean="0"/>
+              <a:t> </a:t>
+            </a:r>
+            <a:r>
+              <a:rPr lang="hu-HU" baseline="0" dirty="0" err="1" smtClean="0"/>
+              <a:t>nagyrésze</a:t>
+            </a:r>
+            <a:r>
+              <a:rPr lang="hu-HU" baseline="0" dirty="0" smtClean="0"/>
+              <a:t> megvolt, viszont az angol nem. A magyart ki egészítettem a még hiányzó elemekkel, majd az egészet angolra is lefordítottam.</a:t>
+            </a:r>
+            <a:endParaRPr lang="hu-HU" dirty="0" smtClean="0"/>
+          </a:p>
+          <a:p>
+            <a:endParaRPr lang="hu-HU" dirty="0" smtClean="0"/>
+          </a:p>
+          <a:p>
+            <a:r>
+              <a:rPr lang="hu-HU" dirty="0" smtClean="0"/>
+              <a:t>A felhasználók kezeléséhez létre kellett hoznom</a:t>
+            </a:r>
+            <a:r>
+              <a:rPr lang="hu-HU" baseline="0" dirty="0" smtClean="0"/>
+              <a:t> egy kezelőfelületet illetve az alatta futó szolgáltatásokat is. Részletesebben erről kicsit később fogok beszélni.</a:t>
+            </a:r>
+          </a:p>
+          <a:p>
+            <a:endParaRPr lang="hu-HU" baseline="0" dirty="0" smtClean="0"/>
+          </a:p>
+          <a:p>
+            <a:r>
+              <a:rPr lang="hu-HU" baseline="0" dirty="0" smtClean="0"/>
+              <a:t>A kódlefedettség egy fontos statisztikai adat egy projektről. Ez mutatja meg hogy a kód mekkora része van letesztelve. Erről később szintén szó lesz még.</a:t>
+            </a:r>
+            <a:endParaRPr lang="hu-HU" dirty="0"/>
+          </a:p>
+        </p:txBody>
+      </p:sp>
+      <p:sp>
+        <p:nvSpPr>
+          <p:cNvPr id="4" name="Dia számának helye 3"/>
+          <p:cNvSpPr>
+            <a:spLocks noGrp="1"/>
+          </p:cNvSpPr>
+          <p:nvPr>
+            <p:ph type="sldNum" sz="quarter" idx="10"/>
           </p:nvPr>
         </p:nvSpPr>
         <p:spPr/>
@@ -1083,474 +936,9 @@
           <a:bodyPr/>
           <a:lstStyle/>
           <a:p>
-            <a:pPr marL="0" marR="0" lvl="2" indent="0" algn="l" defTabSz="914400" rtl="0" eaLnBrk="1" fontAlgn="auto" latinLnBrk="0" hangingPunct="1">
-              <a:lnSpc>
-                <a:spcPct val="100000"/>
-              </a:lnSpc>
-              <a:spcBef>
-                <a:spcPts val="0"/>
-              </a:spcBef>
-              <a:spcAft>
-                <a:spcPts val="0"/>
-              </a:spcAft>
-              <a:buClrTx/>
-              <a:buSzTx/>
-              <a:buFontTx/>
-              <a:buNone/>
-              <a:tabLst/>
-              <a:defRPr/>
-            </a:pPr>
-            <a:r>
-              <a:rPr lang="hu-HU" dirty="0" smtClean="0"/>
-              <a:t>A grafikus komponenseket reprezentáló API-kat, amelyekkel módosítani lehet a komponensek állapotát, eseményeket lehet kezelni és felhasználó inputot lehet ellenőrizni többek között.</a:t>
-            </a:r>
-          </a:p>
-          <a:p>
-            <a:pPr marL="0" marR="0" lvl="2" indent="0" algn="l" defTabSz="914400" rtl="0" eaLnBrk="1" fontAlgn="auto" latinLnBrk="0" hangingPunct="1">
-              <a:lnSpc>
-                <a:spcPct val="100000"/>
-              </a:lnSpc>
-              <a:spcBef>
-                <a:spcPts val="0"/>
-              </a:spcBef>
-              <a:spcAft>
-                <a:spcPts val="0"/>
-              </a:spcAft>
-              <a:buClrTx/>
-              <a:buSzTx/>
-              <a:buFontTx/>
-              <a:buNone/>
-              <a:tabLst/>
-              <a:defRPr/>
-            </a:pPr>
-            <a:r>
-              <a:rPr lang="hu-HU" dirty="0" smtClean="0"/>
-              <a:t>JSP elemkönyvtárakat, melyeken keresztül hivatkozni lehet a JSF komponensekre JSP oldalakból.</a:t>
-            </a:r>
-          </a:p>
-          <a:p>
-            <a:pPr marL="0" marR="0" lvl="2" indent="0" algn="l" defTabSz="914400" rtl="0" eaLnBrk="1" fontAlgn="auto" latinLnBrk="0" hangingPunct="1">
-              <a:lnSpc>
-                <a:spcPct val="100000"/>
-              </a:lnSpc>
-              <a:spcBef>
-                <a:spcPts val="0"/>
-              </a:spcBef>
-              <a:spcAft>
-                <a:spcPts val="0"/>
-              </a:spcAft>
-              <a:buClrTx/>
-              <a:buSzTx/>
-              <a:buFontTx/>
-              <a:buNone/>
-              <a:tabLst/>
-              <a:defRPr/>
-            </a:pPr>
-            <a:r>
-              <a:rPr lang="hu-HU" sz="1200" b="0" i="0" kern="1200" dirty="0" smtClean="0">
-                <a:solidFill>
-                  <a:schemeClr val="tx1"/>
-                </a:solidFill>
-                <a:effectLst/>
-                <a:latin typeface="+mn-lt"/>
-                <a:ea typeface="+mn-ea"/>
-                <a:cs typeface="+mn-cs"/>
-              </a:rPr>
-              <a:t>A </a:t>
-            </a:r>
-            <a:r>
-              <a:rPr lang="hu-HU" sz="1200" b="1" i="0" kern="1200" dirty="0" smtClean="0">
-                <a:solidFill>
-                  <a:schemeClr val="tx1"/>
-                </a:solidFill>
-                <a:effectLst/>
-                <a:latin typeface="+mn-lt"/>
-                <a:ea typeface="+mn-ea"/>
-                <a:cs typeface="+mn-cs"/>
-              </a:rPr>
-              <a:t>szerver</a:t>
-            </a:r>
-            <a:r>
-              <a:rPr lang="hu-HU" sz="1200" b="0" i="0" kern="1200" dirty="0" smtClean="0">
-                <a:solidFill>
-                  <a:schemeClr val="tx1"/>
-                </a:solidFill>
-                <a:effectLst/>
-                <a:latin typeface="+mn-lt"/>
-                <a:ea typeface="+mn-ea"/>
-                <a:cs typeface="+mn-cs"/>
-              </a:rPr>
-              <a:t> (az </a:t>
-            </a:r>
-            <a:r>
-              <a:rPr lang="hu-HU" sz="1200" b="0" i="0" u="none" strike="noStrike" kern="1200" dirty="0" smtClean="0">
-                <a:solidFill>
-                  <a:schemeClr val="tx1"/>
-                </a:solidFill>
-                <a:effectLst/>
-                <a:latin typeface="+mn-lt"/>
-                <a:ea typeface="+mn-ea"/>
-                <a:cs typeface="+mn-cs"/>
-              </a:rPr>
-              <a:t>angol</a:t>
-            </a:r>
-            <a:r>
-              <a:rPr lang="hu-HU" sz="1200" b="0" i="0" kern="1200" dirty="0" smtClean="0">
-                <a:solidFill>
-                  <a:schemeClr val="tx1"/>
-                </a:solidFill>
-                <a:effectLst/>
-                <a:latin typeface="+mn-lt"/>
-                <a:ea typeface="+mn-ea"/>
-                <a:cs typeface="+mn-cs"/>
-              </a:rPr>
-              <a:t> </a:t>
-            </a:r>
-            <a:r>
-              <a:rPr lang="hu-HU" sz="1200" b="0" i="1" kern="1200" dirty="0" smtClean="0">
-                <a:solidFill>
-                  <a:schemeClr val="tx1"/>
-                </a:solidFill>
-                <a:effectLst/>
-                <a:latin typeface="+mn-lt"/>
-                <a:ea typeface="+mn-ea"/>
-                <a:cs typeface="+mn-cs"/>
-              </a:rPr>
-              <a:t>server</a:t>
-            </a:r>
-            <a:r>
-              <a:rPr lang="hu-HU" sz="1200" b="0" i="0" kern="1200" dirty="0" smtClean="0">
-                <a:solidFill>
-                  <a:schemeClr val="tx1"/>
-                </a:solidFill>
-                <a:effectLst/>
-                <a:latin typeface="+mn-lt"/>
-                <a:ea typeface="+mn-ea"/>
-                <a:cs typeface="+mn-cs"/>
-              </a:rPr>
-              <a:t> szóból) vagy </a:t>
-            </a:r>
-            <a:r>
-              <a:rPr lang="hu-HU" sz="1200" b="1" i="0" kern="1200" dirty="0" smtClean="0">
-                <a:solidFill>
-                  <a:schemeClr val="tx1"/>
-                </a:solidFill>
-                <a:effectLst/>
-                <a:latin typeface="+mn-lt"/>
-                <a:ea typeface="+mn-ea"/>
-                <a:cs typeface="+mn-cs"/>
-              </a:rPr>
-              <a:t>kiszolgáló</a:t>
-            </a:r>
-            <a:r>
-              <a:rPr lang="hu-HU" sz="1200" b="0" i="0" kern="1200" dirty="0" smtClean="0">
-                <a:solidFill>
-                  <a:schemeClr val="tx1"/>
-                </a:solidFill>
-                <a:effectLst/>
-                <a:latin typeface="+mn-lt"/>
-                <a:ea typeface="+mn-ea"/>
-                <a:cs typeface="+mn-cs"/>
-              </a:rPr>
-              <a:t> az </a:t>
-            </a:r>
-            <a:r>
-              <a:rPr lang="hu-HU" sz="1200" b="0" i="0" u="none" strike="noStrike" kern="1200" dirty="0" smtClean="0">
-                <a:solidFill>
-                  <a:schemeClr val="tx1"/>
-                </a:solidFill>
-                <a:effectLst/>
-                <a:latin typeface="+mn-lt"/>
-                <a:ea typeface="+mn-ea"/>
-                <a:cs typeface="+mn-cs"/>
-              </a:rPr>
-              <a:t>informatikában</a:t>
-            </a:r>
-            <a:r>
-              <a:rPr lang="hu-HU" sz="1200" b="0" i="0" kern="1200" dirty="0" smtClean="0">
-                <a:solidFill>
-                  <a:schemeClr val="tx1"/>
-                </a:solidFill>
-                <a:effectLst/>
-                <a:latin typeface="+mn-lt"/>
-                <a:ea typeface="+mn-ea"/>
-                <a:cs typeface="+mn-cs"/>
-              </a:rPr>
-              <a:t> olyan (általában nagy teljesítményű) </a:t>
-            </a:r>
-            <a:r>
-              <a:rPr lang="hu-HU" sz="1200" b="0" i="0" u="none" strike="noStrike" kern="1200" dirty="0" smtClean="0">
-                <a:solidFill>
-                  <a:schemeClr val="tx1"/>
-                </a:solidFill>
-                <a:effectLst/>
-                <a:latin typeface="+mn-lt"/>
-                <a:ea typeface="+mn-ea"/>
-                <a:cs typeface="+mn-cs"/>
-              </a:rPr>
-              <a:t>számítógépet</a:t>
-            </a:r>
-            <a:r>
-              <a:rPr lang="hu-HU" sz="1200" b="0" i="0" kern="1200" dirty="0" smtClean="0">
-                <a:solidFill>
-                  <a:schemeClr val="tx1"/>
-                </a:solidFill>
-                <a:effectLst/>
-                <a:latin typeface="+mn-lt"/>
-                <a:ea typeface="+mn-ea"/>
-                <a:cs typeface="+mn-cs"/>
-              </a:rPr>
-              <a:t> vagy </a:t>
-            </a:r>
-            <a:r>
-              <a:rPr lang="hu-HU" sz="1200" b="0" i="0" u="none" strike="noStrike" kern="1200" dirty="0" smtClean="0">
-                <a:solidFill>
-                  <a:schemeClr val="tx1"/>
-                </a:solidFill>
-                <a:effectLst/>
-                <a:latin typeface="+mn-lt"/>
-                <a:ea typeface="+mn-ea"/>
-                <a:cs typeface="+mn-cs"/>
-              </a:rPr>
-              <a:t>szoftvert</a:t>
-            </a:r>
-            <a:r>
-              <a:rPr lang="hu-HU" sz="1200" b="0" i="0" kern="1200" dirty="0" smtClean="0">
-                <a:solidFill>
-                  <a:schemeClr val="tx1"/>
-                </a:solidFill>
-                <a:effectLst/>
-                <a:latin typeface="+mn-lt"/>
-                <a:ea typeface="+mn-ea"/>
-                <a:cs typeface="+mn-cs"/>
-              </a:rPr>
-              <a:t> jelent, ami más </a:t>
-            </a:r>
-            <a:r>
-              <a:rPr lang="hu-HU" sz="1200" b="0" i="0" u="none" strike="noStrike" kern="1200" dirty="0" smtClean="0">
-                <a:solidFill>
-                  <a:schemeClr val="tx1"/>
-                </a:solidFill>
-                <a:effectLst/>
-                <a:latin typeface="+mn-lt"/>
-                <a:ea typeface="+mn-ea"/>
-                <a:cs typeface="+mn-cs"/>
-              </a:rPr>
-              <a:t>számítógépek</a:t>
-            </a:r>
-            <a:r>
-              <a:rPr lang="hu-HU" sz="1200" b="0" i="0" kern="1200" dirty="0" smtClean="0">
-                <a:solidFill>
-                  <a:schemeClr val="tx1"/>
-                </a:solidFill>
-                <a:effectLst/>
-                <a:latin typeface="+mn-lt"/>
-                <a:ea typeface="+mn-ea"/>
-                <a:cs typeface="+mn-cs"/>
-              </a:rPr>
-              <a:t> számára a rajta tárolt vagy előállított adatok felhasználását, a szerver </a:t>
-            </a:r>
-            <a:r>
-              <a:rPr lang="hu-HU" sz="1200" b="0" i="0" u="none" strike="noStrike" kern="1200" dirty="0" smtClean="0">
-                <a:solidFill>
-                  <a:schemeClr val="tx1"/>
-                </a:solidFill>
-                <a:effectLst/>
-                <a:latin typeface="+mn-lt"/>
-                <a:ea typeface="+mn-ea"/>
-                <a:cs typeface="+mn-cs"/>
-              </a:rPr>
-              <a:t>hardver</a:t>
-            </a:r>
-            <a:r>
-              <a:rPr lang="hu-HU" sz="1200" b="0" i="0" kern="1200" dirty="0" smtClean="0">
-                <a:solidFill>
-                  <a:schemeClr val="tx1"/>
-                </a:solidFill>
-                <a:effectLst/>
-                <a:latin typeface="+mn-lt"/>
-                <a:ea typeface="+mn-ea"/>
-                <a:cs typeface="+mn-cs"/>
-              </a:rPr>
-              <a:t> erőforrásainak (például nyomtató, háttértárolók, processzor) kihasználását, illetve más szolgáltatások elérését teszi lehetővé.</a:t>
-            </a:r>
-            <a:endParaRPr lang="hu-HU" dirty="0" smtClean="0"/>
-          </a:p>
-          <a:p>
-            <a:pPr marL="0" marR="0" lvl="2" indent="0" algn="l" defTabSz="914400" rtl="0" eaLnBrk="1" fontAlgn="auto" latinLnBrk="0" hangingPunct="1">
-              <a:lnSpc>
-                <a:spcPct val="100000"/>
-              </a:lnSpc>
-              <a:spcBef>
-                <a:spcPts val="0"/>
-              </a:spcBef>
-              <a:spcAft>
-                <a:spcPts val="0"/>
-              </a:spcAft>
-              <a:buClrTx/>
-              <a:buSzTx/>
-              <a:buFontTx/>
-              <a:buNone/>
-              <a:tabLst/>
-              <a:defRPr/>
-            </a:pPr>
-            <a:r>
-              <a:rPr lang="hu-HU" dirty="0" smtClean="0"/>
-              <a:t>Managed Bean-ek, melyek speciális </a:t>
-            </a:r>
-            <a:r>
-              <a:rPr lang="hu-HU" dirty="0" err="1" smtClean="0"/>
-              <a:t>JavaBean-ek</a:t>
-            </a:r>
-            <a:r>
-              <a:rPr lang="hu-HU" dirty="0" smtClean="0"/>
-              <a:t>.</a:t>
-            </a:r>
-            <a:r>
-              <a:rPr lang="en-US" sz="1200" b="0" i="0" kern="1200" dirty="0" smtClean="0">
-                <a:solidFill>
-                  <a:schemeClr val="tx1"/>
-                </a:solidFill>
-                <a:effectLst/>
-                <a:latin typeface="+mn-lt"/>
-                <a:ea typeface="+mn-ea"/>
-                <a:cs typeface="+mn-cs"/>
-              </a:rPr>
-              <a:t> A </a:t>
-            </a:r>
-            <a:r>
-              <a:rPr lang="en-US" sz="1200" b="1" i="0" kern="1200" dirty="0" smtClean="0">
-                <a:solidFill>
-                  <a:schemeClr val="tx1"/>
-                </a:solidFill>
-                <a:effectLst/>
-                <a:latin typeface="+mn-lt"/>
-                <a:ea typeface="+mn-ea"/>
-                <a:cs typeface="+mn-cs"/>
-              </a:rPr>
-              <a:t>managed bean</a:t>
-            </a:r>
-            <a:r>
-              <a:rPr lang="en-US" sz="1200" b="0" i="0" kern="1200" dirty="0" smtClean="0">
-                <a:solidFill>
-                  <a:schemeClr val="tx1"/>
-                </a:solidFill>
-                <a:effectLst/>
-                <a:latin typeface="+mn-lt"/>
-                <a:ea typeface="+mn-ea"/>
-                <a:cs typeface="+mn-cs"/>
-              </a:rPr>
-              <a:t> - sometimes simply referred to as an </a:t>
-            </a:r>
-            <a:r>
-              <a:rPr lang="en-US" sz="1200" b="0" i="1" kern="1200" dirty="0" err="1" smtClean="0">
-                <a:solidFill>
-                  <a:schemeClr val="tx1"/>
-                </a:solidFill>
-                <a:effectLst/>
-                <a:latin typeface="+mn-lt"/>
-                <a:ea typeface="+mn-ea"/>
-                <a:cs typeface="+mn-cs"/>
-              </a:rPr>
-              <a:t>MBean</a:t>
-            </a:r>
-            <a:r>
-              <a:rPr lang="en-US" sz="1200" b="0" i="0" kern="1200" dirty="0" smtClean="0">
-                <a:solidFill>
-                  <a:schemeClr val="tx1"/>
-                </a:solidFill>
-                <a:effectLst/>
-                <a:latin typeface="+mn-lt"/>
-                <a:ea typeface="+mn-ea"/>
-                <a:cs typeface="+mn-cs"/>
-              </a:rPr>
-              <a:t> - is a type of </a:t>
-            </a:r>
-            <a:r>
-              <a:rPr lang="en-US" sz="1200" b="0" i="0" u="none" strike="noStrike" kern="1200" dirty="0" smtClean="0">
-                <a:solidFill>
-                  <a:schemeClr val="tx1"/>
-                </a:solidFill>
-                <a:effectLst/>
-                <a:latin typeface="+mn-lt"/>
-                <a:ea typeface="+mn-ea"/>
-                <a:cs typeface="+mn-cs"/>
-              </a:rPr>
-              <a:t>JavaBean</a:t>
-            </a:r>
-            <a:r>
-              <a:rPr lang="en-US" sz="1200" b="0" i="0" kern="1200" dirty="0" smtClean="0">
-                <a:solidFill>
-                  <a:schemeClr val="tx1"/>
-                </a:solidFill>
-                <a:effectLst/>
-                <a:latin typeface="+mn-lt"/>
-                <a:ea typeface="+mn-ea"/>
-                <a:cs typeface="+mn-cs"/>
-              </a:rPr>
-              <a:t>, created with </a:t>
-            </a:r>
-            <a:r>
-              <a:rPr lang="en-US" sz="1200" b="0" i="0" u="none" strike="noStrike" kern="1200" dirty="0" smtClean="0">
-                <a:solidFill>
-                  <a:schemeClr val="tx1"/>
-                </a:solidFill>
-                <a:effectLst/>
-                <a:latin typeface="+mn-lt"/>
-                <a:ea typeface="+mn-ea"/>
-                <a:cs typeface="+mn-cs"/>
-              </a:rPr>
-              <a:t>dependency injection</a:t>
-            </a:r>
-            <a:r>
-              <a:rPr lang="en-US" sz="1200" b="0" i="0" kern="1200" dirty="0" smtClean="0">
-                <a:solidFill>
-                  <a:schemeClr val="tx1"/>
-                </a:solidFill>
-                <a:effectLst/>
-                <a:latin typeface="+mn-lt"/>
-                <a:ea typeface="+mn-ea"/>
-                <a:cs typeface="+mn-cs"/>
-              </a:rPr>
-              <a:t>. Managed Beans are particularly used in the Java Management Extensions technology</a:t>
-            </a:r>
-            <a:r>
-              <a:rPr lang="hu-HU" sz="1200" b="0" i="0" kern="1200" baseline="0" dirty="0" smtClean="0">
-                <a:solidFill>
-                  <a:schemeClr val="tx1"/>
-                </a:solidFill>
-                <a:effectLst/>
-                <a:latin typeface="+mn-lt"/>
-                <a:ea typeface="+mn-ea"/>
-                <a:cs typeface="+mn-cs"/>
-              </a:rPr>
-              <a:t> (le kéne fordítani értelmes magyar mondattá).</a:t>
-            </a:r>
-            <a:endParaRPr lang="hu-HU" dirty="0" smtClean="0"/>
-          </a:p>
-          <a:p>
-            <a:endParaRPr lang="hu-HU" dirty="0"/>
-          </a:p>
-        </p:txBody>
-      </p:sp>
-      <p:sp>
-        <p:nvSpPr>
-          <p:cNvPr id="4" name="Dia számának helye 3"/>
-          <p:cNvSpPr>
-            <a:spLocks noGrp="1"/>
-          </p:cNvSpPr>
-          <p:nvPr>
-            <p:ph type="sldNum" sz="quarter" idx="10"/>
-          </p:nvPr>
-        </p:nvSpPr>
-        <p:spPr/>
-        <p:txBody>
-          <a:bodyPr/>
-          <a:lstStyle/>
-          <a:p>
             <a:fld id="{50EAB2F4-CAA4-4BA1-AA2E-179AB5713217}" type="slidenum">
               <a:rPr lang="hu-HU" smtClean="0"/>
-              <a:t>5</a:t>
+              <a:t>4</a:t>
             </a:fld>
             <a:endParaRPr lang="hu-HU"/>
           </a:p>
@@ -1559,7 +947,7 @@
     </p:spTree>
     <p:extLst>
       <p:ext uri="{BB962C8B-B14F-4D97-AF65-F5344CB8AC3E}">
-        <p14:creationId xmlns:p14="http://schemas.microsoft.com/office/powerpoint/2010/main" val="3472352764"/>
+        <p14:creationId xmlns:p14="http://schemas.microsoft.com/office/powerpoint/2010/main" val="2048949999"/>
       </p:ext>
     </p:extLst>
   </p:cSld>
@@ -1596,12 +984,7 @@
             <p:ph type="sldImg"/>
           </p:nvPr>
         </p:nvSpPr>
-        <p:spPr>
-          <a:xfrm>
-            <a:off x="619125" y="3038475"/>
-            <a:ext cx="5486400" cy="3086100"/>
-          </a:xfrm>
-        </p:spPr>
+        <p:spPr/>
       </p:sp>
       <p:sp>
         <p:nvSpPr>
@@ -1620,27 +1003,68 @@
           <a:p>
             <a:r>
               <a:rPr lang="hu-HU" dirty="0" smtClean="0"/>
-              <a:t>Szükség van</a:t>
+              <a:t>Itt látható </a:t>
+            </a:r>
+            <a:r>
+              <a:rPr lang="hu-HU" dirty="0" smtClean="0"/>
+              <a:t>a felhasználókhoz tartozó </a:t>
+            </a:r>
+            <a:r>
+              <a:rPr lang="hu-HU" dirty="0" smtClean="0"/>
+              <a:t>kezelés</a:t>
             </a:r>
             <a:r>
               <a:rPr lang="hu-HU" baseline="0" dirty="0" smtClean="0"/>
-              <a:t> a felhasználók kezeléséhet alapvető műveletekre mint a létrehozás, a módosítás vagy akár a törlés. Ezen felül szükség van a jogainak a kezelésére is, mivel a funkciók nagy része védve van, hisz nem férhet mindenki, mindenhez hozzá.</a:t>
-            </a:r>
-          </a:p>
-          <a:p>
+              <a:t>i felület</a:t>
+            </a:r>
             <a:r>
               <a:rPr lang="hu-HU" baseline="0" dirty="0" smtClean="0"/>
-              <a:t>Mikor létrehozunk egy felhasználót vendég jogcsoporttal fog rendelkezni, ha további jogokat szeretnénk hozzárendelni azt utólag tehetjük meg.</a:t>
-            </a:r>
+              <a:t>.</a:t>
+            </a:r>
+          </a:p>
+          <a:p>
+            <a:endParaRPr lang="hu-HU" baseline="0" dirty="0" smtClean="0"/>
           </a:p>
           <a:p>
             <a:r>
               <a:rPr lang="hu-HU" baseline="0" dirty="0" smtClean="0"/>
-              <a:t>A jelszót nem tároljuk sehol, csak és kizárólag titkosítva. Módosítani Az alapvető adatait tudjuk, és tároljuk azt is ki és mikor tette ezt.</a:t>
-            </a:r>
-          </a:p>
-          <a:p>
-            <a:endParaRPr lang="hu-HU" dirty="0"/>
+              <a:t>Három alap műveletet kellett megvalósítanom: a létrehozást, a szerkesztést illetve a törlést. Szükség volt még egy felhasználó jogainak a kezelésére </a:t>
+            </a:r>
+            <a:r>
+              <a:rPr lang="hu-HU" baseline="0" smtClean="0"/>
+              <a:t>is.</a:t>
+            </a:r>
+          </a:p>
+          <a:p>
+            <a:endParaRPr lang="hu-HU" baseline="0" dirty="0" smtClean="0"/>
+          </a:p>
+          <a:p>
+            <a:r>
+              <a:rPr lang="hu-HU" baseline="0" dirty="0" smtClean="0"/>
+              <a:t>Mikor létrehozunk egy felhasználót csak az alap adatait adhatjuk meg. A jelszó amit az adatbázisba tárolunk véletlenszerűen generált karaktereket tartalmaz, és ezt azonnal titkosítjuk is hogy minél biztonságosabb legyen az alkalmazás. A létrehozás további folyamatát egy csapattársam fogja szemléltetni. </a:t>
+            </a:r>
+          </a:p>
+          <a:p>
+            <a:r>
+              <a:rPr lang="hu-HU" baseline="0" dirty="0" smtClean="0"/>
+              <a:t/>
+            </a:r>
+            <a:br>
+              <a:rPr lang="hu-HU" baseline="0" dirty="0" smtClean="0"/>
+            </a:br>
+            <a:r>
+              <a:rPr lang="hu-HU" baseline="0" dirty="0" smtClean="0"/>
+              <a:t>A maradék három gomb akkor aktiválódik ha kiválasztunk egy elemet a táblázatban. A szerkesztés illetve a törlés úgy gondolom mindenki számára egyértelmű. </a:t>
+            </a:r>
+          </a:p>
+          <a:p>
+            <a:endParaRPr lang="hu-HU" baseline="0" dirty="0" smtClean="0"/>
+          </a:p>
+          <a:p>
+            <a:r>
+              <a:rPr lang="hu-HU" baseline="0" dirty="0" smtClean="0"/>
+              <a:t>A jogok kezelésére azért van szükség, mert mikor létrehozunk egy felhasználót, vagy beregisztrál ő maga vendégként fog szerepelni az adatbázisba ezért csak néhány funkció lesz elérhető számára.</a:t>
+            </a:r>
           </a:p>
         </p:txBody>
       </p:sp>
@@ -1661,7 +1085,7 @@
           <a:p>
             <a:fld id="{50EAB2F4-CAA4-4BA1-AA2E-179AB5713217}" type="slidenum">
               <a:rPr lang="hu-HU" smtClean="0"/>
-              <a:t>6</a:t>
+              <a:t>5</a:t>
             </a:fld>
             <a:endParaRPr lang="hu-HU"/>
           </a:p>
@@ -1670,7 +1094,7 @@
     </p:spTree>
     <p:extLst>
       <p:ext uri="{BB962C8B-B14F-4D97-AF65-F5344CB8AC3E}">
-        <p14:creationId xmlns:p14="http://schemas.microsoft.com/office/powerpoint/2010/main" val="2048949999"/>
+        <p14:creationId xmlns:p14="http://schemas.microsoft.com/office/powerpoint/2010/main" val="2125965806"/>
       </p:ext>
     </p:extLst>
   </p:cSld>
@@ -1726,30 +1150,49 @@
           <a:p>
             <a:r>
               <a:rPr lang="hu-HU" dirty="0" smtClean="0"/>
-              <a:t>Itt látható a kezelés</a:t>
+              <a:t>A</a:t>
             </a:r>
             <a:r>
               <a:rPr lang="hu-HU" baseline="0" dirty="0" smtClean="0"/>
-              <a:t>i felület.</a:t>
-            </a:r>
+              <a:t>z felhasználók, az események illetve a tematika szolgáltatásaihoz tartozó teszteket teljes egészében én írtam. Ezen kívül még hiányoztak tesztek a jogok és a jogcsoportok szolgáltatásai mellől is. Ezeket pótoltam először. </a:t>
+            </a:r>
+          </a:p>
+          <a:p>
             <a:endParaRPr lang="hu-HU" dirty="0" smtClean="0"/>
           </a:p>
           <a:p>
             <a:r>
               <a:rPr lang="hu-HU" dirty="0" smtClean="0"/>
-              <a:t>Az</a:t>
+              <a:t>A</a:t>
             </a:r>
             <a:r>
               <a:rPr lang="hu-HU" baseline="0" dirty="0" smtClean="0"/>
-              <a:t> adatok megjelenítése mellett lehetőség van a szűrésre.</a:t>
-            </a:r>
+              <a:t> meglévő tesztek között volt néhány amely nem töltötte ki teljesen a feladatát, vagy esetleg nem működött megfelelően, ezeket is ki kellett javítanom a teljes siker érdekében.</a:t>
+            </a:r>
+          </a:p>
+          <a:p>
+            <a:endParaRPr lang="hu-HU" baseline="0" dirty="0" smtClean="0"/>
           </a:p>
           <a:p>
             <a:r>
               <a:rPr lang="hu-HU" baseline="0" dirty="0" smtClean="0"/>
-              <a:t> </a:t>
-            </a:r>
-            <a:endParaRPr lang="hu-HU" dirty="0"/>
+              <a:t>A tesztek mellett a kód lefedettségét rontják azok a kódrészletek amik meg lettek írva, de már nincsenek használatba. A helyükre valószínűleg született jobb megoldás, viszont a régi bennmarad a kódban. Ezeket nevezik „halott” kódnak, az ilyen kódrészletek lefutása memória és processzoridő pazarlás. Eltávolításukkal javul az alkalmazás teljesítménye.</a:t>
+            </a:r>
+            <a:endParaRPr lang="hu-HU" dirty="0" smtClean="0"/>
+          </a:p>
+          <a:p>
+            <a:endParaRPr lang="hu-HU" dirty="0" smtClean="0"/>
+          </a:p>
+          <a:p>
+            <a:r>
+              <a:rPr lang="hu-HU" dirty="0" smtClean="0"/>
+              <a:t>Mindezek pótlása</a:t>
+            </a:r>
+            <a:r>
+              <a:rPr lang="hu-HU" baseline="0" dirty="0" smtClean="0"/>
+              <a:t> és javítása utána a modulunk lefedettsége 100% lett.</a:t>
+            </a:r>
+            <a:endParaRPr lang="hu-HU" dirty="0" smtClean="0"/>
           </a:p>
         </p:txBody>
       </p:sp>
@@ -1770,117 +1213,7 @@
           <a:p>
             <a:fld id="{50EAB2F4-CAA4-4BA1-AA2E-179AB5713217}" type="slidenum">
               <a:rPr lang="hu-HU" smtClean="0"/>
-              <a:t>7</a:t>
-            </a:fld>
-            <a:endParaRPr lang="hu-HU"/>
-          </a:p>
-        </p:txBody>
-      </p:sp>
-    </p:spTree>
-    <p:extLst>
-      <p:ext uri="{BB962C8B-B14F-4D97-AF65-F5344CB8AC3E}">
-        <p14:creationId xmlns:p14="http://schemas.microsoft.com/office/powerpoint/2010/main" val="2125965806"/>
-      </p:ext>
-    </p:extLst>
-  </p:cSld>
-  <p:clrMapOvr>
-    <a:masterClrMapping/>
-  </p:clrMapOvr>
-</p:notes>
-</file>
-
-<file path=ppt/notesSlides/notesSlide6.xml><?xml version="1.0" encoding="utf-8"?>
-<p:notes xmlns:a="http://schemas.openxmlformats.org/drawingml/2006/main" xmlns:r="http://schemas.openxmlformats.org/officeDocument/2006/relationships" xmlns:p="http://schemas.openxmlformats.org/presentationml/2006/main">
-  <p:cSld>
-    <p:spTree>
-      <p:nvGrpSpPr>
-        <p:cNvPr id="1" name=""/>
-        <p:cNvGrpSpPr/>
-        <p:nvPr/>
-      </p:nvGrpSpPr>
-      <p:grpSpPr>
-        <a:xfrm>
-          <a:off x="0" y="0"/>
-          <a:ext cx="0" cy="0"/>
-          <a:chOff x="0" y="0"/>
-          <a:chExt cx="0" cy="0"/>
-        </a:xfrm>
-      </p:grpSpPr>
-      <p:sp>
-        <p:nvSpPr>
-          <p:cNvPr id="2" name="Diakép helye 1"/>
-          <p:cNvSpPr>
-            <a:spLocks noGrp="1" noRot="1" noChangeAspect="1"/>
-          </p:cNvSpPr>
-          <p:nvPr>
-            <p:ph type="sldImg"/>
-          </p:nvPr>
-        </p:nvSpPr>
-        <p:spPr/>
-      </p:sp>
-      <p:sp>
-        <p:nvSpPr>
-          <p:cNvPr id="3" name="Jegyzetek helye 2"/>
-          <p:cNvSpPr>
-            <a:spLocks noGrp="1"/>
-          </p:cNvSpPr>
-          <p:nvPr>
-            <p:ph type="body" idx="1"/>
-          </p:nvPr>
-        </p:nvSpPr>
-        <p:spPr/>
-        <p:txBody>
-          <a:bodyPr/>
-          <a:lstStyle/>
-          <a:p>
-            <a:r>
-              <a:rPr lang="hu-HU" dirty="0" smtClean="0"/>
-              <a:t>A kódlefedettség</a:t>
-            </a:r>
-            <a:r>
-              <a:rPr lang="hu-HU" baseline="0" dirty="0" smtClean="0"/>
-              <a:t> javításához szükség volt még hiányzók tesztek megírására, illetve  a meglévők javítására.</a:t>
-            </a:r>
-          </a:p>
-          <a:p>
-            <a:r>
-              <a:rPr lang="hu-HU" baseline="0" dirty="0" smtClean="0"/>
-              <a:t>A kódban lévő kódok, amelyeket már nem használtak (vagy azért mert megváltozott a funkció, vagy csak egy korábbi verzióból maradt fenn) el kellett távolítani. </a:t>
-            </a:r>
-          </a:p>
-          <a:p>
-            <a:r>
-              <a:rPr lang="hu-HU" baseline="0" dirty="0" smtClean="0"/>
-              <a:t>Az események illetve a tematika kezeléséhez szükséges szolgáltatások tesztelése teljesen hiányzott.</a:t>
-            </a:r>
-          </a:p>
-          <a:p>
-            <a:r>
-              <a:rPr lang="hu-HU" baseline="0" dirty="0" smtClean="0"/>
-              <a:t>A hiányok pótolása és a meglévő kódok javítása után a kódlefedettség a saját modulunkra nézve 100% lett.</a:t>
-            </a:r>
-            <a:endParaRPr lang="hu-HU" dirty="0"/>
-          </a:p>
-        </p:txBody>
-      </p:sp>
-      <p:sp>
-        <p:nvSpPr>
-          <p:cNvPr id="4" name="Dia számának helye 3"/>
-          <p:cNvSpPr>
-            <a:spLocks noGrp="1"/>
-          </p:cNvSpPr>
-          <p:nvPr>
-            <p:ph type="sldNum" sz="quarter" idx="10"/>
-          </p:nvPr>
-        </p:nvSpPr>
-        <p:spPr/>
-        <p:txBody>
-          <a:bodyPr/>
-          <a:lstStyle/>
-          <a:p>
-            <a:fld id="{50EAB2F4-CAA4-4BA1-AA2E-179AB5713217}" type="slidenum">
-              <a:rPr lang="hu-HU" smtClean="0"/>
-              <a:t>8</a:t>
+              <a:t>6</a:t>
             </a:fld>
             <a:endParaRPr lang="hu-HU"/>
           </a:p>
@@ -1890,127 +1223,6 @@
     <p:extLst>
       <p:ext uri="{BB962C8B-B14F-4D97-AF65-F5344CB8AC3E}">
         <p14:creationId xmlns:p14="http://schemas.microsoft.com/office/powerpoint/2010/main" val="495360281"/>
-      </p:ext>
-    </p:extLst>
-  </p:cSld>
-  <p:clrMapOvr>
-    <a:masterClrMapping/>
-  </p:clrMapOvr>
-</p:notes>
-</file>
-
-<file path=ppt/notesSlides/notesSlide7.xml><?xml version="1.0" encoding="utf-8"?>
-<p:notes xmlns:a="http://schemas.openxmlformats.org/drawingml/2006/main" xmlns:r="http://schemas.openxmlformats.org/officeDocument/2006/relationships" xmlns:p="http://schemas.openxmlformats.org/presentationml/2006/main">
-  <p:cSld>
-    <p:spTree>
-      <p:nvGrpSpPr>
-        <p:cNvPr id="1" name=""/>
-        <p:cNvGrpSpPr/>
-        <p:nvPr/>
-      </p:nvGrpSpPr>
-      <p:grpSpPr>
-        <a:xfrm>
-          <a:off x="0" y="0"/>
-          <a:ext cx="0" cy="0"/>
-          <a:chOff x="0" y="0"/>
-          <a:chExt cx="0" cy="0"/>
-        </a:xfrm>
-      </p:grpSpPr>
-      <p:sp>
-        <p:nvSpPr>
-          <p:cNvPr id="2" name="Diakép helye 1"/>
-          <p:cNvSpPr>
-            <a:spLocks noGrp="1" noRot="1" noChangeAspect="1"/>
-          </p:cNvSpPr>
-          <p:nvPr>
-            <p:ph type="sldImg"/>
-          </p:nvPr>
-        </p:nvSpPr>
-        <p:spPr/>
-      </p:sp>
-      <p:sp>
-        <p:nvSpPr>
-          <p:cNvPr id="3" name="Jegyzetek helye 2"/>
-          <p:cNvSpPr>
-            <a:spLocks noGrp="1"/>
-          </p:cNvSpPr>
-          <p:nvPr>
-            <p:ph type="body" idx="1"/>
-          </p:nvPr>
-        </p:nvSpPr>
-        <p:spPr/>
-        <p:txBody>
-          <a:bodyPr/>
-          <a:lstStyle/>
-          <a:p>
-            <a:r>
-              <a:rPr lang="en-US" dirty="0" smtClean="0"/>
-              <a:t>A resource bundle is a Java .properties file that contains locale-specific data. It is a way of internationalising a Java application by making the code locale-independent.</a:t>
-            </a:r>
-            <a:endParaRPr lang="hu-HU" dirty="0" smtClean="0"/>
-          </a:p>
-          <a:p>
-            <a:r>
-              <a:rPr lang="hu-HU" dirty="0" smtClean="0"/>
-              <a:t>(Magyarra</a:t>
-            </a:r>
-            <a:r>
-              <a:rPr lang="hu-HU" baseline="0" dirty="0" smtClean="0"/>
-              <a:t> kell még fordítani, már ha van magyar megfelelője)</a:t>
-            </a:r>
-          </a:p>
-          <a:p>
-            <a:r>
-              <a:rPr lang="hu-HU" baseline="0" dirty="0" smtClean="0"/>
-              <a:t>A </a:t>
-            </a:r>
-            <a:r>
-              <a:rPr lang="hu-HU" baseline="0" dirty="0" err="1" smtClean="0"/>
-              <a:t>property-k</a:t>
-            </a:r>
-            <a:r>
-              <a:rPr lang="hu-HU" baseline="0" dirty="0" smtClean="0"/>
-              <a:t> elkészítése után a beégetett szövegeket ki cseréltük, így a nyelv kiválasztásával a .</a:t>
-            </a:r>
-            <a:r>
-              <a:rPr lang="hu-HU" baseline="0" dirty="0" err="1" smtClean="0"/>
-              <a:t>properties</a:t>
-            </a:r>
-            <a:r>
-              <a:rPr lang="hu-HU" baseline="0" dirty="0" smtClean="0"/>
-              <a:t> állományokból lett kivéve a megfelelő szöveg, a megfelelő nyelven.</a:t>
-            </a:r>
-            <a:endParaRPr lang="hu-HU" dirty="0"/>
-          </a:p>
-        </p:txBody>
-      </p:sp>
-      <p:sp>
-        <p:nvSpPr>
-          <p:cNvPr id="4" name="Dia számának helye 3"/>
-          <p:cNvSpPr>
-            <a:spLocks noGrp="1"/>
-          </p:cNvSpPr>
-          <p:nvPr>
-            <p:ph type="sldNum" sz="quarter" idx="10"/>
-          </p:nvPr>
-        </p:nvSpPr>
-        <p:spPr/>
-        <p:txBody>
-          <a:bodyPr/>
-          <a:lstStyle/>
-          <a:p>
-            <a:fld id="{50EAB2F4-CAA4-4BA1-AA2E-179AB5713217}" type="slidenum">
-              <a:rPr lang="hu-HU" smtClean="0"/>
-              <a:t>9</a:t>
-            </a:fld>
-            <a:endParaRPr lang="hu-HU"/>
-          </a:p>
-        </p:txBody>
-      </p:sp>
-    </p:spTree>
-    <p:extLst>
-      <p:ext uri="{BB962C8B-B14F-4D97-AF65-F5344CB8AC3E}">
-        <p14:creationId xmlns:p14="http://schemas.microsoft.com/office/powerpoint/2010/main" val="3044841518"/>
       </p:ext>
     </p:extLst>
   </p:cSld>
@@ -2151,7 +1363,7 @@
           <a:p>
             <a:fld id="{C6E8B002-83F0-41C5-A7B7-2819A96BD9B2}" type="datetimeFigureOut">
               <a:rPr lang="hu-HU" smtClean="0"/>
-              <a:t>2016. 05. 16.</a:t>
+              <a:t>2016. 05. 17.</a:t>
             </a:fld>
             <a:endParaRPr lang="hu-HU"/>
           </a:p>
@@ -2321,7 +1533,7 @@
           <a:p>
             <a:fld id="{C6E8B002-83F0-41C5-A7B7-2819A96BD9B2}" type="datetimeFigureOut">
               <a:rPr lang="hu-HU" smtClean="0"/>
-              <a:t>2016. 05. 16.</a:t>
+              <a:t>2016. 05. 17.</a:t>
             </a:fld>
             <a:endParaRPr lang="hu-HU"/>
           </a:p>
@@ -2501,7 +1713,7 @@
           <a:p>
             <a:fld id="{C6E8B002-83F0-41C5-A7B7-2819A96BD9B2}" type="datetimeFigureOut">
               <a:rPr lang="hu-HU" smtClean="0"/>
-              <a:t>2016. 05. 16.</a:t>
+              <a:t>2016. 05. 17.</a:t>
             </a:fld>
             <a:endParaRPr lang="hu-HU"/>
           </a:p>
@@ -2671,7 +1883,7 @@
           <a:p>
             <a:fld id="{C6E8B002-83F0-41C5-A7B7-2819A96BD9B2}" type="datetimeFigureOut">
               <a:rPr lang="hu-HU" smtClean="0"/>
-              <a:t>2016. 05. 16.</a:t>
+              <a:t>2016. 05. 17.</a:t>
             </a:fld>
             <a:endParaRPr lang="hu-HU"/>
           </a:p>
@@ -2915,7 +2127,7 @@
           <a:p>
             <a:fld id="{C6E8B002-83F0-41C5-A7B7-2819A96BD9B2}" type="datetimeFigureOut">
               <a:rPr lang="hu-HU" smtClean="0"/>
-              <a:t>2016. 05. 16.</a:t>
+              <a:t>2016. 05. 17.</a:t>
             </a:fld>
             <a:endParaRPr lang="hu-HU"/>
           </a:p>
@@ -3147,7 +2359,7 @@
           <a:p>
             <a:fld id="{C6E8B002-83F0-41C5-A7B7-2819A96BD9B2}" type="datetimeFigureOut">
               <a:rPr lang="hu-HU" smtClean="0"/>
-              <a:t>2016. 05. 16.</a:t>
+              <a:t>2016. 05. 17.</a:t>
             </a:fld>
             <a:endParaRPr lang="hu-HU"/>
           </a:p>
@@ -3514,7 +2726,7 @@
           <a:p>
             <a:fld id="{C6E8B002-83F0-41C5-A7B7-2819A96BD9B2}" type="datetimeFigureOut">
               <a:rPr lang="hu-HU" smtClean="0"/>
-              <a:t>2016. 05. 16.</a:t>
+              <a:t>2016. 05. 17.</a:t>
             </a:fld>
             <a:endParaRPr lang="hu-HU"/>
           </a:p>
@@ -3632,7 +2844,7 @@
           <a:p>
             <a:fld id="{C6E8B002-83F0-41C5-A7B7-2819A96BD9B2}" type="datetimeFigureOut">
               <a:rPr lang="hu-HU" smtClean="0"/>
-              <a:t>2016. 05. 16.</a:t>
+              <a:t>2016. 05. 17.</a:t>
             </a:fld>
             <a:endParaRPr lang="hu-HU"/>
           </a:p>
@@ -3727,7 +2939,7 @@
           <a:p>
             <a:fld id="{C6E8B002-83F0-41C5-A7B7-2819A96BD9B2}" type="datetimeFigureOut">
               <a:rPr lang="hu-HU" smtClean="0"/>
-              <a:t>2016. 05. 16.</a:t>
+              <a:t>2016. 05. 17.</a:t>
             </a:fld>
             <a:endParaRPr lang="hu-HU"/>
           </a:p>
@@ -4004,7 +3216,7 @@
           <a:p>
             <a:fld id="{C6E8B002-83F0-41C5-A7B7-2819A96BD9B2}" type="datetimeFigureOut">
               <a:rPr lang="hu-HU" smtClean="0"/>
-              <a:t>2016. 05. 16.</a:t>
+              <a:t>2016. 05. 17.</a:t>
             </a:fld>
             <a:endParaRPr lang="hu-HU"/>
           </a:p>
@@ -4261,7 +3473,7 @@
           <a:p>
             <a:fld id="{C6E8B002-83F0-41C5-A7B7-2819A96BD9B2}" type="datetimeFigureOut">
               <a:rPr lang="hu-HU" smtClean="0"/>
-              <a:t>2016. 05. 16.</a:t>
+              <a:t>2016. 05. 17.</a:t>
             </a:fld>
             <a:endParaRPr lang="hu-HU"/>
           </a:p>
@@ -4481,7 +3693,7 @@
           <a:p>
             <a:fld id="{C6E8B002-83F0-41C5-A7B7-2819A96BD9B2}" type="datetimeFigureOut">
               <a:rPr lang="hu-HU" smtClean="0"/>
-              <a:t>2016. 05. 16.</a:t>
+              <a:t>2016. 05. 17.</a:t>
             </a:fld>
             <a:endParaRPr lang="hu-HU"/>
           </a:p>
@@ -4966,7 +4178,611 @@
 </p:sld>
 </file>
 
-<file path=ppt/slides/slide10.xml><?xml version="1.0" encoding="utf-8"?>
+<file path=ppt/slides/slide2.xml><?xml version="1.0" encoding="utf-8"?>
+<p:sld xmlns:a="http://schemas.openxmlformats.org/drawingml/2006/main" xmlns:r="http://schemas.openxmlformats.org/officeDocument/2006/relationships" xmlns:p="http://schemas.openxmlformats.org/presentationml/2006/main">
+  <p:cSld>
+    <p:spTree>
+      <p:nvGrpSpPr>
+        <p:cNvPr id="1" name=""/>
+        <p:cNvGrpSpPr/>
+        <p:nvPr/>
+      </p:nvGrpSpPr>
+      <p:grpSpPr>
+        <a:xfrm>
+          <a:off x="0" y="0"/>
+          <a:ext cx="0" cy="0"/>
+          <a:chOff x="0" y="0"/>
+          <a:chExt cx="0" cy="0"/>
+        </a:xfrm>
+      </p:grpSpPr>
+      <p:sp>
+        <p:nvSpPr>
+          <p:cNvPr id="4" name="Cím 3"/>
+          <p:cNvSpPr>
+            <a:spLocks noGrp="1"/>
+          </p:cNvSpPr>
+          <p:nvPr>
+            <p:ph type="title"/>
+          </p:nvPr>
+        </p:nvSpPr>
+        <p:spPr>
+          <a:xfrm>
+            <a:off x="4214932" y="1428205"/>
+            <a:ext cx="4005959" cy="680902"/>
+          </a:xfrm>
+        </p:spPr>
+        <p:txBody>
+          <a:bodyPr/>
+          <a:lstStyle/>
+          <a:p>
+            <a:r>
+              <a:rPr lang="hu-HU" dirty="0" smtClean="0"/>
+              <a:t>Kovács Szabolcs Zoltán</a:t>
+            </a:r>
+            <a:endParaRPr lang="hu-HU" dirty="0"/>
+          </a:p>
+        </p:txBody>
+      </p:sp>
+      <p:sp>
+        <p:nvSpPr>
+          <p:cNvPr id="5" name="Tartalom helye 4"/>
+          <p:cNvSpPr>
+            <a:spLocks noGrp="1"/>
+          </p:cNvSpPr>
+          <p:nvPr>
+            <p:ph idx="1"/>
+          </p:nvPr>
+        </p:nvSpPr>
+        <p:spPr>
+          <a:xfrm>
+            <a:off x="740228" y="1088539"/>
+            <a:ext cx="2908221" cy="3655219"/>
+          </a:xfrm>
+        </p:spPr>
+        <p:txBody>
+          <a:bodyPr/>
+          <a:lstStyle/>
+          <a:p>
+            <a:endParaRPr lang="hu-HU" dirty="0"/>
+          </a:p>
+        </p:txBody>
+      </p:sp>
+      <p:sp>
+        <p:nvSpPr>
+          <p:cNvPr id="6" name="Szöveg helye 5"/>
+          <p:cNvSpPr>
+            <a:spLocks noGrp="1"/>
+          </p:cNvSpPr>
+          <p:nvPr>
+            <p:ph type="body" sz="half" idx="2"/>
+          </p:nvPr>
+        </p:nvSpPr>
+        <p:spPr>
+          <a:xfrm>
+            <a:off x="4743322" y="2220280"/>
+            <a:ext cx="2949178" cy="1391738"/>
+          </a:xfrm>
+        </p:spPr>
+        <p:txBody>
+          <a:bodyPr/>
+          <a:lstStyle/>
+          <a:p>
+            <a:pPr algn="ctr">
+              <a:lnSpc>
+                <a:spcPct val="100000"/>
+              </a:lnSpc>
+            </a:pPr>
+            <a:r>
+              <a:rPr lang="hu-HU" dirty="0" smtClean="0"/>
+              <a:t>Debreceni Egyetem</a:t>
+            </a:r>
+            <a:br>
+              <a:rPr lang="hu-HU" dirty="0" smtClean="0"/>
+            </a:br>
+            <a:r>
+              <a:rPr lang="hu-HU" dirty="0" smtClean="0"/>
+              <a:t>Informatikai Kar</a:t>
+            </a:r>
+            <a:br>
+              <a:rPr lang="hu-HU" dirty="0" smtClean="0"/>
+            </a:br>
+            <a:r>
+              <a:rPr lang="hu-HU" dirty="0" smtClean="0"/>
+              <a:t>Mérnök Informatikus</a:t>
+            </a:r>
+            <a:endParaRPr lang="hu-HU" dirty="0"/>
+          </a:p>
+        </p:txBody>
+      </p:sp>
+    </p:spTree>
+    <p:extLst>
+      <p:ext uri="{BB962C8B-B14F-4D97-AF65-F5344CB8AC3E}">
+        <p14:creationId xmlns:p14="http://schemas.microsoft.com/office/powerpoint/2010/main" val="1271689467"/>
+      </p:ext>
+    </p:extLst>
+  </p:cSld>
+  <p:clrMapOvr>
+    <a:masterClrMapping/>
+  </p:clrMapOvr>
+</p:sld>
+</file>
+
+<file path=ppt/slides/slide3.xml><?xml version="1.0" encoding="utf-8"?>
+<p:sld xmlns:a="http://schemas.openxmlformats.org/drawingml/2006/main" xmlns:r="http://schemas.openxmlformats.org/officeDocument/2006/relationships" xmlns:p="http://schemas.openxmlformats.org/presentationml/2006/main">
+  <p:cSld>
+    <p:spTree>
+      <p:nvGrpSpPr>
+        <p:cNvPr id="1" name=""/>
+        <p:cNvGrpSpPr/>
+        <p:nvPr/>
+      </p:nvGrpSpPr>
+      <p:grpSpPr>
+        <a:xfrm>
+          <a:off x="0" y="0"/>
+          <a:ext cx="0" cy="0"/>
+          <a:chOff x="0" y="0"/>
+          <a:chExt cx="0" cy="0"/>
+        </a:xfrm>
+      </p:grpSpPr>
+      <p:sp>
+        <p:nvSpPr>
+          <p:cNvPr id="5" name="Cím 4"/>
+          <p:cNvSpPr>
+            <a:spLocks noGrp="1"/>
+          </p:cNvSpPr>
+          <p:nvPr>
+            <p:ph type="title"/>
+          </p:nvPr>
+        </p:nvSpPr>
+        <p:spPr>
+          <a:xfrm>
+            <a:off x="628650" y="1092451"/>
+            <a:ext cx="7886700" cy="901812"/>
+          </a:xfrm>
+        </p:spPr>
+        <p:txBody>
+          <a:bodyPr>
+            <a:normAutofit/>
+          </a:bodyPr>
+          <a:lstStyle/>
+          <a:p>
+            <a:r>
+              <a:rPr lang="hu-HU" dirty="0" smtClean="0"/>
+              <a:t>Fejlődésem a projekt során</a:t>
+            </a:r>
+            <a:endParaRPr lang="hu-HU" dirty="0"/>
+          </a:p>
+        </p:txBody>
+      </p:sp>
+      <p:sp>
+        <p:nvSpPr>
+          <p:cNvPr id="6" name="Tartalom helye 5"/>
+          <p:cNvSpPr>
+            <a:spLocks noGrp="1"/>
+          </p:cNvSpPr>
+          <p:nvPr>
+            <p:ph idx="1"/>
+          </p:nvPr>
+        </p:nvSpPr>
+        <p:spPr>
+          <a:xfrm>
+            <a:off x="628650" y="1988276"/>
+            <a:ext cx="7886700" cy="2394620"/>
+          </a:xfrm>
+        </p:spPr>
+        <p:txBody>
+          <a:bodyPr/>
+          <a:lstStyle/>
+          <a:p>
+            <a:pPr marL="542925"/>
+            <a:r>
+              <a:rPr lang="hu-HU" dirty="0" smtClean="0"/>
+              <a:t>Csapatmunka és feladatmegosztás</a:t>
+            </a:r>
+          </a:p>
+          <a:p>
+            <a:pPr marL="542925" lvl="1"/>
+            <a:r>
+              <a:rPr lang="hu-HU" dirty="0"/>
+              <a:t>Kód </a:t>
+            </a:r>
+            <a:r>
+              <a:rPr lang="hu-HU" dirty="0" smtClean="0"/>
+              <a:t>értelmezés</a:t>
+            </a:r>
+          </a:p>
+          <a:p>
+            <a:pPr marL="542925"/>
+            <a:r>
+              <a:rPr lang="hu-HU" dirty="0" smtClean="0"/>
+              <a:t>Kihívások</a:t>
+            </a:r>
+          </a:p>
+          <a:p>
+            <a:pPr marL="542925"/>
+            <a:r>
+              <a:rPr lang="hu-HU" dirty="0" smtClean="0"/>
+              <a:t>Problémamegoldás</a:t>
+            </a:r>
+            <a:endParaRPr lang="hu-HU" dirty="0"/>
+          </a:p>
+        </p:txBody>
+      </p:sp>
+    </p:spTree>
+    <p:extLst>
+      <p:ext uri="{BB962C8B-B14F-4D97-AF65-F5344CB8AC3E}">
+        <p14:creationId xmlns:p14="http://schemas.microsoft.com/office/powerpoint/2010/main" val="3368750094"/>
+      </p:ext>
+    </p:extLst>
+  </p:cSld>
+  <p:clrMapOvr>
+    <a:masterClrMapping/>
+  </p:clrMapOvr>
+  <p:timing>
+    <p:tnLst>
+      <p:par>
+        <p:cTn id="1" dur="indefinite" restart="never" nodeType="tmRoot"/>
+      </p:par>
+    </p:tnLst>
+  </p:timing>
+</p:sld>
+</file>
+
+<file path=ppt/slides/slide4.xml><?xml version="1.0" encoding="utf-8"?>
+<p:sld xmlns:a="http://schemas.openxmlformats.org/drawingml/2006/main" xmlns:r="http://schemas.openxmlformats.org/officeDocument/2006/relationships" xmlns:p="http://schemas.openxmlformats.org/presentationml/2006/main">
+  <p:cSld>
+    <p:spTree>
+      <p:nvGrpSpPr>
+        <p:cNvPr id="1" name=""/>
+        <p:cNvGrpSpPr/>
+        <p:nvPr/>
+      </p:nvGrpSpPr>
+      <p:grpSpPr>
+        <a:xfrm>
+          <a:off x="0" y="0"/>
+          <a:ext cx="0" cy="0"/>
+          <a:chOff x="0" y="0"/>
+          <a:chExt cx="0" cy="0"/>
+        </a:xfrm>
+      </p:grpSpPr>
+      <p:sp>
+        <p:nvSpPr>
+          <p:cNvPr id="3" name="Tartalom helye 2"/>
+          <p:cNvSpPr>
+            <a:spLocks noGrp="1"/>
+          </p:cNvSpPr>
+          <p:nvPr>
+            <p:ph idx="1"/>
+          </p:nvPr>
+        </p:nvSpPr>
+        <p:spPr>
+          <a:xfrm>
+            <a:off x="628650" y="1978751"/>
+            <a:ext cx="7886700" cy="2594373"/>
+          </a:xfrm>
+        </p:spPr>
+        <p:txBody>
+          <a:bodyPr>
+            <a:normAutofit/>
+          </a:bodyPr>
+          <a:lstStyle/>
+          <a:p>
+            <a:pPr marL="542925"/>
+            <a:r>
+              <a:rPr lang="hu-HU" dirty="0" smtClean="0"/>
+              <a:t>Függőségek verziókezelése</a:t>
+            </a:r>
+            <a:endParaRPr lang="hu-HU" dirty="0"/>
+          </a:p>
+          <a:p>
+            <a:pPr marL="542925"/>
+            <a:r>
+              <a:rPr lang="hu-HU" dirty="0"/>
+              <a:t>Nyelvesítés</a:t>
+            </a:r>
+          </a:p>
+          <a:p>
+            <a:pPr marL="542925"/>
+            <a:r>
+              <a:rPr lang="hu-HU" dirty="0" smtClean="0"/>
+              <a:t>Felhasználók kezelése</a:t>
+            </a:r>
+          </a:p>
+          <a:p>
+            <a:pPr marL="542925"/>
+            <a:r>
+              <a:rPr lang="hu-HU" dirty="0" smtClean="0"/>
+              <a:t>Kódlefedettség javítása</a:t>
+            </a:r>
+            <a:endParaRPr lang="hu-HU" dirty="0"/>
+          </a:p>
+          <a:p>
+            <a:pPr marL="542925"/>
+            <a:endParaRPr lang="hu-HU" dirty="0" smtClean="0"/>
+          </a:p>
+        </p:txBody>
+      </p:sp>
+      <p:sp>
+        <p:nvSpPr>
+          <p:cNvPr id="4" name="Cím 4"/>
+          <p:cNvSpPr>
+            <a:spLocks noGrp="1"/>
+          </p:cNvSpPr>
+          <p:nvPr>
+            <p:ph type="title"/>
+          </p:nvPr>
+        </p:nvSpPr>
+        <p:spPr>
+          <a:xfrm>
+            <a:off x="628650" y="1092451"/>
+            <a:ext cx="7886700" cy="901812"/>
+          </a:xfrm>
+        </p:spPr>
+        <p:txBody>
+          <a:bodyPr>
+            <a:normAutofit/>
+          </a:bodyPr>
+          <a:lstStyle/>
+          <a:p>
+            <a:r>
+              <a:rPr lang="hu-HU" dirty="0" smtClean="0"/>
+              <a:t>Főbb feladataim:</a:t>
+            </a:r>
+            <a:endParaRPr lang="hu-HU" dirty="0"/>
+          </a:p>
+        </p:txBody>
+      </p:sp>
+    </p:spTree>
+    <p:extLst>
+      <p:ext uri="{BB962C8B-B14F-4D97-AF65-F5344CB8AC3E}">
+        <p14:creationId xmlns:p14="http://schemas.microsoft.com/office/powerpoint/2010/main" val="815631926"/>
+      </p:ext>
+    </p:extLst>
+  </p:cSld>
+  <p:clrMapOvr>
+    <a:masterClrMapping/>
+  </p:clrMapOvr>
+  <p:timing>
+    <p:tnLst>
+      <p:par>
+        <p:cTn id="1" dur="indefinite" restart="never" nodeType="tmRoot"/>
+      </p:par>
+    </p:tnLst>
+  </p:timing>
+</p:sld>
+</file>
+
+<file path=ppt/slides/slide5.xml><?xml version="1.0" encoding="utf-8"?>
+<p:sld xmlns:a="http://schemas.openxmlformats.org/drawingml/2006/main" xmlns:r="http://schemas.openxmlformats.org/officeDocument/2006/relationships" xmlns:p="http://schemas.openxmlformats.org/presentationml/2006/main">
+  <p:cSld>
+    <p:spTree>
+      <p:nvGrpSpPr>
+        <p:cNvPr id="1" name=""/>
+        <p:cNvGrpSpPr/>
+        <p:nvPr/>
+      </p:nvGrpSpPr>
+      <p:grpSpPr>
+        <a:xfrm>
+          <a:off x="0" y="0"/>
+          <a:ext cx="0" cy="0"/>
+          <a:chOff x="0" y="0"/>
+          <a:chExt cx="0" cy="0"/>
+        </a:xfrm>
+      </p:grpSpPr>
+      <p:pic>
+        <p:nvPicPr>
+          <p:cNvPr id="6" name="Tartalom helye 5"/>
+          <p:cNvPicPr>
+            <a:picLocks noGrp="1" noChangeAspect="1"/>
+          </p:cNvPicPr>
+          <p:nvPr>
+            <p:ph idx="1"/>
+          </p:nvPr>
+        </p:nvPicPr>
+        <p:blipFill>
+          <a:blip r:embed="rId3">
+            <a:extLst>
+              <a:ext uri="{28A0092B-C50C-407E-A947-70E740481C1C}">
+                <a14:useLocalDpi xmlns:a14="http://schemas.microsoft.com/office/drawing/2010/main" val="0"/>
+              </a:ext>
+            </a:extLst>
+          </a:blip>
+          <a:stretch>
+            <a:fillRect/>
+          </a:stretch>
+        </p:blipFill>
+        <p:spPr>
+          <a:xfrm>
+            <a:off x="214517" y="952001"/>
+            <a:ext cx="8772729" cy="3927587"/>
+          </a:xfrm>
+        </p:spPr>
+      </p:pic>
+    </p:spTree>
+    <p:extLst>
+      <p:ext uri="{BB962C8B-B14F-4D97-AF65-F5344CB8AC3E}">
+        <p14:creationId xmlns:p14="http://schemas.microsoft.com/office/powerpoint/2010/main" val="2814479536"/>
+      </p:ext>
+    </p:extLst>
+  </p:cSld>
+  <p:clrMapOvr>
+    <a:masterClrMapping/>
+  </p:clrMapOvr>
+  <p:timing>
+    <p:tnLst>
+      <p:par>
+        <p:cTn id="1" dur="indefinite" restart="never" nodeType="tmRoot"/>
+      </p:par>
+    </p:tnLst>
+  </p:timing>
+</p:sld>
+</file>
+
+<file path=ppt/slides/slide6.xml><?xml version="1.0" encoding="utf-8"?>
+<p:sld xmlns:a="http://schemas.openxmlformats.org/drawingml/2006/main" xmlns:r="http://schemas.openxmlformats.org/officeDocument/2006/relationships" xmlns:p="http://schemas.openxmlformats.org/presentationml/2006/main">
+  <p:cSld>
+    <p:spTree>
+      <p:nvGrpSpPr>
+        <p:cNvPr id="1" name=""/>
+        <p:cNvGrpSpPr/>
+        <p:nvPr/>
+      </p:nvGrpSpPr>
+      <p:grpSpPr>
+        <a:xfrm>
+          <a:off x="0" y="0"/>
+          <a:ext cx="0" cy="0"/>
+          <a:chOff x="0" y="0"/>
+          <a:chExt cx="0" cy="0"/>
+        </a:xfrm>
+      </p:grpSpPr>
+      <p:sp>
+        <p:nvSpPr>
+          <p:cNvPr id="9" name="Cím 4"/>
+          <p:cNvSpPr txBox="1">
+            <a:spLocks/>
+          </p:cNvSpPr>
+          <p:nvPr/>
+        </p:nvSpPr>
+        <p:spPr>
+          <a:xfrm>
+            <a:off x="628650" y="1092451"/>
+            <a:ext cx="7886700" cy="901812"/>
+          </a:xfrm>
+          <a:prstGeom prst="rect">
+            <a:avLst/>
+          </a:prstGeom>
+        </p:spPr>
+        <p:txBody>
+          <a:bodyPr vert="horz" lIns="91440" tIns="45720" rIns="91440" bIns="45720" rtlCol="0" anchor="ctr">
+            <a:normAutofit/>
+          </a:bodyPr>
+          <a:lstStyle>
+            <a:lvl1pPr algn="l" defTabSz="914400" rtl="0" eaLnBrk="1" latinLnBrk="0" hangingPunct="1">
+              <a:lnSpc>
+                <a:spcPct val="90000"/>
+              </a:lnSpc>
+              <a:spcBef>
+                <a:spcPct val="0"/>
+              </a:spcBef>
+              <a:buNone/>
+              <a:defRPr sz="4400" kern="1200">
+                <a:solidFill>
+                  <a:schemeClr val="tx1"/>
+                </a:solidFill>
+                <a:latin typeface="+mj-lt"/>
+                <a:ea typeface="+mj-ea"/>
+                <a:cs typeface="+mj-cs"/>
+              </a:defRPr>
+            </a:lvl1pPr>
+          </a:lstStyle>
+          <a:p>
+            <a:r>
+              <a:rPr lang="hu-HU" dirty="0" smtClean="0"/>
+              <a:t>Kódlefedettség javítása</a:t>
+            </a:r>
+            <a:endParaRPr lang="hu-HU" dirty="0"/>
+          </a:p>
+        </p:txBody>
+      </p:sp>
+      <p:sp>
+        <p:nvSpPr>
+          <p:cNvPr id="10" name="Tartalom helye 2"/>
+          <p:cNvSpPr>
+            <a:spLocks noGrp="1"/>
+          </p:cNvSpPr>
+          <p:nvPr>
+            <p:ph idx="1"/>
+          </p:nvPr>
+        </p:nvSpPr>
+        <p:spPr>
+          <a:xfrm>
+            <a:off x="628650" y="1997801"/>
+            <a:ext cx="7886700" cy="2594373"/>
+          </a:xfrm>
+        </p:spPr>
+        <p:txBody>
+          <a:bodyPr>
+            <a:normAutofit/>
+          </a:bodyPr>
+          <a:lstStyle/>
+          <a:p>
+            <a:pPr marL="542925"/>
+            <a:r>
+              <a:rPr lang="hu-HU" dirty="0" smtClean="0"/>
+              <a:t>Hiányzó tesztek megírása</a:t>
+            </a:r>
+          </a:p>
+          <a:p>
+            <a:pPr marL="542925"/>
+            <a:r>
+              <a:rPr lang="hu-HU" dirty="0" smtClean="0"/>
+              <a:t>Meglévő tesztek javítása</a:t>
+            </a:r>
+          </a:p>
+          <a:p>
+            <a:pPr marL="542925"/>
+            <a:r>
+              <a:rPr lang="hu-HU" dirty="0" smtClean="0"/>
+              <a:t>Nem használt kódok eltávolítása</a:t>
+            </a:r>
+          </a:p>
+          <a:p>
+            <a:pPr marL="542925"/>
+            <a:endParaRPr lang="hu-HU" dirty="0" smtClean="0"/>
+          </a:p>
+        </p:txBody>
+      </p:sp>
+      <p:pic>
+        <p:nvPicPr>
+          <p:cNvPr id="11" name="Kép 10"/>
+          <p:cNvPicPr>
+            <a:picLocks noChangeAspect="1"/>
+          </p:cNvPicPr>
+          <p:nvPr/>
+        </p:nvPicPr>
+        <p:blipFill>
+          <a:blip r:embed="rId3">
+            <a:extLst>
+              <a:ext uri="{28A0092B-C50C-407E-A947-70E740481C1C}">
+                <a14:useLocalDpi xmlns:a14="http://schemas.microsoft.com/office/drawing/2010/main" val="0"/>
+              </a:ext>
+            </a:extLst>
+          </a:blip>
+          <a:stretch>
+            <a:fillRect/>
+          </a:stretch>
+        </p:blipFill>
+        <p:spPr>
+          <a:xfrm>
+            <a:off x="0" y="3888733"/>
+            <a:ext cx="9144000" cy="452133"/>
+          </a:xfrm>
+          <a:prstGeom prst="rect">
+            <a:avLst/>
+          </a:prstGeom>
+        </p:spPr>
+      </p:pic>
+    </p:spTree>
+    <p:extLst>
+      <p:ext uri="{BB962C8B-B14F-4D97-AF65-F5344CB8AC3E}">
+        <p14:creationId xmlns:p14="http://schemas.microsoft.com/office/powerpoint/2010/main" val="784567491"/>
+      </p:ext>
+    </p:extLst>
+  </p:cSld>
+  <p:clrMapOvr>
+    <a:masterClrMapping/>
+  </p:clrMapOvr>
+  <p:timing>
+    <p:tnLst>
+      <p:par>
+        <p:cTn id="1" dur="indefinite" restart="never" nodeType="tmRoot"/>
+      </p:par>
+    </p:tnLst>
+  </p:timing>
+</p:sld>
+</file>
+
+<file path=ppt/slides/slide7.xml><?xml version="1.0" encoding="utf-8"?>
 <p:sld xmlns:a="http://schemas.openxmlformats.org/drawingml/2006/main" xmlns:r="http://schemas.openxmlformats.org/officeDocument/2006/relationships" xmlns:p="http://schemas.openxmlformats.org/presentationml/2006/main">
   <p:cSld>
     <p:bg>
@@ -5274,1044 +5090,6 @@
     <p:extLst>
       <p:ext uri="{BB962C8B-B14F-4D97-AF65-F5344CB8AC3E}">
         <p14:creationId xmlns:p14="http://schemas.microsoft.com/office/powerpoint/2010/main" val="3541323241"/>
-      </p:ext>
-    </p:extLst>
-  </p:cSld>
-  <p:clrMapOvr>
-    <a:masterClrMapping/>
-  </p:clrMapOvr>
-  <p:timing>
-    <p:tnLst>
-      <p:par>
-        <p:cTn id="1" dur="indefinite" restart="never" nodeType="tmRoot"/>
-      </p:par>
-    </p:tnLst>
-  </p:timing>
-</p:sld>
-</file>
-
-<file path=ppt/slides/slide2.xml><?xml version="1.0" encoding="utf-8"?>
-<p:sld xmlns:a="http://schemas.openxmlformats.org/drawingml/2006/main" xmlns:r="http://schemas.openxmlformats.org/officeDocument/2006/relationships" xmlns:p="http://schemas.openxmlformats.org/presentationml/2006/main">
-  <p:cSld>
-    <p:spTree>
-      <p:nvGrpSpPr>
-        <p:cNvPr id="1" name=""/>
-        <p:cNvGrpSpPr/>
-        <p:nvPr/>
-      </p:nvGrpSpPr>
-      <p:grpSpPr>
-        <a:xfrm>
-          <a:off x="0" y="0"/>
-          <a:ext cx="0" cy="0"/>
-          <a:chOff x="0" y="0"/>
-          <a:chExt cx="0" cy="0"/>
-        </a:xfrm>
-      </p:grpSpPr>
-      <p:sp>
-        <p:nvSpPr>
-          <p:cNvPr id="2" name="Cím 1"/>
-          <p:cNvSpPr>
-            <a:spLocks noGrp="1"/>
-          </p:cNvSpPr>
-          <p:nvPr>
-            <p:ph type="ctrTitle"/>
-          </p:nvPr>
-        </p:nvSpPr>
-        <p:spPr>
-          <a:xfrm>
-            <a:off x="7521394" y="67963"/>
-            <a:ext cx="1548465" cy="583469"/>
-          </a:xfrm>
-        </p:spPr>
-        <p:txBody>
-          <a:bodyPr>
-            <a:normAutofit fontScale="90000"/>
-          </a:bodyPr>
-          <a:lstStyle/>
-          <a:p>
-            <a:r>
-              <a:rPr lang="hu-HU" sz="1800" dirty="0" smtClean="0"/>
-              <a:t>A prezentáció címe ide jön</a:t>
-            </a:r>
-            <a:endParaRPr lang="hu-HU" sz="1800" dirty="0"/>
-          </a:p>
-        </p:txBody>
-      </p:sp>
-      <p:sp>
-        <p:nvSpPr>
-          <p:cNvPr id="3" name="Alcím 2"/>
-          <p:cNvSpPr>
-            <a:spLocks noGrp="1"/>
-          </p:cNvSpPr>
-          <p:nvPr>
-            <p:ph type="subTitle" idx="1"/>
-          </p:nvPr>
-        </p:nvSpPr>
-        <p:spPr>
-          <a:xfrm>
-            <a:off x="238897" y="858795"/>
-            <a:ext cx="5942961" cy="3513582"/>
-          </a:xfrm>
-        </p:spPr>
-        <p:txBody>
-          <a:bodyPr>
-            <a:normAutofit/>
-          </a:bodyPr>
-          <a:lstStyle/>
-          <a:p>
-            <a:pPr algn="l"/>
-            <a:r>
-              <a:rPr lang="hu-HU" sz="1400" dirty="0" smtClean="0">
-                <a:latin typeface="+mj-lt"/>
-              </a:rPr>
-              <a:t>Felhasználok:</a:t>
-            </a:r>
-          </a:p>
-          <a:p>
-            <a:pPr marL="342900" indent="-342900" algn="l">
-              <a:buFont typeface="Arial" panose="020B0604020202020204" pitchFamily="34" charset="0"/>
-              <a:buChar char="•"/>
-            </a:pPr>
-            <a:r>
-              <a:rPr lang="hu-HU" sz="1400" dirty="0" smtClean="0">
-                <a:latin typeface="+mj-lt"/>
-              </a:rPr>
-              <a:t>Kezelő képernyő    ----------------</a:t>
-            </a:r>
-          </a:p>
-          <a:p>
-            <a:pPr marL="342900" indent="-342900" algn="l">
-              <a:buFont typeface="Arial" panose="020B0604020202020204" pitchFamily="34" charset="0"/>
-              <a:buChar char="•"/>
-            </a:pPr>
-            <a:r>
-              <a:rPr lang="hu-HU" sz="1400" dirty="0" smtClean="0">
-                <a:latin typeface="+mj-lt"/>
-              </a:rPr>
-              <a:t>Szolgáltatások             -------------</a:t>
-            </a:r>
-          </a:p>
-          <a:p>
-            <a:pPr marL="800100" lvl="1" indent="-342900" algn="l">
-              <a:buFont typeface="Arial" panose="020B0604020202020204" pitchFamily="34" charset="0"/>
-              <a:buChar char="•"/>
-            </a:pPr>
-            <a:r>
-              <a:rPr lang="hu-HU" sz="1000" dirty="0"/>
-              <a:t>Tesztek </a:t>
-            </a:r>
-            <a:r>
-              <a:rPr lang="hu-HU" sz="1000" dirty="0" smtClean="0"/>
-              <a:t>írása</a:t>
-            </a:r>
-            <a:endParaRPr lang="hu-HU" sz="1000" dirty="0" smtClean="0">
-              <a:latin typeface="+mj-lt"/>
-            </a:endParaRPr>
-          </a:p>
-          <a:p>
-            <a:pPr algn="l"/>
-            <a:r>
-              <a:rPr lang="hu-HU" sz="1400" dirty="0" smtClean="0">
-                <a:latin typeface="+mj-lt"/>
-              </a:rPr>
-              <a:t>Események:</a:t>
-            </a:r>
-          </a:p>
-          <a:p>
-            <a:pPr marL="342900" indent="-342900" algn="l">
-              <a:buFont typeface="Arial" panose="020B0604020202020204" pitchFamily="34" charset="0"/>
-              <a:buChar char="•"/>
-            </a:pPr>
-            <a:r>
-              <a:rPr lang="hu-HU" sz="1400" dirty="0" smtClean="0">
-                <a:latin typeface="+mj-lt"/>
-              </a:rPr>
-              <a:t>Szolgáltatások</a:t>
-            </a:r>
-          </a:p>
-          <a:p>
-            <a:pPr marL="800100" lvl="1" indent="-342900" algn="l">
-              <a:buFont typeface="Arial" panose="020B0604020202020204" pitchFamily="34" charset="0"/>
-              <a:buChar char="•"/>
-            </a:pPr>
-            <a:r>
-              <a:rPr lang="hu-HU" sz="1000" dirty="0" smtClean="0">
-                <a:latin typeface="+mj-lt"/>
-              </a:rPr>
-              <a:t>Tesztek írása</a:t>
-            </a:r>
-          </a:p>
-          <a:p>
-            <a:pPr algn="l"/>
-            <a:r>
-              <a:rPr lang="hu-HU" sz="1400" dirty="0" smtClean="0">
-                <a:latin typeface="+mj-lt"/>
-              </a:rPr>
-              <a:t>Kódlefedettség javítása </a:t>
-            </a:r>
-            <a:r>
-              <a:rPr lang="hu-HU" sz="1400" dirty="0" err="1">
-                <a:latin typeface="+mj-lt"/>
-              </a:rPr>
-              <a:t>Coverage</a:t>
-            </a:r>
-            <a:r>
-              <a:rPr lang="hu-HU" sz="1400" dirty="0">
-                <a:latin typeface="+mj-lt"/>
-              </a:rPr>
-              <a:t> </a:t>
-            </a:r>
-            <a:r>
-              <a:rPr lang="hu-HU" sz="1400" dirty="0" err="1">
-                <a:latin typeface="+mj-lt"/>
-              </a:rPr>
-              <a:t>report</a:t>
-            </a:r>
-            <a:r>
-              <a:rPr lang="hu-HU" sz="1400" dirty="0">
-                <a:latin typeface="+mj-lt"/>
-              </a:rPr>
-              <a:t> </a:t>
-            </a:r>
-            <a:r>
-              <a:rPr lang="hu-HU" sz="1400" dirty="0" smtClean="0">
-                <a:latin typeface="+mj-lt"/>
-              </a:rPr>
-              <a:t>alapján</a:t>
-            </a:r>
-          </a:p>
-          <a:p>
-            <a:pPr algn="l"/>
-            <a:r>
-              <a:rPr lang="hu-HU" sz="1400" dirty="0" smtClean="0">
-                <a:latin typeface="+mj-lt"/>
-              </a:rPr>
-              <a:t>Nyelvesítés (angolra fordítás)</a:t>
-            </a:r>
-          </a:p>
-          <a:p>
-            <a:pPr algn="l"/>
-            <a:r>
-              <a:rPr lang="hu-HU" sz="1400" dirty="0" smtClean="0">
-                <a:latin typeface="+mj-lt"/>
-              </a:rPr>
-              <a:t>Tematika:</a:t>
-            </a:r>
-          </a:p>
-          <a:p>
-            <a:pPr marL="285750" indent="-285750" algn="l">
-              <a:buFont typeface="Arial" panose="020B0604020202020204" pitchFamily="34" charset="0"/>
-              <a:buChar char="•"/>
-            </a:pPr>
-            <a:r>
-              <a:rPr lang="hu-HU" sz="1400" dirty="0" smtClean="0">
-                <a:latin typeface="+mj-lt"/>
-              </a:rPr>
-              <a:t>Tesztek írása</a:t>
-            </a:r>
-            <a:endParaRPr lang="hu-HU" sz="1400" dirty="0">
-              <a:latin typeface="+mj-lt"/>
-            </a:endParaRPr>
-          </a:p>
-        </p:txBody>
-      </p:sp>
-    </p:spTree>
-    <p:extLst>
-      <p:ext uri="{BB962C8B-B14F-4D97-AF65-F5344CB8AC3E}">
-        <p14:creationId xmlns:p14="http://schemas.microsoft.com/office/powerpoint/2010/main" val="1869678207"/>
-      </p:ext>
-    </p:extLst>
-  </p:cSld>
-  <p:clrMapOvr>
-    <a:masterClrMapping/>
-  </p:clrMapOvr>
-  <p:timing>
-    <p:tnLst>
-      <p:par>
-        <p:cTn id="1" dur="indefinite" restart="never" nodeType="tmRoot"/>
-      </p:par>
-    </p:tnLst>
-  </p:timing>
-</p:sld>
-</file>
-
-<file path=ppt/slides/slide3.xml><?xml version="1.0" encoding="utf-8"?>
-<p:sld xmlns:a="http://schemas.openxmlformats.org/drawingml/2006/main" xmlns:r="http://schemas.openxmlformats.org/officeDocument/2006/relationships" xmlns:p="http://schemas.openxmlformats.org/presentationml/2006/main">
-  <p:cSld>
-    <p:spTree>
-      <p:nvGrpSpPr>
-        <p:cNvPr id="1" name=""/>
-        <p:cNvGrpSpPr/>
-        <p:nvPr/>
-      </p:nvGrpSpPr>
-      <p:grpSpPr>
-        <a:xfrm>
-          <a:off x="0" y="0"/>
-          <a:ext cx="0" cy="0"/>
-          <a:chOff x="0" y="0"/>
-          <a:chExt cx="0" cy="0"/>
-        </a:xfrm>
-      </p:grpSpPr>
-      <p:sp>
-        <p:nvSpPr>
-          <p:cNvPr id="3" name="Tartalom helye 2"/>
-          <p:cNvSpPr>
-            <a:spLocks noGrp="1"/>
-          </p:cNvSpPr>
-          <p:nvPr>
-            <p:ph idx="1"/>
-          </p:nvPr>
-        </p:nvSpPr>
-        <p:spPr>
-          <a:xfrm>
-            <a:off x="639666" y="1101687"/>
-            <a:ext cx="7886700" cy="3365783"/>
-          </a:xfrm>
-        </p:spPr>
-        <p:txBody>
-          <a:bodyPr/>
-          <a:lstStyle/>
-          <a:p>
-            <a:pPr>
-              <a:lnSpc>
-                <a:spcPct val="200000"/>
-              </a:lnSpc>
-            </a:pPr>
-            <a:r>
-              <a:rPr lang="hu-HU" dirty="0" smtClean="0"/>
-              <a:t>Feladatmegosztás</a:t>
-            </a:r>
-          </a:p>
-          <a:p>
-            <a:pPr>
-              <a:lnSpc>
-                <a:spcPct val="200000"/>
-              </a:lnSpc>
-            </a:pPr>
-            <a:r>
-              <a:rPr lang="hu-HU" dirty="0" smtClean="0"/>
-              <a:t>Rész-egész viszony</a:t>
-            </a:r>
-          </a:p>
-          <a:p>
-            <a:pPr>
-              <a:lnSpc>
-                <a:spcPct val="200000"/>
-              </a:lnSpc>
-            </a:pPr>
-            <a:r>
-              <a:rPr lang="hu-HU" dirty="0" smtClean="0"/>
-              <a:t>Problémák</a:t>
-            </a:r>
-            <a:endParaRPr lang="hu-HU" dirty="0"/>
-          </a:p>
-        </p:txBody>
-      </p:sp>
-    </p:spTree>
-    <p:extLst>
-      <p:ext uri="{BB962C8B-B14F-4D97-AF65-F5344CB8AC3E}">
-        <p14:creationId xmlns:p14="http://schemas.microsoft.com/office/powerpoint/2010/main" val="3368750094"/>
-      </p:ext>
-    </p:extLst>
-  </p:cSld>
-  <p:clrMapOvr>
-    <a:masterClrMapping/>
-  </p:clrMapOvr>
-  <p:timing>
-    <p:tnLst>
-      <p:par>
-        <p:cTn id="1" dur="indefinite" restart="never" nodeType="tmRoot"/>
-      </p:par>
-    </p:tnLst>
-  </p:timing>
-</p:sld>
-</file>
-
-<file path=ppt/slides/slide4.xml><?xml version="1.0" encoding="utf-8"?>
-<p:sld xmlns:a="http://schemas.openxmlformats.org/drawingml/2006/main" xmlns:r="http://schemas.openxmlformats.org/officeDocument/2006/relationships" xmlns:p="http://schemas.openxmlformats.org/presentationml/2006/main">
-  <p:cSld>
-    <p:spTree>
-      <p:nvGrpSpPr>
-        <p:cNvPr id="1" name=""/>
-        <p:cNvGrpSpPr/>
-        <p:nvPr/>
-      </p:nvGrpSpPr>
-      <p:grpSpPr>
-        <a:xfrm>
-          <a:off x="0" y="0"/>
-          <a:ext cx="0" cy="0"/>
-          <a:chOff x="0" y="0"/>
-          <a:chExt cx="0" cy="0"/>
-        </a:xfrm>
-      </p:grpSpPr>
-      <p:sp>
-        <p:nvSpPr>
-          <p:cNvPr id="3" name="Tartalom helye 2"/>
-          <p:cNvSpPr>
-            <a:spLocks noGrp="1"/>
-          </p:cNvSpPr>
-          <p:nvPr>
-            <p:ph idx="1"/>
-          </p:nvPr>
-        </p:nvSpPr>
-        <p:spPr>
-          <a:xfrm>
-            <a:off x="0" y="1137864"/>
-            <a:ext cx="8416887" cy="3555321"/>
-          </a:xfrm>
-        </p:spPr>
-        <p:txBody>
-          <a:bodyPr>
-            <a:normAutofit lnSpcReduction="10000"/>
-          </a:bodyPr>
-          <a:lstStyle/>
-          <a:p>
-            <a:pPr>
-              <a:lnSpc>
-                <a:spcPct val="160000"/>
-              </a:lnSpc>
-            </a:pPr>
-            <a:r>
-              <a:rPr lang="hu-HU" sz="3200" dirty="0" smtClean="0"/>
-              <a:t>A projekt során több technológiát is használtam:</a:t>
-            </a:r>
-          </a:p>
-          <a:p>
-            <a:pPr lvl="1"/>
-            <a:r>
-              <a:rPr lang="hu-HU" sz="2800" dirty="0" smtClean="0"/>
-              <a:t>EJB – </a:t>
-            </a:r>
-            <a:r>
-              <a:rPr lang="hu-HU" sz="2800" dirty="0"/>
-              <a:t>Enterprise JavaBeans </a:t>
-            </a:r>
-            <a:r>
-              <a:rPr lang="hu-HU" sz="2800" dirty="0" smtClean="0"/>
-              <a:t>:</a:t>
-            </a:r>
-          </a:p>
-          <a:p>
-            <a:pPr lvl="2">
-              <a:lnSpc>
-                <a:spcPct val="150000"/>
-              </a:lnSpc>
-            </a:pPr>
-            <a:r>
-              <a:rPr lang="hu-HU" sz="2400" dirty="0" smtClean="0"/>
-              <a:t>Tranzakció kezelés</a:t>
-            </a:r>
-          </a:p>
-          <a:p>
-            <a:pPr lvl="2">
-              <a:lnSpc>
-                <a:spcPct val="150000"/>
-              </a:lnSpc>
-            </a:pPr>
-            <a:r>
-              <a:rPr lang="hu-HU" sz="2400" dirty="0"/>
-              <a:t>JPA – Java Persistence API</a:t>
-            </a:r>
-          </a:p>
-          <a:p>
-            <a:pPr lvl="2">
-              <a:lnSpc>
-                <a:spcPct val="150000"/>
-              </a:lnSpc>
-            </a:pPr>
-            <a:r>
-              <a:rPr lang="hu-HU" sz="2400" dirty="0"/>
-              <a:t>Események kezelése a Java Message </a:t>
-            </a:r>
-            <a:r>
-              <a:rPr lang="hu-HU" sz="2400" dirty="0" smtClean="0"/>
-              <a:t>Service-szel</a:t>
-            </a:r>
-          </a:p>
-          <a:p>
-            <a:pPr lvl="2">
-              <a:lnSpc>
-                <a:spcPct val="150000"/>
-              </a:lnSpc>
-            </a:pPr>
-            <a:r>
-              <a:rPr lang="hu-HU" sz="2400" dirty="0"/>
-              <a:t>Elnevezési- és könyvtár szolgáltatások (</a:t>
-            </a:r>
-            <a:r>
-              <a:rPr lang="hu-HU" sz="2400" dirty="0" smtClean="0"/>
-              <a:t>JNDI)</a:t>
-            </a:r>
-          </a:p>
-        </p:txBody>
-      </p:sp>
-    </p:spTree>
-    <p:extLst>
-      <p:ext uri="{BB962C8B-B14F-4D97-AF65-F5344CB8AC3E}">
-        <p14:creationId xmlns:p14="http://schemas.microsoft.com/office/powerpoint/2010/main" val="1663137758"/>
-      </p:ext>
-    </p:extLst>
-  </p:cSld>
-  <p:clrMapOvr>
-    <a:masterClrMapping/>
-  </p:clrMapOvr>
-  <p:timing>
-    <p:tnLst>
-      <p:par>
-        <p:cTn id="1" dur="indefinite" restart="never" nodeType="tmRoot"/>
-      </p:par>
-    </p:tnLst>
-  </p:timing>
-</p:sld>
-</file>
-
-<file path=ppt/slides/slide5.xml><?xml version="1.0" encoding="utf-8"?>
-<p:sld xmlns:a="http://schemas.openxmlformats.org/drawingml/2006/main" xmlns:r="http://schemas.openxmlformats.org/officeDocument/2006/relationships" xmlns:p="http://schemas.openxmlformats.org/presentationml/2006/main">
-  <p:cSld>
-    <p:spTree>
-      <p:nvGrpSpPr>
-        <p:cNvPr id="1" name=""/>
-        <p:cNvGrpSpPr/>
-        <p:nvPr/>
-      </p:nvGrpSpPr>
-      <p:grpSpPr>
-        <a:xfrm>
-          <a:off x="0" y="0"/>
-          <a:ext cx="0" cy="0"/>
-          <a:chOff x="0" y="0"/>
-          <a:chExt cx="0" cy="0"/>
-        </a:xfrm>
-      </p:grpSpPr>
-      <p:sp>
-        <p:nvSpPr>
-          <p:cNvPr id="3" name="Tartalom helye 2"/>
-          <p:cNvSpPr>
-            <a:spLocks noGrp="1"/>
-          </p:cNvSpPr>
-          <p:nvPr>
-            <p:ph idx="1"/>
-          </p:nvPr>
-        </p:nvSpPr>
-        <p:spPr>
-          <a:xfrm>
-            <a:off x="0" y="972612"/>
-            <a:ext cx="8460954" cy="3797692"/>
-          </a:xfrm>
-        </p:spPr>
-        <p:txBody>
-          <a:bodyPr>
-            <a:normAutofit/>
-          </a:bodyPr>
-          <a:lstStyle/>
-          <a:p>
-            <a:pPr lvl="1"/>
-            <a:r>
-              <a:rPr lang="hu-HU" sz="2800" dirty="0" smtClean="0"/>
-              <a:t>JSF - JavaServer Faces</a:t>
-            </a:r>
-          </a:p>
-          <a:p>
-            <a:pPr lvl="2"/>
-            <a:r>
-              <a:rPr lang="hu-HU" sz="2400" dirty="0"/>
-              <a:t>A JSF architektúra tartalmazza az alábbiakat:</a:t>
-            </a:r>
-          </a:p>
-          <a:p>
-            <a:pPr lvl="3">
-              <a:lnSpc>
-                <a:spcPct val="150000"/>
-              </a:lnSpc>
-            </a:pPr>
-            <a:r>
-              <a:rPr lang="hu-HU" sz="2000" dirty="0"/>
-              <a:t>A grafikus komponenseket reprezentáló </a:t>
-            </a:r>
-            <a:r>
-              <a:rPr lang="hu-HU" sz="2000" dirty="0" smtClean="0"/>
-              <a:t>API-kat</a:t>
-            </a:r>
-          </a:p>
-          <a:p>
-            <a:pPr lvl="3">
-              <a:lnSpc>
-                <a:spcPct val="150000"/>
-              </a:lnSpc>
-            </a:pPr>
-            <a:r>
-              <a:rPr lang="hu-HU" sz="2000" dirty="0" smtClean="0"/>
-              <a:t>JSP elemkönyvtárakat</a:t>
-            </a:r>
-          </a:p>
-          <a:p>
-            <a:pPr lvl="3">
-              <a:lnSpc>
-                <a:spcPct val="150000"/>
-              </a:lnSpc>
-            </a:pPr>
-            <a:r>
-              <a:rPr lang="hu-HU" sz="2000" dirty="0" smtClean="0"/>
-              <a:t>Kiszolgálóoldali eseménymodellt</a:t>
-            </a:r>
-            <a:endParaRPr lang="hu-HU" sz="2000" dirty="0"/>
-          </a:p>
-          <a:p>
-            <a:pPr lvl="3">
-              <a:lnSpc>
-                <a:spcPct val="150000"/>
-              </a:lnSpc>
-            </a:pPr>
-            <a:r>
-              <a:rPr lang="hu-HU" sz="2000" dirty="0"/>
-              <a:t>A komponensek állapotainak kezelése.</a:t>
-            </a:r>
-          </a:p>
-          <a:p>
-            <a:pPr lvl="3">
-              <a:lnSpc>
-                <a:spcPct val="150000"/>
-              </a:lnSpc>
-            </a:pPr>
-            <a:r>
-              <a:rPr lang="hu-HU" sz="2000" dirty="0"/>
-              <a:t>Managed </a:t>
-            </a:r>
-            <a:r>
-              <a:rPr lang="hu-HU" sz="2000" dirty="0" smtClean="0"/>
-              <a:t>Bean-ek</a:t>
-            </a:r>
-            <a:endParaRPr lang="hu-HU" sz="2000" dirty="0"/>
-          </a:p>
-        </p:txBody>
-      </p:sp>
-    </p:spTree>
-    <p:extLst>
-      <p:ext uri="{BB962C8B-B14F-4D97-AF65-F5344CB8AC3E}">
-        <p14:creationId xmlns:p14="http://schemas.microsoft.com/office/powerpoint/2010/main" val="1428721689"/>
-      </p:ext>
-    </p:extLst>
-  </p:cSld>
-  <p:clrMapOvr>
-    <a:masterClrMapping/>
-  </p:clrMapOvr>
-  <p:timing>
-    <p:tnLst>
-      <p:par>
-        <p:cTn id="1" dur="indefinite" restart="never" nodeType="tmRoot"/>
-      </p:par>
-    </p:tnLst>
-  </p:timing>
-</p:sld>
-</file>
-
-<file path=ppt/slides/slide6.xml><?xml version="1.0" encoding="utf-8"?>
-<p:sld xmlns:a="http://schemas.openxmlformats.org/drawingml/2006/main" xmlns:r="http://schemas.openxmlformats.org/officeDocument/2006/relationships" xmlns:p="http://schemas.openxmlformats.org/presentationml/2006/main">
-  <p:cSld>
-    <p:spTree>
-      <p:nvGrpSpPr>
-        <p:cNvPr id="1" name=""/>
-        <p:cNvGrpSpPr/>
-        <p:nvPr/>
-      </p:nvGrpSpPr>
-      <p:grpSpPr>
-        <a:xfrm>
-          <a:off x="0" y="0"/>
-          <a:ext cx="0" cy="0"/>
-          <a:chOff x="0" y="0"/>
-          <a:chExt cx="0" cy="0"/>
-        </a:xfrm>
-      </p:grpSpPr>
-      <p:sp>
-        <p:nvSpPr>
-          <p:cNvPr id="3" name="Tartalom helye 2"/>
-          <p:cNvSpPr>
-            <a:spLocks noGrp="1"/>
-          </p:cNvSpPr>
-          <p:nvPr>
-            <p:ph idx="1"/>
-          </p:nvPr>
-        </p:nvSpPr>
-        <p:spPr/>
-        <p:txBody>
-          <a:bodyPr/>
-          <a:lstStyle/>
-          <a:p>
-            <a:r>
-              <a:rPr lang="hu-HU" dirty="0" smtClean="0"/>
-              <a:t>Felhasználók kezelése:</a:t>
-            </a:r>
-          </a:p>
-          <a:p>
-            <a:pPr lvl="1"/>
-            <a:r>
-              <a:rPr lang="hu-HU" dirty="0" smtClean="0"/>
-              <a:t>Szükséges műveletek:</a:t>
-            </a:r>
-          </a:p>
-          <a:p>
-            <a:pPr lvl="2"/>
-            <a:r>
-              <a:rPr lang="hu-HU" dirty="0" smtClean="0"/>
-              <a:t>létrehozás </a:t>
-            </a:r>
-          </a:p>
-          <a:p>
-            <a:pPr lvl="2"/>
-            <a:r>
-              <a:rPr lang="hu-HU" dirty="0" smtClean="0"/>
-              <a:t>módosítás </a:t>
-            </a:r>
-          </a:p>
-          <a:p>
-            <a:pPr lvl="2"/>
-            <a:r>
-              <a:rPr lang="hu-HU" dirty="0" smtClean="0"/>
-              <a:t>törlés</a:t>
-            </a:r>
-          </a:p>
-          <a:p>
-            <a:pPr lvl="2"/>
-            <a:r>
-              <a:rPr lang="hu-HU" dirty="0" smtClean="0"/>
-              <a:t>jogainak kezelése</a:t>
-            </a:r>
-            <a:endParaRPr lang="hu-HU" dirty="0"/>
-          </a:p>
-        </p:txBody>
-      </p:sp>
-    </p:spTree>
-    <p:extLst>
-      <p:ext uri="{BB962C8B-B14F-4D97-AF65-F5344CB8AC3E}">
-        <p14:creationId xmlns:p14="http://schemas.microsoft.com/office/powerpoint/2010/main" val="815631926"/>
-      </p:ext>
-    </p:extLst>
-  </p:cSld>
-  <p:clrMapOvr>
-    <a:masterClrMapping/>
-  </p:clrMapOvr>
-  <p:timing>
-    <p:tnLst>
-      <p:par>
-        <p:cTn id="1" dur="indefinite" restart="never" nodeType="tmRoot"/>
-      </p:par>
-    </p:tnLst>
-  </p:timing>
-</p:sld>
-</file>
-
-<file path=ppt/slides/slide7.xml><?xml version="1.0" encoding="utf-8"?>
-<p:sld xmlns:a="http://schemas.openxmlformats.org/drawingml/2006/main" xmlns:r="http://schemas.openxmlformats.org/officeDocument/2006/relationships" xmlns:p="http://schemas.openxmlformats.org/presentationml/2006/main">
-  <p:cSld>
-    <p:spTree>
-      <p:nvGrpSpPr>
-        <p:cNvPr id="1" name=""/>
-        <p:cNvGrpSpPr/>
-        <p:nvPr/>
-      </p:nvGrpSpPr>
-      <p:grpSpPr>
-        <a:xfrm>
-          <a:off x="0" y="0"/>
-          <a:ext cx="0" cy="0"/>
-          <a:chOff x="0" y="0"/>
-          <a:chExt cx="0" cy="0"/>
-        </a:xfrm>
-      </p:grpSpPr>
-      <p:pic>
-        <p:nvPicPr>
-          <p:cNvPr id="6" name="Tartalom helye 5"/>
-          <p:cNvPicPr>
-            <a:picLocks noGrp="1" noChangeAspect="1"/>
-          </p:cNvPicPr>
-          <p:nvPr>
-            <p:ph idx="1"/>
-          </p:nvPr>
-        </p:nvPicPr>
-        <p:blipFill>
-          <a:blip r:embed="rId3">
-            <a:extLst>
-              <a:ext uri="{28A0092B-C50C-407E-A947-70E740481C1C}">
-                <a14:useLocalDpi xmlns:a14="http://schemas.microsoft.com/office/drawing/2010/main" val="0"/>
-              </a:ext>
-            </a:extLst>
-          </a:blip>
-          <a:stretch>
-            <a:fillRect/>
-          </a:stretch>
-        </p:blipFill>
-        <p:spPr>
-          <a:xfrm>
-            <a:off x="214517" y="952001"/>
-            <a:ext cx="8772729" cy="3927587"/>
-          </a:xfrm>
-        </p:spPr>
-      </p:pic>
-    </p:spTree>
-    <p:extLst>
-      <p:ext uri="{BB962C8B-B14F-4D97-AF65-F5344CB8AC3E}">
-        <p14:creationId xmlns:p14="http://schemas.microsoft.com/office/powerpoint/2010/main" val="2814479536"/>
-      </p:ext>
-    </p:extLst>
-  </p:cSld>
-  <p:clrMapOvr>
-    <a:masterClrMapping/>
-  </p:clrMapOvr>
-  <p:timing>
-    <p:tnLst>
-      <p:par>
-        <p:cTn id="1" dur="indefinite" restart="never" nodeType="tmRoot"/>
-      </p:par>
-    </p:tnLst>
-  </p:timing>
-</p:sld>
-</file>
-
-<file path=ppt/slides/slide8.xml><?xml version="1.0" encoding="utf-8"?>
-<p:sld xmlns:a="http://schemas.openxmlformats.org/drawingml/2006/main" xmlns:r="http://schemas.openxmlformats.org/officeDocument/2006/relationships" xmlns:p="http://schemas.openxmlformats.org/presentationml/2006/main">
-  <p:cSld>
-    <p:spTree>
-      <p:nvGrpSpPr>
-        <p:cNvPr id="1" name=""/>
-        <p:cNvGrpSpPr/>
-        <p:nvPr/>
-      </p:nvGrpSpPr>
-      <p:grpSpPr>
-        <a:xfrm>
-          <a:off x="0" y="0"/>
-          <a:ext cx="0" cy="0"/>
-          <a:chOff x="0" y="0"/>
-          <a:chExt cx="0" cy="0"/>
-        </a:xfrm>
-      </p:grpSpPr>
-      <p:sp>
-        <p:nvSpPr>
-          <p:cNvPr id="3" name="Tartalom helye 2"/>
-          <p:cNvSpPr>
-            <a:spLocks noGrp="1"/>
-          </p:cNvSpPr>
-          <p:nvPr>
-            <p:ph idx="1"/>
-          </p:nvPr>
-        </p:nvSpPr>
-        <p:spPr>
-          <a:xfrm>
-            <a:off x="0" y="1126848"/>
-            <a:ext cx="7886700" cy="3263504"/>
-          </a:xfrm>
-        </p:spPr>
-        <p:txBody>
-          <a:bodyPr/>
-          <a:lstStyle/>
-          <a:p>
-            <a:r>
-              <a:rPr lang="hu-HU" dirty="0" smtClean="0"/>
-              <a:t>Kódlefedettség </a:t>
-            </a:r>
-            <a:r>
-              <a:rPr lang="hu-HU" dirty="0" smtClean="0"/>
-              <a:t>javítása</a:t>
-            </a:r>
-          </a:p>
-          <a:p>
-            <a:endParaRPr lang="hu-HU" dirty="0" smtClean="0"/>
-          </a:p>
-        </p:txBody>
-      </p:sp>
-      <p:pic>
-        <p:nvPicPr>
-          <p:cNvPr id="2" name="Kép 1"/>
-          <p:cNvPicPr>
-            <a:picLocks noChangeAspect="1"/>
-          </p:cNvPicPr>
-          <p:nvPr/>
-        </p:nvPicPr>
-        <p:blipFill>
-          <a:blip r:embed="rId3">
-            <a:extLst>
-              <a:ext uri="{28A0092B-C50C-407E-A947-70E740481C1C}">
-                <a14:useLocalDpi xmlns:a14="http://schemas.microsoft.com/office/drawing/2010/main" val="0"/>
-              </a:ext>
-            </a:extLst>
-          </a:blip>
-          <a:stretch>
-            <a:fillRect/>
-          </a:stretch>
-        </p:blipFill>
-        <p:spPr>
-          <a:xfrm>
-            <a:off x="0" y="1833138"/>
-            <a:ext cx="9144000" cy="454847"/>
-          </a:xfrm>
-          <a:prstGeom prst="rect">
-            <a:avLst/>
-          </a:prstGeom>
-        </p:spPr>
-      </p:pic>
-      <p:pic>
-        <p:nvPicPr>
-          <p:cNvPr id="4" name="Kép 3"/>
-          <p:cNvPicPr>
-            <a:picLocks noChangeAspect="1"/>
-          </p:cNvPicPr>
-          <p:nvPr/>
-        </p:nvPicPr>
-        <p:blipFill>
-          <a:blip r:embed="rId4">
-            <a:extLst>
-              <a:ext uri="{28A0092B-C50C-407E-A947-70E740481C1C}">
-                <a14:useLocalDpi xmlns:a14="http://schemas.microsoft.com/office/drawing/2010/main" val="0"/>
-              </a:ext>
-            </a:extLst>
-          </a:blip>
-          <a:stretch>
-            <a:fillRect/>
-          </a:stretch>
-        </p:blipFill>
-        <p:spPr>
-          <a:xfrm>
-            <a:off x="0" y="2532533"/>
-            <a:ext cx="9144000" cy="452133"/>
-          </a:xfrm>
-          <a:prstGeom prst="rect">
-            <a:avLst/>
-          </a:prstGeom>
-        </p:spPr>
-      </p:pic>
-    </p:spTree>
-    <p:extLst>
-      <p:ext uri="{BB962C8B-B14F-4D97-AF65-F5344CB8AC3E}">
-        <p14:creationId xmlns:p14="http://schemas.microsoft.com/office/powerpoint/2010/main" val="784567491"/>
-      </p:ext>
-    </p:extLst>
-  </p:cSld>
-  <p:clrMapOvr>
-    <a:masterClrMapping/>
-  </p:clrMapOvr>
-  <p:timing>
-    <p:tnLst>
-      <p:par>
-        <p:cTn id="1" dur="indefinite" restart="never" nodeType="tmRoot"/>
-      </p:par>
-    </p:tnLst>
-  </p:timing>
-</p:sld>
-</file>
-
-<file path=ppt/slides/slide9.xml><?xml version="1.0" encoding="utf-8"?>
-<p:sld xmlns:a="http://schemas.openxmlformats.org/drawingml/2006/main" xmlns:r="http://schemas.openxmlformats.org/officeDocument/2006/relationships" xmlns:p="http://schemas.openxmlformats.org/presentationml/2006/main">
-  <p:cSld>
-    <p:spTree>
-      <p:nvGrpSpPr>
-        <p:cNvPr id="1" name=""/>
-        <p:cNvGrpSpPr/>
-        <p:nvPr/>
-      </p:nvGrpSpPr>
-      <p:grpSpPr>
-        <a:xfrm>
-          <a:off x="0" y="0"/>
-          <a:ext cx="0" cy="0"/>
-          <a:chOff x="0" y="0"/>
-          <a:chExt cx="0" cy="0"/>
-        </a:xfrm>
-      </p:grpSpPr>
-      <p:sp>
-        <p:nvSpPr>
-          <p:cNvPr id="2" name="Cím 1"/>
-          <p:cNvSpPr>
-            <a:spLocks noGrp="1"/>
-          </p:cNvSpPr>
-          <p:nvPr>
-            <p:ph type="title"/>
-          </p:nvPr>
-        </p:nvSpPr>
-        <p:spPr>
-          <a:xfrm>
-            <a:off x="628650" y="1045026"/>
-            <a:ext cx="7886700" cy="994172"/>
-          </a:xfrm>
-        </p:spPr>
-        <p:txBody>
-          <a:bodyPr/>
-          <a:lstStyle/>
-          <a:p>
-            <a:r>
-              <a:rPr lang="hu-HU" dirty="0" smtClean="0"/>
-              <a:t>Nyelvesítés</a:t>
-            </a:r>
-            <a:endParaRPr lang="hu-HU" dirty="0"/>
-          </a:p>
-        </p:txBody>
-      </p:sp>
-      <p:sp>
-        <p:nvSpPr>
-          <p:cNvPr id="3" name="Tartalom helye 2"/>
-          <p:cNvSpPr>
-            <a:spLocks noGrp="1"/>
-          </p:cNvSpPr>
-          <p:nvPr>
-            <p:ph idx="1"/>
-          </p:nvPr>
-        </p:nvSpPr>
-        <p:spPr>
-          <a:xfrm>
-            <a:off x="628650" y="1927952"/>
-            <a:ext cx="7886700" cy="2407316"/>
-          </a:xfrm>
-        </p:spPr>
-        <p:txBody>
-          <a:bodyPr/>
-          <a:lstStyle/>
-          <a:p>
-            <a:r>
-              <a:rPr lang="hu-HU" dirty="0"/>
-              <a:t>A Java </a:t>
-            </a:r>
-            <a:r>
-              <a:rPr lang="hu-HU" dirty="0" err="1"/>
-              <a:t>resource</a:t>
-            </a:r>
-            <a:r>
-              <a:rPr lang="hu-HU" dirty="0"/>
-              <a:t> </a:t>
-            </a:r>
-            <a:r>
-              <a:rPr lang="hu-HU" dirty="0" err="1" smtClean="0"/>
-              <a:t>bundle</a:t>
-            </a:r>
-            <a:r>
-              <a:rPr lang="hu-HU" dirty="0" smtClean="0"/>
-              <a:t> segítségével</a:t>
-            </a:r>
-          </a:p>
-          <a:p>
-            <a:pPr lvl="1"/>
-            <a:r>
-              <a:rPr lang="hu-HU" dirty="0" smtClean="0"/>
-              <a:t>Magyar </a:t>
-            </a:r>
-            <a:r>
-              <a:rPr lang="hu-HU" dirty="0" err="1" smtClean="0"/>
-              <a:t>proterty-k</a:t>
-            </a:r>
-            <a:r>
-              <a:rPr lang="hu-HU" dirty="0" smtClean="0"/>
-              <a:t> </a:t>
-            </a:r>
-            <a:endParaRPr lang="hu-HU" dirty="0"/>
-          </a:p>
-          <a:p>
-            <a:pPr lvl="2"/>
-            <a:r>
-              <a:rPr lang="hu-HU" dirty="0" smtClean="0"/>
-              <a:t>Angol fordítás megírása</a:t>
-            </a:r>
-            <a:endParaRPr lang="hu-HU" dirty="0"/>
-          </a:p>
-        </p:txBody>
-      </p:sp>
-    </p:spTree>
-    <p:extLst>
-      <p:ext uri="{BB962C8B-B14F-4D97-AF65-F5344CB8AC3E}">
-        <p14:creationId xmlns:p14="http://schemas.microsoft.com/office/powerpoint/2010/main" val="3129922018"/>
       </p:ext>
     </p:extLst>
   </p:cSld>

--- a/ksz/KovácsSzabolcsZoltán.pptx
+++ b/ksz/KovácsSzabolcsZoltán.pptx
@@ -5,16 +5,17 @@
     <p:sldMasterId id="2147483660" r:id="rId1"/>
   </p:sldMasterIdLst>
   <p:notesMasterIdLst>
-    <p:notesMasterId r:id="rId9"/>
+    <p:notesMasterId r:id="rId10"/>
   </p:notesMasterIdLst>
   <p:sldIdLst>
     <p:sldId id="257" r:id="rId2"/>
     <p:sldId id="266" r:id="rId3"/>
-    <p:sldId id="264" r:id="rId4"/>
-    <p:sldId id="259" r:id="rId5"/>
-    <p:sldId id="260" r:id="rId6"/>
-    <p:sldId id="263" r:id="rId7"/>
-    <p:sldId id="258" r:id="rId8"/>
+    <p:sldId id="259" r:id="rId4"/>
+    <p:sldId id="260" r:id="rId5"/>
+    <p:sldId id="263" r:id="rId6"/>
+    <p:sldId id="264" r:id="rId7"/>
+    <p:sldId id="267" r:id="rId8"/>
+    <p:sldId id="258" r:id="rId9"/>
   </p:sldIdLst>
   <p:sldSz cx="9144000" cy="5143500" type="screen16x9"/>
   <p:notesSz cx="6858000" cy="9144000"/>
@@ -114,6 +115,22 @@
     </a:lvl9pPr>
   </p:defaultTextStyle>
   <p:extLst>
+    <p:ext uri="{521415D9-36F7-43E2-AB2F-B90AF26B5E84}">
+      <p14:sectionLst xmlns:p14="http://schemas.microsoft.com/office/powerpoint/2010/main">
+        <p14:section name="Alapértelmezett szakasz" id="{8CC6624D-BEDF-42A8-8883-96C716D5F3ED}">
+          <p14:sldIdLst>
+            <p14:sldId id="257"/>
+            <p14:sldId id="266"/>
+            <p14:sldId id="259"/>
+            <p14:sldId id="260"/>
+            <p14:sldId id="263"/>
+            <p14:sldId id="264"/>
+            <p14:sldId id="267"/>
+            <p14:sldId id="258"/>
+          </p14:sldIdLst>
+        </p14:section>
+      </p14:sectionLst>
+    </p:ext>
     <p:ext uri="{EFAFB233-063F-42B5-8137-9DF3F51BA10A}">
       <p15:sldGuideLst xmlns:p15="http://schemas.microsoft.com/office/powerpoint/2012/main">
         <p15:guide id="1" orient="horz" pos="1620">
@@ -217,7 +234,7 @@
           <a:p>
             <a:fld id="{D197CEE4-9B01-468A-A28E-1D4A3510372F}" type="datetimeFigureOut">
               <a:rPr lang="hu-HU" smtClean="0"/>
-              <a:t>2016. 05. 17.</a:t>
+              <a:t>2016. 05. 20.</a:t>
             </a:fld>
             <a:endParaRPr lang="hu-HU"/>
           </a:p>
@@ -535,8 +552,13 @@
             </a:r>
             <a:r>
               <a:rPr lang="hu-HU" baseline="0" dirty="0" smtClean="0"/>
-              <a:t> mindenkit!</a:t>
-            </a:r>
+              <a:t> mindenkit</a:t>
+            </a:r>
+            <a:r>
+              <a:rPr lang="hu-HU" baseline="0" dirty="0" smtClean="0"/>
+              <a:t>! / Jó estét kívánok!</a:t>
+            </a:r>
+            <a:endParaRPr lang="hu-HU" baseline="0" dirty="0" smtClean="0"/>
           </a:p>
           <a:p>
             <a:r>
@@ -624,114 +646,249 @@
             <p:ph type="sldImg"/>
           </p:nvPr>
         </p:nvSpPr>
+        <p:spPr>
+          <a:xfrm>
+            <a:off x="619125" y="3038475"/>
+            <a:ext cx="5486400" cy="3086100"/>
+          </a:xfrm>
+        </p:spPr>
+      </p:sp>
+      <p:sp>
+        <p:nvSpPr>
+          <p:cNvPr id="3" name="Jegyzetek helye 2"/>
+          <p:cNvSpPr>
+            <a:spLocks noGrp="1"/>
+          </p:cNvSpPr>
+          <p:nvPr>
+            <p:ph type="body" idx="1"/>
+          </p:nvPr>
+        </p:nvSpPr>
         <p:spPr/>
-      </p:sp>
-      <p:sp>
-        <p:nvSpPr>
-          <p:cNvPr id="3" name="Jegyzetek helye 2"/>
-          <p:cNvSpPr>
-            <a:spLocks noGrp="1"/>
-          </p:cNvSpPr>
-          <p:nvPr>
-            <p:ph type="body" idx="1"/>
-          </p:nvPr>
-        </p:nvSpPr>
-        <p:spPr/>
         <p:txBody>
           <a:bodyPr/>
           <a:lstStyle/>
           <a:p>
             <a:r>
               <a:rPr lang="hu-HU" dirty="0" smtClean="0"/>
-              <a:t>A</a:t>
-            </a:r>
-            <a:r>
-              <a:rPr lang="hu-HU" baseline="0" dirty="0" smtClean="0"/>
-              <a:t> képzés végeztével megkezdődött a projekt munka, mely során csapatba kellett dolgozni, eleinte ezt furcsa volt számomra, bár dolgoztam már másokkal csapatba, csapatversenyeken, de ez azért más volt. Nem két vagy három ember dolgozott együtt hanem 10. Nem csak egy feladatot oldottunk meg együtt, hanem feladatok sorát. Amellett hogy más munkáját (kódját) egészítettük ki, esetenként használtuk fel, sokat segítettünk egymásnak. Mivel sok „idegen” kódot láttam, olvastam ezért most már sokkal könnyebben el tudok vonatkoztatni a saját kódjaimtól, és kevésbe jelent gondot értelmezni azt ami elém kerül.</a:t>
-            </a:r>
-          </a:p>
-          <a:p>
+              <a:t>Főb</a:t>
+            </a:r>
+            <a:r>
+              <a:rPr lang="hu-HU" baseline="0" dirty="0" smtClean="0"/>
+              <a:t>b feladataim a projekt során:</a:t>
+            </a:r>
+            <a:endParaRPr lang="hu-HU" dirty="0" smtClean="0"/>
+          </a:p>
+          <a:p>
+            <a:endParaRPr lang="hu-HU" dirty="0" smtClean="0"/>
+          </a:p>
+          <a:p>
+            <a:r>
+              <a:rPr lang="hu-HU" dirty="0" smtClean="0"/>
+              <a:t>Az egyik feladatom</a:t>
+            </a:r>
+            <a:r>
+              <a:rPr lang="hu-HU" baseline="0" dirty="0" smtClean="0"/>
+              <a:t> </a:t>
+            </a:r>
+            <a:r>
+              <a:rPr lang="hu-HU" dirty="0" smtClean="0"/>
+              <a:t>az volt,</a:t>
+            </a:r>
+            <a:r>
+              <a:rPr lang="hu-HU" baseline="0" dirty="0" smtClean="0"/>
+              <a:t> hogy a függőségek </a:t>
+            </a:r>
+            <a:r>
+              <a:rPr lang="hu-HU" baseline="0" dirty="0" smtClean="0"/>
+              <a:t>verziókezelését </a:t>
+            </a:r>
+            <a:r>
+              <a:rPr lang="hu-HU" baseline="0" dirty="0" smtClean="0"/>
+              <a:t>központosítsam. </a:t>
+            </a:r>
+            <a:r>
+              <a:rPr lang="hu-HU" baseline="0" dirty="0" smtClean="0"/>
+              <a:t>Mikor </a:t>
+            </a:r>
+            <a:r>
+              <a:rPr lang="hu-HU" baseline="0" dirty="0" smtClean="0"/>
+              <a:t>nekiláttunk </a:t>
+            </a:r>
+            <a:r>
+              <a:rPr lang="hu-HU" baseline="0" dirty="0" smtClean="0"/>
+              <a:t>a projekt </a:t>
+            </a:r>
+            <a:r>
+              <a:rPr lang="hu-HU" baseline="0" dirty="0" smtClean="0"/>
+              <a:t>elkészítésének a függőségeket </a:t>
+            </a:r>
+            <a:r>
+              <a:rPr lang="hu-HU" baseline="0" dirty="0" smtClean="0"/>
+              <a:t>és verzióikat modulonként </a:t>
+            </a:r>
+            <a:r>
+              <a:rPr lang="hu-HU" baseline="0" dirty="0" smtClean="0"/>
+              <a:t>húztuk be. </a:t>
+            </a:r>
+            <a:r>
+              <a:rPr lang="hu-HU" baseline="0" dirty="0" smtClean="0"/>
+              <a:t>Ennek több hátránya </a:t>
+            </a:r>
+            <a:r>
+              <a:rPr lang="hu-HU" baseline="0" dirty="0" smtClean="0"/>
+              <a:t>is volt, </a:t>
+            </a:r>
+            <a:r>
+              <a:rPr lang="hu-HU" baseline="0" dirty="0" smtClean="0"/>
+              <a:t>egyrészt mindenhol egyeznie kell a </a:t>
+            </a:r>
+            <a:r>
+              <a:rPr lang="hu-HU" baseline="0" dirty="0" smtClean="0"/>
+              <a:t>verzióknak</a:t>
+            </a:r>
+            <a:r>
+              <a:rPr lang="hu-HU" baseline="0" dirty="0" smtClean="0"/>
+              <a:t>, </a:t>
+            </a:r>
+            <a:r>
+              <a:rPr lang="hu-HU" baseline="0" dirty="0" smtClean="0"/>
+              <a:t>másrészt </a:t>
+            </a:r>
+            <a:r>
+              <a:rPr lang="hu-HU" baseline="0" dirty="0" smtClean="0"/>
+              <a:t>ha egy technológiának új verziója jelenne meg és át szeretnénk állni az egész projekttel az új verzióra akkor mindenhol át kéne írni a verziószámot, és ha valahol a régi marad akkor az elsőként említett </a:t>
+            </a:r>
+            <a:r>
+              <a:rPr lang="hu-HU" baseline="0" dirty="0" smtClean="0"/>
+              <a:t>hátrányba ütközünk. </a:t>
+            </a:r>
+            <a:r>
+              <a:rPr lang="hu-HU" baseline="0" dirty="0" smtClean="0"/>
+              <a:t>Ennek elkerülése végett a verziószámok csak egy helyen szerepelnek, a szülő </a:t>
+            </a:r>
+            <a:r>
+              <a:rPr lang="hu-HU" baseline="0" dirty="0" smtClean="0"/>
+              <a:t>modulba.</a:t>
+            </a:r>
             <a:endParaRPr lang="hu-HU" baseline="0" dirty="0" smtClean="0"/>
           </a:p>
           <a:p>
-            <a:pPr marL="0" marR="0" indent="0" algn="l" defTabSz="914400" rtl="0" eaLnBrk="1" fontAlgn="auto" latinLnBrk="0" hangingPunct="1">
-              <a:lnSpc>
-                <a:spcPct val="100000"/>
-              </a:lnSpc>
-              <a:spcBef>
-                <a:spcPts val="0"/>
-              </a:spcBef>
-              <a:spcAft>
-                <a:spcPts val="0"/>
-              </a:spcAft>
-              <a:buClrTx/>
-              <a:buSzTx/>
-              <a:buFontTx/>
-              <a:buNone/>
-              <a:tabLst/>
-              <a:defRPr/>
-            </a:pPr>
+            <a:endParaRPr lang="hu-HU" baseline="0" dirty="0" smtClean="0"/>
+          </a:p>
+          <a:p>
+            <a:r>
+              <a:rPr lang="hu-HU" baseline="0" dirty="0" smtClean="0"/>
+              <a:t>Az oldalon eleinte beégetett szövegek jelentek meg, viszont ahhoz hogy több nyelven is elérhető legyen szükségünk volt valamilyen nyelvesítésre. A Java </a:t>
+            </a:r>
+            <a:r>
+              <a:rPr lang="hu-HU" baseline="0" dirty="0" err="1" smtClean="0"/>
+              <a:t>Resource</a:t>
+            </a:r>
+            <a:r>
+              <a:rPr lang="hu-HU" baseline="0" dirty="0" smtClean="0"/>
+              <a:t> </a:t>
+            </a:r>
+            <a:r>
+              <a:rPr lang="hu-HU" baseline="0" dirty="0" err="1" smtClean="0"/>
+              <a:t>Bundle</a:t>
+            </a:r>
+            <a:r>
+              <a:rPr lang="hu-HU" baseline="0" dirty="0" smtClean="0"/>
+              <a:t> használatával az alkalmazás nyelv-függetlenné tehető, a </a:t>
+            </a:r>
+            <a:r>
+              <a:rPr lang="hu-HU" baseline="0" dirty="0" err="1" smtClean="0"/>
+              <a:t>resource</a:t>
+            </a:r>
+            <a:r>
+              <a:rPr lang="hu-HU" baseline="0" dirty="0" smtClean="0"/>
+              <a:t> </a:t>
+            </a:r>
+            <a:r>
+              <a:rPr lang="hu-HU" baseline="0" dirty="0" err="1" smtClean="0"/>
+              <a:t>bundle</a:t>
+            </a:r>
+            <a:r>
+              <a:rPr lang="hu-HU" baseline="0" dirty="0" smtClean="0"/>
+              <a:t> egy .</a:t>
+            </a:r>
+            <a:r>
+              <a:rPr lang="hu-HU" baseline="0" dirty="0" err="1" smtClean="0"/>
+              <a:t>properties</a:t>
+            </a:r>
+            <a:r>
+              <a:rPr lang="hu-HU" baseline="0" dirty="0" smtClean="0"/>
+              <a:t> típusú fájlból olvassa ki az oda tartozó szöveget, a megfelelő nyelven</a:t>
+            </a:r>
+            <a:r>
+              <a:rPr lang="hu-HU" baseline="0" dirty="0" smtClean="0"/>
+              <a:t>. </a:t>
+            </a:r>
+            <a:r>
+              <a:rPr lang="hu-HU" baseline="0" dirty="0" smtClean="0"/>
+              <a:t>A magyar nyelvű </a:t>
+            </a:r>
+            <a:r>
+              <a:rPr lang="hu-HU" baseline="0" dirty="0" err="1" smtClean="0"/>
+              <a:t>property</a:t>
+            </a:r>
+            <a:r>
+              <a:rPr lang="hu-HU" baseline="0" dirty="0" smtClean="0"/>
+              <a:t> nagyrészt megvolt, </a:t>
+            </a:r>
+            <a:r>
+              <a:rPr lang="hu-HU" baseline="0" dirty="0" smtClean="0"/>
+              <a:t>viszont az angol nem. A magyart ki egészítettem a még hiányzó elemekkel, majd az egészet </a:t>
+            </a:r>
+            <a:r>
+              <a:rPr lang="hu-HU" baseline="0" dirty="0" smtClean="0"/>
+              <a:t>lefordítottam angolra is.</a:t>
+            </a:r>
+            <a:endParaRPr lang="hu-HU" dirty="0" smtClean="0"/>
+          </a:p>
+          <a:p>
+            <a:endParaRPr lang="hu-HU" dirty="0" smtClean="0"/>
+          </a:p>
+          <a:p>
             <a:r>
               <a:rPr lang="hu-HU" dirty="0" smtClean="0"/>
-              <a:t>A </a:t>
-            </a:r>
+              <a:t>Véleményem szerint a legnagyobb feladatom</a:t>
+            </a:r>
+            <a:r>
+              <a:rPr lang="hu-HU" baseline="0" dirty="0" smtClean="0"/>
+              <a:t> a felhasználók kezelése volt.</a:t>
+            </a:r>
+            <a:endParaRPr lang="hu-HU" dirty="0" smtClean="0"/>
+          </a:p>
+          <a:p>
             <a:r>
               <a:rPr lang="hu-HU" dirty="0" smtClean="0"/>
-              <a:t>csapaton</a:t>
-            </a:r>
-            <a:r>
-              <a:rPr lang="hu-HU" baseline="0" dirty="0" smtClean="0"/>
-              <a:t> belül nem voltak a feladatok személyekre </a:t>
-            </a:r>
-            <a:r>
-              <a:rPr lang="hu-HU" baseline="0" dirty="0" smtClean="0"/>
-              <a:t>szabva vagy egy bizonyos személyre kiszabva, viszont igyekeztünk egyenlően elosztani a feladatokat. </a:t>
-            </a:r>
-            <a:r>
-              <a:rPr lang="hu-HU" baseline="0" dirty="0" smtClean="0"/>
-              <a:t>Mindenki magának választhatott szabadon</a:t>
-            </a:r>
-            <a:r>
-              <a:rPr lang="hu-HU" baseline="0" dirty="0" smtClean="0"/>
-              <a:t>. Fontos volt számunk az hogy senkit se hagyjunk hátra. Ha valaki elakadt, vagy több napja dolgozott egy adott feladaton, a saját feladatainkat félre téve segítettünk neki megoldani a problémát.</a:t>
-            </a:r>
+              <a:t>A felhasználók kezeléséhez létre kellett hoznom</a:t>
+            </a:r>
+            <a:r>
+              <a:rPr lang="hu-HU" baseline="0" dirty="0" smtClean="0"/>
+              <a:t> egy kezelőfelületet illetve az alatta futó szolgáltatásokat is. Részletesebben erről kicsit később fogok beszélni.</a:t>
+            </a:r>
+          </a:p>
+          <a:p>
             <a:endParaRPr lang="hu-HU" baseline="0" dirty="0" smtClean="0"/>
           </a:p>
           <a:p>
+            <a:r>
+              <a:rPr lang="hu-HU" baseline="0" dirty="0" smtClean="0"/>
+              <a:t>Többek között még foglalkoztam a kódlefedettség javításával.</a:t>
+            </a:r>
             <a:endParaRPr lang="hu-HU" baseline="0" dirty="0" smtClean="0"/>
           </a:p>
           <a:p>
             <a:r>
               <a:rPr lang="hu-HU" baseline="0" dirty="0" smtClean="0"/>
-              <a:t>A fejlesztés során folyamatosan kihívások kerültek elém, ami motivációt jelentett számomra. A megoldásukkal folyamatosan bizonyíthattam magamnak, és másoknak is, hogy igen is sokat tanultam az elmúlt néhány hétben.</a:t>
-            </a:r>
-          </a:p>
-          <a:p>
-            <a:endParaRPr lang="hu-HU" baseline="0" dirty="0" smtClean="0"/>
-          </a:p>
-          <a:p>
-            <a:r>
-              <a:rPr lang="hu-HU" baseline="0" dirty="0" smtClean="0"/>
-              <a:t>A kihívások mellett </a:t>
-            </a:r>
-            <a:r>
-              <a:rPr lang="hu-HU" baseline="0" dirty="0" smtClean="0"/>
-              <a:t>felmerültek kisebb-nagyobb </a:t>
-            </a:r>
-            <a:r>
-              <a:rPr lang="hu-HU" baseline="0" dirty="0" smtClean="0"/>
-              <a:t>problémák is, </a:t>
-            </a:r>
-            <a:r>
-              <a:rPr lang="hu-HU" baseline="0" dirty="0" smtClean="0"/>
-              <a:t>de a nagyrészük hamar meg is oldódott. </a:t>
-            </a:r>
-            <a:r>
-              <a:rPr lang="hu-HU" baseline="0" dirty="0" smtClean="0"/>
-              <a:t>Mivel a problémák nagyrész amivel találkoztam nagy valószínűséggel csak nekem volt új, ezért először az interneten próbáltam rábukkanni a megoldásra, ha nem jártam sikerrel akkor a csapattársaimtól kértem segítséget, ha pedig ők sem tudtak segíteni akkor az oktatónkhoz, Attilához fordultam aki amint tudott segített, de probléma nem maradt megoldatlanul!</a:t>
-            </a:r>
-          </a:p>
-          <a:p>
+              <a:t>A kódlefedettség egy fontos statisztikai adat egy projektről. Ez mutatja meg hogy a kód mekkora része van letesztelve. Erről </a:t>
+            </a:r>
+            <a:r>
+              <a:rPr lang="hu-HU" baseline="0" dirty="0" smtClean="0"/>
+              <a:t>szintén később lesz szó.</a:t>
+            </a:r>
             <a:endParaRPr lang="hu-HU" dirty="0"/>
           </a:p>
         </p:txBody>
@@ -762,7 +919,7 @@
     </p:spTree>
     <p:extLst>
       <p:ext uri="{BB962C8B-B14F-4D97-AF65-F5344CB8AC3E}">
-        <p14:creationId xmlns:p14="http://schemas.microsoft.com/office/powerpoint/2010/main" val="554911041"/>
+        <p14:creationId xmlns:p14="http://schemas.microsoft.com/office/powerpoint/2010/main" val="2048949999"/>
       </p:ext>
     </p:extLst>
   </p:cSld>
@@ -799,12 +956,7 @@
             <p:ph type="sldImg"/>
           </p:nvPr>
         </p:nvSpPr>
-        <p:spPr>
-          <a:xfrm>
-            <a:off x="619125" y="3038475"/>
-            <a:ext cx="5486400" cy="3086100"/>
-          </a:xfrm>
-        </p:spPr>
+        <p:spPr/>
       </p:sp>
       <p:sp>
         <p:nvSpPr>
@@ -823,11 +975,11 @@
           <a:p>
             <a:r>
               <a:rPr lang="hu-HU" dirty="0" smtClean="0"/>
-              <a:t>A</a:t>
-            </a:r>
-            <a:r>
-              <a:rPr lang="hu-HU" baseline="0" dirty="0" smtClean="0"/>
-              <a:t> függőségek verziókezelését központosítani kellett. Mikor nekiálltunk a projekt elkészítésének függőségeket és verzióikat modulonként használtuk. Ennek több hátránya is, egyrészt mindenhol egyeznie kell a verziónak, illetve ha egy technológiának új verziója jelenne meg és át szeretnénk állni az egész projekttel az új verzióra akkor mindenhol át kéne írni a verziószámot, és ha valahol a régi marad akkor az elsőként említett hátrány lép fel. Ennek elkerülése végett a verziószámok csak egy helyen szerepelnek, a szülő modulba.</a:t>
+              <a:t>Itt látható a felhasználókhoz tartozó kezelés</a:t>
+            </a:r>
+            <a:r>
+              <a:rPr lang="hu-HU" baseline="0" dirty="0" smtClean="0"/>
+              <a:t>i felület.</a:t>
             </a:r>
           </a:p>
           <a:p>
@@ -836,77 +988,23 @@
           <a:p>
             <a:r>
               <a:rPr lang="hu-HU" baseline="0" dirty="0" smtClean="0"/>
-              <a:t>Az oldalon eleinte beégetett szövegek jelentek meg, viszont ahhoz hogy több nyelven is elérhető legyen szükségünk volt valamilyen nyelvesítésre. A Java </a:t>
-            </a:r>
-            <a:r>
-              <a:rPr lang="hu-HU" baseline="0" dirty="0" err="1" smtClean="0"/>
-              <a:t>Resource</a:t>
-            </a:r>
-            <a:r>
-              <a:rPr lang="hu-HU" baseline="0" dirty="0" smtClean="0"/>
-              <a:t> </a:t>
-            </a:r>
-            <a:r>
-              <a:rPr lang="hu-HU" baseline="0" dirty="0" err="1" smtClean="0"/>
-              <a:t>Bundle</a:t>
-            </a:r>
-            <a:r>
-              <a:rPr lang="hu-HU" baseline="0" dirty="0" smtClean="0"/>
-              <a:t> használatával az alkalmazás nyelv-függetlenné tehető, a </a:t>
-            </a:r>
-            <a:r>
-              <a:rPr lang="hu-HU" baseline="0" dirty="0" err="1" smtClean="0"/>
-              <a:t>resource</a:t>
-            </a:r>
-            <a:r>
-              <a:rPr lang="hu-HU" baseline="0" dirty="0" smtClean="0"/>
-              <a:t> </a:t>
-            </a:r>
-            <a:r>
-              <a:rPr lang="hu-HU" baseline="0" dirty="0" err="1" smtClean="0"/>
-              <a:t>bundle</a:t>
-            </a:r>
-            <a:r>
-              <a:rPr lang="hu-HU" baseline="0" dirty="0" smtClean="0"/>
-              <a:t> egy .</a:t>
-            </a:r>
-            <a:r>
-              <a:rPr lang="hu-HU" baseline="0" dirty="0" err="1" smtClean="0"/>
-              <a:t>properties</a:t>
-            </a:r>
-            <a:r>
-              <a:rPr lang="hu-HU" baseline="0" dirty="0" smtClean="0"/>
-              <a:t> típusú fájlból olvassa ki az oda tartozó szöveget, a megfelelő nyelven. Ezek a fájlok tartalmazzák a fordításokat. A magyar nyelvű </a:t>
-            </a:r>
-            <a:r>
-              <a:rPr lang="hu-HU" baseline="0" dirty="0" err="1" smtClean="0"/>
-              <a:t>property-k</a:t>
-            </a:r>
-            <a:r>
-              <a:rPr lang="hu-HU" baseline="0" dirty="0" smtClean="0"/>
-              <a:t> </a:t>
-            </a:r>
-            <a:r>
-              <a:rPr lang="hu-HU" baseline="0" dirty="0" err="1" smtClean="0"/>
-              <a:t>nagyrésze</a:t>
-            </a:r>
-            <a:r>
-              <a:rPr lang="hu-HU" baseline="0" dirty="0" smtClean="0"/>
-              <a:t> megvolt, viszont az angol nem. A magyart ki egészítettem a még hiányzó elemekkel, majd az egészet angolra is lefordítottam.</a:t>
-            </a:r>
-            <a:endParaRPr lang="hu-HU" dirty="0" smtClean="0"/>
-          </a:p>
-          <a:p>
-            <a:endParaRPr lang="hu-HU" dirty="0" smtClean="0"/>
-          </a:p>
-          <a:p>
-            <a:r>
-              <a:rPr lang="hu-HU" dirty="0" smtClean="0"/>
-              <a:t>A felhasználók kezeléséhez létre kellett hoznom</a:t>
-            </a:r>
-            <a:r>
-              <a:rPr lang="hu-HU" baseline="0" dirty="0" smtClean="0"/>
-              <a:t> egy kezelőfelületet illetve az alatta futó szolgáltatásokat is. Részletesebben erről kicsit később fogok beszélni.</a:t>
+              <a:t>Három alap műveletet kellett megvalósítanom: a létrehozást, a szerkesztést illetve a törlést. </a:t>
+            </a:r>
+            <a:r>
+              <a:rPr lang="hu-HU" baseline="0" dirty="0" smtClean="0"/>
+              <a:t>Ezek mellett szükség </a:t>
+            </a:r>
+            <a:r>
+              <a:rPr lang="hu-HU" baseline="0" dirty="0" smtClean="0"/>
+              <a:t>volt még </a:t>
+            </a:r>
+            <a:r>
+              <a:rPr lang="hu-HU" baseline="0" dirty="0" smtClean="0"/>
+              <a:t>a felhasználó </a:t>
+            </a:r>
+            <a:r>
+              <a:rPr lang="hu-HU" baseline="0" dirty="0" smtClean="0"/>
+              <a:t>jogainak a kezelésére is.</a:t>
             </a:r>
           </a:p>
           <a:p>
@@ -915,9 +1013,42 @@
           <a:p>
             <a:r>
               <a:rPr lang="hu-HU" baseline="0" dirty="0" smtClean="0"/>
-              <a:t>A kódlefedettség egy fontos statisztikai adat egy projektről. Ez mutatja meg hogy a kód mekkora része van letesztelve. Erről később szintén szó lesz még.</a:t>
-            </a:r>
-            <a:endParaRPr lang="hu-HU" dirty="0"/>
+              <a:t>Mikor létrehozunk egy felhasználót csak az alap adatait adhatjuk meg. A jelszó amit az adatbázisba tárolunk véletlenszerűen generált karaktereket tartalmaz, és ezt azonnal titkosítjuk is hogy minél biztonságosabb legyen az alkalmazás. A létrehozás </a:t>
+            </a:r>
+            <a:r>
+              <a:rPr lang="hu-HU" baseline="0" dirty="0" smtClean="0"/>
+              <a:t>befejezéseként a felhasználó kap egy aktiváló linket e-mailbe amire kattintva megadhatja a jelszavát, majd ez szintén titkosítva kerül az adatbázisba.</a:t>
+            </a:r>
+          </a:p>
+          <a:p>
+            <a:r>
+              <a:rPr lang="hu-HU" baseline="0" dirty="0" smtClean="0"/>
+              <a:t/>
+            </a:r>
+            <a:br>
+              <a:rPr lang="hu-HU" baseline="0" dirty="0" smtClean="0"/>
+            </a:br>
+            <a:r>
+              <a:rPr lang="hu-HU" baseline="0" dirty="0" smtClean="0"/>
+              <a:t>A maradék három gomb akkor aktiválódik </a:t>
+            </a:r>
+            <a:r>
+              <a:rPr lang="hu-HU" baseline="0" dirty="0" smtClean="0"/>
+              <a:t>amikor kiválasztunk </a:t>
+            </a:r>
+            <a:r>
+              <a:rPr lang="hu-HU" baseline="0" dirty="0" smtClean="0"/>
+              <a:t>egy elemet a táblázatban. A szerkesztés illetve a törlés úgy gondolom mindenki számára egyértelmű. </a:t>
+            </a:r>
+          </a:p>
+          <a:p>
+            <a:endParaRPr lang="hu-HU" baseline="0" dirty="0" smtClean="0"/>
+          </a:p>
+          <a:p>
+            <a:r>
+              <a:rPr lang="hu-HU" baseline="0" dirty="0" smtClean="0"/>
+              <a:t>A jogok kezelésére azért van szükség, mert mikor létrehozunk egy felhasználót, vagy beregisztrál ő maga vendégként fog szerepelni az adatbázisba ezért csak néhány funkció lesz elérhető számára.</a:t>
+            </a:r>
           </a:p>
         </p:txBody>
       </p:sp>
@@ -947,7 +1078,7 @@
     </p:spTree>
     <p:extLst>
       <p:ext uri="{BB962C8B-B14F-4D97-AF65-F5344CB8AC3E}">
-        <p14:creationId xmlns:p14="http://schemas.microsoft.com/office/powerpoint/2010/main" val="2048949999"/>
+        <p14:creationId xmlns:p14="http://schemas.microsoft.com/office/powerpoint/2010/main" val="2125965806"/>
       </p:ext>
     </p:extLst>
   </p:cSld>
@@ -1003,23 +1134,39 @@
           <a:p>
             <a:r>
               <a:rPr lang="hu-HU" dirty="0" smtClean="0"/>
-              <a:t>Itt látható </a:t>
-            </a:r>
+              <a:t>Első lépésként elkészítettem</a:t>
+            </a:r>
+            <a:r>
+              <a:rPr lang="hu-HU" baseline="0" dirty="0" smtClean="0"/>
+              <a:t> a hiányzó teszteket.</a:t>
+            </a:r>
+            <a:endParaRPr lang="hu-HU" dirty="0" smtClean="0"/>
+          </a:p>
+          <a:p>
             <a:r>
               <a:rPr lang="hu-HU" dirty="0" smtClean="0"/>
-              <a:t>a felhasználókhoz tartozó </a:t>
-            </a:r>
+              <a:t>A</a:t>
+            </a:r>
+            <a:r>
+              <a:rPr lang="hu-HU" baseline="0" dirty="0" smtClean="0"/>
+              <a:t>z </a:t>
+            </a:r>
+            <a:r>
+              <a:rPr lang="hu-HU" baseline="0" dirty="0" smtClean="0"/>
+              <a:t>felhasználók, az események illetve a tematika szolgáltatásaihoz tartozó teszteket teljes egészében én írtam. Ezen kívül még hiányoztak tesztek a jogok és a jogcsoportok szolgáltatásai mellől is. </a:t>
+            </a:r>
+          </a:p>
+          <a:p>
+            <a:endParaRPr lang="hu-HU" dirty="0" smtClean="0"/>
+          </a:p>
+          <a:p>
             <a:r>
               <a:rPr lang="hu-HU" dirty="0" smtClean="0"/>
-              <a:t>kezelés</a:t>
-            </a:r>
-            <a:r>
-              <a:rPr lang="hu-HU" baseline="0" dirty="0" smtClean="0"/>
-              <a:t>i felület</a:t>
-            </a:r>
-            <a:r>
-              <a:rPr lang="hu-HU" baseline="0" dirty="0" smtClean="0"/>
-              <a:t>.</a:t>
+              <a:t>A</a:t>
+            </a:r>
+            <a:r>
+              <a:rPr lang="hu-HU" baseline="0" dirty="0" smtClean="0"/>
+              <a:t> meglévő tesztek között volt néhány amely nem töltötte ki teljesen a feladatát, vagy esetleg nem működött megfelelően, ezeket is ki kellett javítanom a teljes siker érdekében.</a:t>
             </a:r>
           </a:p>
           <a:p>
@@ -1028,43 +1175,31 @@
           <a:p>
             <a:r>
               <a:rPr lang="hu-HU" baseline="0" dirty="0" smtClean="0"/>
-              <a:t>Három alap műveletet kellett megvalósítanom: a létrehozást, a szerkesztést illetve a törlést. Szükség volt még egy felhasználó jogainak a kezelésére </a:t>
-            </a:r>
-            <a:r>
-              <a:rPr lang="hu-HU" baseline="0" smtClean="0"/>
-              <a:t>is.</a:t>
-            </a:r>
-          </a:p>
-          <a:p>
-            <a:endParaRPr lang="hu-HU" baseline="0" dirty="0" smtClean="0"/>
-          </a:p>
-          <a:p>
-            <a:r>
-              <a:rPr lang="hu-HU" baseline="0" dirty="0" smtClean="0"/>
-              <a:t>Mikor létrehozunk egy felhasználót csak az alap adatait adhatjuk meg. A jelszó amit az adatbázisba tárolunk véletlenszerűen generált karaktereket tartalmaz, és ezt azonnal titkosítjuk is hogy minél biztonságosabb legyen az alkalmazás. A létrehozás további folyamatát egy csapattársam fogja szemléltetni. </a:t>
-            </a:r>
-          </a:p>
-          <a:p>
-            <a:r>
-              <a:rPr lang="hu-HU" baseline="0" dirty="0" smtClean="0"/>
-              <a:t/>
-            </a:r>
-            <a:br>
-              <a:rPr lang="hu-HU" baseline="0" dirty="0" smtClean="0"/>
-            </a:br>
-            <a:r>
-              <a:rPr lang="hu-HU" baseline="0" dirty="0" smtClean="0"/>
-              <a:t>A maradék három gomb akkor aktiválódik ha kiválasztunk egy elemet a táblázatban. A szerkesztés illetve a törlés úgy gondolom mindenki számára egyértelmű. </a:t>
-            </a:r>
-          </a:p>
-          <a:p>
-            <a:endParaRPr lang="hu-HU" baseline="0" dirty="0" smtClean="0"/>
-          </a:p>
-          <a:p>
-            <a:r>
-              <a:rPr lang="hu-HU" baseline="0" dirty="0" smtClean="0"/>
-              <a:t>A jogok kezelésére azért van szükség, mert mikor létrehozunk egy felhasználót, vagy beregisztrál ő maga vendégként fog szerepelni az adatbázisba ezért csak néhány funkció lesz elérhető számára.</a:t>
-            </a:r>
+              <a:t>A tesztek mellett a kód lefedettségét rontják azok a kódrészletek amik meg lettek írva, de már nincsenek használatba. A helyükre valószínűleg született jobb megoldás, viszont a régi bennmarad a kódban. Ezeket nevezik „halott” kódnak, az ilyen kódrészletek </a:t>
+            </a:r>
+            <a:r>
+              <a:rPr lang="hu-HU" baseline="0" dirty="0" smtClean="0"/>
+              <a:t>kiértékelődése memória </a:t>
+            </a:r>
+            <a:r>
+              <a:rPr lang="hu-HU" baseline="0" dirty="0" smtClean="0"/>
+              <a:t>és processzoridő pazarlás. Eltávolításukkal javul az alkalmazás teljesítménye.</a:t>
+            </a:r>
+            <a:endParaRPr lang="hu-HU" dirty="0" smtClean="0"/>
+          </a:p>
+          <a:p>
+            <a:endParaRPr lang="hu-HU" dirty="0" smtClean="0"/>
+          </a:p>
+          <a:p>
+            <a:r>
+              <a:rPr lang="hu-HU" dirty="0" smtClean="0"/>
+              <a:t>Mindezek pótlása</a:t>
+            </a:r>
+            <a:r>
+              <a:rPr lang="hu-HU" baseline="0" dirty="0" smtClean="0"/>
+              <a:t> és javítása utána a modulunk lefedettsége 100% lett.</a:t>
+            </a:r>
+            <a:endParaRPr lang="hu-HU" dirty="0" smtClean="0"/>
           </a:p>
         </p:txBody>
       </p:sp>
@@ -1094,7 +1229,7 @@
     </p:spTree>
     <p:extLst>
       <p:ext uri="{BB962C8B-B14F-4D97-AF65-F5344CB8AC3E}">
-        <p14:creationId xmlns:p14="http://schemas.microsoft.com/office/powerpoint/2010/main" val="2125965806"/>
+        <p14:creationId xmlns:p14="http://schemas.microsoft.com/office/powerpoint/2010/main" val="495360281"/>
       </p:ext>
     </p:extLst>
   </p:cSld>
@@ -1154,45 +1289,142 @@
             </a:r>
             <a:r>
               <a:rPr lang="hu-HU" baseline="0" dirty="0" smtClean="0"/>
-              <a:t>z felhasználók, az események illetve a tematika szolgáltatásaihoz tartozó teszteket teljes egészében én írtam. Ezen kívül még hiányoztak tesztek a jogok és a jogcsoportok szolgáltatásai mellől is. Ezeket pótoltam először. </a:t>
+              <a:t> </a:t>
+            </a:r>
+            <a:r>
+              <a:rPr lang="hu-HU" baseline="0" dirty="0" smtClean="0"/>
+              <a:t>projekt munka </a:t>
+            </a:r>
+            <a:r>
+              <a:rPr lang="hu-HU" baseline="0" dirty="0" smtClean="0"/>
+              <a:t>során csapatba kellett dolgozni, eleinte </a:t>
+            </a:r>
+            <a:r>
+              <a:rPr lang="hu-HU" baseline="0" dirty="0" smtClean="0"/>
+              <a:t>ez </a:t>
+            </a:r>
+            <a:r>
+              <a:rPr lang="hu-HU" baseline="0" dirty="0" smtClean="0"/>
+              <a:t>furcsa volt számomra, bár dolgoztam már másokkal </a:t>
+            </a:r>
+            <a:r>
+              <a:rPr lang="hu-HU" baseline="0" dirty="0" smtClean="0"/>
+              <a:t>csapatba, például </a:t>
+            </a:r>
+            <a:r>
+              <a:rPr lang="hu-HU" baseline="0" dirty="0" smtClean="0"/>
+              <a:t>csapatversenyeken, de ez azért más volt. Nem két vagy három ember dolgozott együtt hanem 10. Nem csak egy feladatot oldottunk meg együtt, hanem feladatok sorát. </a:t>
+            </a:r>
+            <a:r>
+              <a:rPr lang="hu-HU" baseline="0" dirty="0" smtClean="0"/>
+              <a:t>A saját feladatunk elvégzése közbe esetenként más </a:t>
+            </a:r>
+            <a:r>
+              <a:rPr lang="hu-HU" baseline="0" dirty="0" smtClean="0"/>
+              <a:t>munkáját (kódját) egészítettük ki</a:t>
+            </a:r>
+            <a:r>
+              <a:rPr lang="hu-HU" baseline="0" dirty="0" smtClean="0"/>
+              <a:t>, vagy használtuk fel. </a:t>
+            </a:r>
+            <a:r>
+              <a:rPr lang="hu-HU" baseline="0" dirty="0" smtClean="0"/>
+              <a:t>Mivel sok „idegen” kódot láttam, olvastam ezért most már sokkal könnyebben el tudok vonatkoztatni a saját </a:t>
+            </a:r>
+            <a:r>
+              <a:rPr lang="hu-HU" baseline="0" dirty="0" smtClean="0"/>
+              <a:t>stílusomtól, </a:t>
+            </a:r>
+            <a:r>
+              <a:rPr lang="hu-HU" baseline="0" dirty="0" smtClean="0"/>
+              <a:t>és kevésbe jelent gondot értelmezni azt ami elém kerül.</a:t>
+            </a:r>
+          </a:p>
+          <a:p>
+            <a:endParaRPr lang="hu-HU" baseline="0" dirty="0" smtClean="0"/>
+          </a:p>
+          <a:p>
+            <a:pPr marL="0" marR="0" indent="0" algn="l" defTabSz="914400" rtl="0" eaLnBrk="1" fontAlgn="auto" latinLnBrk="0" hangingPunct="1">
+              <a:lnSpc>
+                <a:spcPct val="100000"/>
+              </a:lnSpc>
+              <a:spcBef>
+                <a:spcPts val="0"/>
+              </a:spcBef>
+              <a:spcAft>
+                <a:spcPts val="0"/>
+              </a:spcAft>
+              <a:buClrTx/>
+              <a:buSzTx/>
+              <a:buFontTx/>
+              <a:buNone/>
+              <a:tabLst/>
+              <a:defRPr/>
+            </a:pPr>
+            <a:r>
+              <a:rPr lang="hu-HU" dirty="0" smtClean="0"/>
+              <a:t>A csapaton</a:t>
+            </a:r>
+            <a:r>
+              <a:rPr lang="hu-HU" baseline="0" dirty="0" smtClean="0"/>
+              <a:t> belül nem voltak a feladatok személyekre szabva vagy egy bizonyos személyre kiszabva, </a:t>
+            </a:r>
+            <a:r>
+              <a:rPr lang="hu-HU" baseline="0" dirty="0" smtClean="0"/>
+              <a:t>azonban igyekeztünk </a:t>
+            </a:r>
+            <a:r>
+              <a:rPr lang="hu-HU" baseline="0" dirty="0" smtClean="0"/>
+              <a:t>egyenlően elosztani a feladatokat. Mindenki magának választhatott szabadon. Fontos volt számunk az hogy senkit se hagyjunk hátra. Ha valaki elakadt, vagy több napja dolgozott egy adott feladaton, a saját feladatainkat félre téve segítettünk neki megoldani a problémát.</a:t>
+            </a:r>
+          </a:p>
+          <a:p>
+            <a:endParaRPr lang="hu-HU" baseline="0" dirty="0" smtClean="0"/>
+          </a:p>
+          <a:p>
+            <a:r>
+              <a:rPr lang="hu-HU" baseline="0" dirty="0" smtClean="0"/>
+              <a:t>A fejlesztés során </a:t>
+            </a:r>
+            <a:r>
+              <a:rPr lang="hu-HU" baseline="0" dirty="0" smtClean="0"/>
+              <a:t>gyakran kihívásokba ütköztem, amit én magam motivációként fogtam fel. </a:t>
+            </a:r>
+            <a:r>
+              <a:rPr lang="hu-HU" baseline="0" dirty="0" smtClean="0"/>
+              <a:t>A megoldásukkal folyamatosan bizonyíthattam magamnak, és másoknak is, hogy igen is sokat tanultam az elmúlt néhány hétben.</a:t>
+            </a:r>
+          </a:p>
+          <a:p>
+            <a:endParaRPr lang="hu-HU" baseline="0" dirty="0" smtClean="0"/>
+          </a:p>
+          <a:p>
+            <a:r>
+              <a:rPr lang="hu-HU" baseline="0" dirty="0" smtClean="0"/>
+              <a:t>A kihívások mellett felmerültek kisebb-nagyobb problémák is, de a nagyrészük hamar meg is oldódott. Mivel a problémák nagyrész amivel találkoztam nagy valószínűséggel csak nekem </a:t>
+            </a:r>
+            <a:r>
+              <a:rPr lang="hu-HU" baseline="0" dirty="0" smtClean="0"/>
+              <a:t>voltak újak, </a:t>
+            </a:r>
+            <a:r>
+              <a:rPr lang="hu-HU" baseline="0" dirty="0" smtClean="0"/>
+              <a:t>ezért először az interneten próbáltam rábukkanni a megoldásra, ha nem jártam sikerrel akkor a csapattársaimtól kértem segítséget, ha pedig ők sem tudtak segíteni akkor az </a:t>
+            </a:r>
+            <a:r>
+              <a:rPr lang="hu-HU" baseline="0" dirty="0" smtClean="0"/>
+              <a:t>projekt vezetőnkhöz fordultam, </a:t>
+            </a:r>
+            <a:r>
+              <a:rPr lang="hu-HU" baseline="0" dirty="0" smtClean="0"/>
+              <a:t>aki amint tudott segített, de probléma nem maradt megoldatlanul!</a:t>
             </a:r>
           </a:p>
           <a:p>
             <a:endParaRPr lang="hu-HU" dirty="0" smtClean="0"/>
           </a:p>
           <a:p>
-            <a:r>
-              <a:rPr lang="hu-HU" dirty="0" smtClean="0"/>
-              <a:t>A</a:t>
-            </a:r>
-            <a:r>
-              <a:rPr lang="hu-HU" baseline="0" dirty="0" smtClean="0"/>
-              <a:t> meglévő tesztek között volt néhány amely nem töltötte ki teljesen a feladatát, vagy esetleg nem működött megfelelően, ezeket is ki kellett javítanom a teljes siker érdekében.</a:t>
-            </a:r>
-          </a:p>
-          <a:p>
-            <a:endParaRPr lang="hu-HU" baseline="0" dirty="0" smtClean="0"/>
-          </a:p>
-          <a:p>
-            <a:r>
-              <a:rPr lang="hu-HU" baseline="0" dirty="0" smtClean="0"/>
-              <a:t>A tesztek mellett a kód lefedettségét rontják azok a kódrészletek amik meg lettek írva, de már nincsenek használatba. A helyükre valószínűleg született jobb megoldás, viszont a régi bennmarad a kódban. Ezeket nevezik „halott” kódnak, az ilyen kódrészletek lefutása memória és processzoridő pazarlás. Eltávolításukkal javul az alkalmazás teljesítménye.</a:t>
-            </a:r>
-            <a:endParaRPr lang="hu-HU" dirty="0" smtClean="0"/>
-          </a:p>
-          <a:p>
-            <a:endParaRPr lang="hu-HU" dirty="0" smtClean="0"/>
-          </a:p>
-          <a:p>
-            <a:r>
-              <a:rPr lang="hu-HU" dirty="0" smtClean="0"/>
-              <a:t>Mindezek pótlása</a:t>
-            </a:r>
-            <a:r>
-              <a:rPr lang="hu-HU" baseline="0" dirty="0" smtClean="0"/>
-              <a:t> és javítása utána a modulunk lefedettsége 100% lett.</a:t>
-            </a:r>
-            <a:endParaRPr lang="hu-HU" dirty="0" smtClean="0"/>
+            <a:endParaRPr lang="hu-HU" dirty="0"/>
           </a:p>
         </p:txBody>
       </p:sp>
@@ -1222,7 +1454,95 @@
     </p:spTree>
     <p:extLst>
       <p:ext uri="{BB962C8B-B14F-4D97-AF65-F5344CB8AC3E}">
-        <p14:creationId xmlns:p14="http://schemas.microsoft.com/office/powerpoint/2010/main" val="495360281"/>
+        <p14:creationId xmlns:p14="http://schemas.microsoft.com/office/powerpoint/2010/main" val="554911041"/>
+      </p:ext>
+    </p:extLst>
+  </p:cSld>
+  <p:clrMapOvr>
+    <a:masterClrMapping/>
+  </p:clrMapOvr>
+</p:notes>
+</file>
+
+<file path=ppt/notesSlides/notesSlide6.xml><?xml version="1.0" encoding="utf-8"?>
+<p:notes xmlns:a="http://schemas.openxmlformats.org/drawingml/2006/main" xmlns:r="http://schemas.openxmlformats.org/officeDocument/2006/relationships" xmlns:p="http://schemas.openxmlformats.org/presentationml/2006/main">
+  <p:cSld>
+    <p:spTree>
+      <p:nvGrpSpPr>
+        <p:cNvPr id="1" name=""/>
+        <p:cNvGrpSpPr/>
+        <p:nvPr/>
+      </p:nvGrpSpPr>
+      <p:grpSpPr>
+        <a:xfrm>
+          <a:off x="0" y="0"/>
+          <a:ext cx="0" cy="0"/>
+          <a:chOff x="0" y="0"/>
+          <a:chExt cx="0" cy="0"/>
+        </a:xfrm>
+      </p:grpSpPr>
+      <p:sp>
+        <p:nvSpPr>
+          <p:cNvPr id="2" name="Diakép helye 1"/>
+          <p:cNvSpPr>
+            <a:spLocks noGrp="1" noRot="1" noChangeAspect="1"/>
+          </p:cNvSpPr>
+          <p:nvPr>
+            <p:ph type="sldImg"/>
+          </p:nvPr>
+        </p:nvSpPr>
+        <p:spPr/>
+      </p:sp>
+      <p:sp>
+        <p:nvSpPr>
+          <p:cNvPr id="3" name="Jegyzetek helye 2"/>
+          <p:cNvSpPr>
+            <a:spLocks noGrp="1"/>
+          </p:cNvSpPr>
+          <p:nvPr>
+            <p:ph type="body" idx="1"/>
+          </p:nvPr>
+        </p:nvSpPr>
+        <p:spPr/>
+        <p:txBody>
+          <a:bodyPr/>
+          <a:lstStyle/>
+          <a:p>
+            <a:r>
+              <a:rPr lang="hu-HU" smtClean="0"/>
+              <a:t>Zárógondolat.</a:t>
+            </a:r>
+            <a:endParaRPr lang="hu-HU" dirty="0"/>
+          </a:p>
+        </p:txBody>
+      </p:sp>
+      <p:sp>
+        <p:nvSpPr>
+          <p:cNvPr id="4" name="Dia számának helye 3"/>
+          <p:cNvSpPr>
+            <a:spLocks noGrp="1"/>
+          </p:cNvSpPr>
+          <p:nvPr>
+            <p:ph type="sldNum" sz="quarter" idx="10"/>
+          </p:nvPr>
+        </p:nvSpPr>
+        <p:spPr/>
+        <p:txBody>
+          <a:bodyPr/>
+          <a:lstStyle/>
+          <a:p>
+            <a:fld id="{50EAB2F4-CAA4-4BA1-AA2E-179AB5713217}" type="slidenum">
+              <a:rPr lang="hu-HU" smtClean="0"/>
+              <a:t>7</a:t>
+            </a:fld>
+            <a:endParaRPr lang="hu-HU"/>
+          </a:p>
+        </p:txBody>
+      </p:sp>
+    </p:spTree>
+    <p:extLst>
+      <p:ext uri="{BB962C8B-B14F-4D97-AF65-F5344CB8AC3E}">
+        <p14:creationId xmlns:p14="http://schemas.microsoft.com/office/powerpoint/2010/main" val="2878586541"/>
       </p:ext>
     </p:extLst>
   </p:cSld>
@@ -1363,7 +1683,7 @@
           <a:p>
             <a:fld id="{C6E8B002-83F0-41C5-A7B7-2819A96BD9B2}" type="datetimeFigureOut">
               <a:rPr lang="hu-HU" smtClean="0"/>
-              <a:t>2016. 05. 17.</a:t>
+              <a:t>2016. 05. 20.</a:t>
             </a:fld>
             <a:endParaRPr lang="hu-HU"/>
           </a:p>
@@ -1533,7 +1853,7 @@
           <a:p>
             <a:fld id="{C6E8B002-83F0-41C5-A7B7-2819A96BD9B2}" type="datetimeFigureOut">
               <a:rPr lang="hu-HU" smtClean="0"/>
-              <a:t>2016. 05. 17.</a:t>
+              <a:t>2016. 05. 20.</a:t>
             </a:fld>
             <a:endParaRPr lang="hu-HU"/>
           </a:p>
@@ -1713,7 +2033,7 @@
           <a:p>
             <a:fld id="{C6E8B002-83F0-41C5-A7B7-2819A96BD9B2}" type="datetimeFigureOut">
               <a:rPr lang="hu-HU" smtClean="0"/>
-              <a:t>2016. 05. 17.</a:t>
+              <a:t>2016. 05. 20.</a:t>
             </a:fld>
             <a:endParaRPr lang="hu-HU"/>
           </a:p>
@@ -1883,7 +2203,7 @@
           <a:p>
             <a:fld id="{C6E8B002-83F0-41C5-A7B7-2819A96BD9B2}" type="datetimeFigureOut">
               <a:rPr lang="hu-HU" smtClean="0"/>
-              <a:t>2016. 05. 17.</a:t>
+              <a:t>2016. 05. 20.</a:t>
             </a:fld>
             <a:endParaRPr lang="hu-HU"/>
           </a:p>
@@ -2127,7 +2447,7 @@
           <a:p>
             <a:fld id="{C6E8B002-83F0-41C5-A7B7-2819A96BD9B2}" type="datetimeFigureOut">
               <a:rPr lang="hu-HU" smtClean="0"/>
-              <a:t>2016. 05. 17.</a:t>
+              <a:t>2016. 05. 20.</a:t>
             </a:fld>
             <a:endParaRPr lang="hu-HU"/>
           </a:p>
@@ -2359,7 +2679,7 @@
           <a:p>
             <a:fld id="{C6E8B002-83F0-41C5-A7B7-2819A96BD9B2}" type="datetimeFigureOut">
               <a:rPr lang="hu-HU" smtClean="0"/>
-              <a:t>2016. 05. 17.</a:t>
+              <a:t>2016. 05. 20.</a:t>
             </a:fld>
             <a:endParaRPr lang="hu-HU"/>
           </a:p>
@@ -2726,7 +3046,7 @@
           <a:p>
             <a:fld id="{C6E8B002-83F0-41C5-A7B7-2819A96BD9B2}" type="datetimeFigureOut">
               <a:rPr lang="hu-HU" smtClean="0"/>
-              <a:t>2016. 05. 17.</a:t>
+              <a:t>2016. 05. 20.</a:t>
             </a:fld>
             <a:endParaRPr lang="hu-HU"/>
           </a:p>
@@ -2844,7 +3164,7 @@
           <a:p>
             <a:fld id="{C6E8B002-83F0-41C5-A7B7-2819A96BD9B2}" type="datetimeFigureOut">
               <a:rPr lang="hu-HU" smtClean="0"/>
-              <a:t>2016. 05. 17.</a:t>
+              <a:t>2016. 05. 20.</a:t>
             </a:fld>
             <a:endParaRPr lang="hu-HU"/>
           </a:p>
@@ -2939,7 +3259,7 @@
           <a:p>
             <a:fld id="{C6E8B002-83F0-41C5-A7B7-2819A96BD9B2}" type="datetimeFigureOut">
               <a:rPr lang="hu-HU" smtClean="0"/>
-              <a:t>2016. 05. 17.</a:t>
+              <a:t>2016. 05. 20.</a:t>
             </a:fld>
             <a:endParaRPr lang="hu-HU"/>
           </a:p>
@@ -3216,7 +3536,7 @@
           <a:p>
             <a:fld id="{C6E8B002-83F0-41C5-A7B7-2819A96BD9B2}" type="datetimeFigureOut">
               <a:rPr lang="hu-HU" smtClean="0"/>
-              <a:t>2016. 05. 17.</a:t>
+              <a:t>2016. 05. 20.</a:t>
             </a:fld>
             <a:endParaRPr lang="hu-HU"/>
           </a:p>
@@ -3473,7 +3793,7 @@
           <a:p>
             <a:fld id="{C6E8B002-83F0-41C5-A7B7-2819A96BD9B2}" type="datetimeFigureOut">
               <a:rPr lang="hu-HU" smtClean="0"/>
-              <a:t>2016. 05. 17.</a:t>
+              <a:t>2016. 05. 20.</a:t>
             </a:fld>
             <a:endParaRPr lang="hu-HU"/>
           </a:p>
@@ -3693,7 +4013,7 @@
           <a:p>
             <a:fld id="{C6E8B002-83F0-41C5-A7B7-2819A96BD9B2}" type="datetimeFigureOut">
               <a:rPr lang="hu-HU" smtClean="0"/>
-              <a:t>2016. 05. 17.</a:t>
+              <a:t>2016. 05. 20.</a:t>
             </a:fld>
             <a:endParaRPr lang="hu-HU"/>
           </a:p>
@@ -4326,127 +4646,6 @@
       </p:grpSpPr>
       <p:sp>
         <p:nvSpPr>
-          <p:cNvPr id="5" name="Cím 4"/>
-          <p:cNvSpPr>
-            <a:spLocks noGrp="1"/>
-          </p:cNvSpPr>
-          <p:nvPr>
-            <p:ph type="title"/>
-          </p:nvPr>
-        </p:nvSpPr>
-        <p:spPr>
-          <a:xfrm>
-            <a:off x="628650" y="1092451"/>
-            <a:ext cx="7886700" cy="901812"/>
-          </a:xfrm>
-        </p:spPr>
-        <p:txBody>
-          <a:bodyPr>
-            <a:normAutofit/>
-          </a:bodyPr>
-          <a:lstStyle/>
-          <a:p>
-            <a:r>
-              <a:rPr lang="hu-HU" dirty="0" smtClean="0"/>
-              <a:t>Fejlődésem a projekt során</a:t>
-            </a:r>
-            <a:endParaRPr lang="hu-HU" dirty="0"/>
-          </a:p>
-        </p:txBody>
-      </p:sp>
-      <p:sp>
-        <p:nvSpPr>
-          <p:cNvPr id="6" name="Tartalom helye 5"/>
-          <p:cNvSpPr>
-            <a:spLocks noGrp="1"/>
-          </p:cNvSpPr>
-          <p:nvPr>
-            <p:ph idx="1"/>
-          </p:nvPr>
-        </p:nvSpPr>
-        <p:spPr>
-          <a:xfrm>
-            <a:off x="628650" y="1988276"/>
-            <a:ext cx="7886700" cy="2394620"/>
-          </a:xfrm>
-        </p:spPr>
-        <p:txBody>
-          <a:bodyPr/>
-          <a:lstStyle/>
-          <a:p>
-            <a:pPr marL="542925"/>
-            <a:r>
-              <a:rPr lang="hu-HU" dirty="0" smtClean="0"/>
-              <a:t>Csapatmunka és feladatmegosztás</a:t>
-            </a:r>
-          </a:p>
-          <a:p>
-            <a:pPr marL="542925" lvl="1"/>
-            <a:r>
-              <a:rPr lang="hu-HU" dirty="0"/>
-              <a:t>Kód </a:t>
-            </a:r>
-            <a:r>
-              <a:rPr lang="hu-HU" dirty="0" smtClean="0"/>
-              <a:t>értelmezés</a:t>
-            </a:r>
-          </a:p>
-          <a:p>
-            <a:pPr marL="542925"/>
-            <a:r>
-              <a:rPr lang="hu-HU" dirty="0" smtClean="0"/>
-              <a:t>Kihívások</a:t>
-            </a:r>
-          </a:p>
-          <a:p>
-            <a:pPr marL="542925"/>
-            <a:r>
-              <a:rPr lang="hu-HU" dirty="0" smtClean="0"/>
-              <a:t>Problémamegoldás</a:t>
-            </a:r>
-            <a:endParaRPr lang="hu-HU" dirty="0"/>
-          </a:p>
-        </p:txBody>
-      </p:sp>
-    </p:spTree>
-    <p:extLst>
-      <p:ext uri="{BB962C8B-B14F-4D97-AF65-F5344CB8AC3E}">
-        <p14:creationId xmlns:p14="http://schemas.microsoft.com/office/powerpoint/2010/main" val="3368750094"/>
-      </p:ext>
-    </p:extLst>
-  </p:cSld>
-  <p:clrMapOvr>
-    <a:masterClrMapping/>
-  </p:clrMapOvr>
-  <p:timing>
-    <p:tnLst>
-      <p:par>
-        <p:cTn id="1" dur="indefinite" restart="never" nodeType="tmRoot"/>
-      </p:par>
-    </p:tnLst>
-  </p:timing>
-</p:sld>
-</file>
-
-<file path=ppt/slides/slide4.xml><?xml version="1.0" encoding="utf-8"?>
-<p:sld xmlns:a="http://schemas.openxmlformats.org/drawingml/2006/main" xmlns:r="http://schemas.openxmlformats.org/officeDocument/2006/relationships" xmlns:p="http://schemas.openxmlformats.org/presentationml/2006/main">
-  <p:cSld>
-    <p:spTree>
-      <p:nvGrpSpPr>
-        <p:cNvPr id="1" name=""/>
-        <p:cNvGrpSpPr/>
-        <p:nvPr/>
-      </p:nvGrpSpPr>
-      <p:grpSpPr>
-        <a:xfrm>
-          <a:off x="0" y="0"/>
-          <a:ext cx="0" cy="0"/>
-          <a:chOff x="0" y="0"/>
-          <a:chExt cx="0" cy="0"/>
-        </a:xfrm>
-      </p:grpSpPr>
-      <p:sp>
-        <p:nvSpPr>
           <p:cNvPr id="3" name="Tartalom helye 2"/>
           <p:cNvSpPr>
             <a:spLocks noGrp="1"/>
@@ -4552,7 +4751,7 @@
 </p:sld>
 </file>
 
-<file path=ppt/slides/slide5.xml><?xml version="1.0" encoding="utf-8"?>
+<file path=ppt/slides/slide4.xml><?xml version="1.0" encoding="utf-8"?>
 <p:sld xmlns:a="http://schemas.openxmlformats.org/drawingml/2006/main" xmlns:r="http://schemas.openxmlformats.org/officeDocument/2006/relationships" xmlns:p="http://schemas.openxmlformats.org/presentationml/2006/main">
   <p:cSld>
     <p:spTree>
@@ -4618,7 +4817,7 @@
 </p:sld>
 </file>
 
-<file path=ppt/slides/slide6.xml><?xml version="1.0" encoding="utf-8"?>
+<file path=ppt/slides/slide5.xml><?xml version="1.0" encoding="utf-8"?>
 <p:sld xmlns:a="http://schemas.openxmlformats.org/drawingml/2006/main" xmlns:r="http://schemas.openxmlformats.org/officeDocument/2006/relationships" xmlns:p="http://schemas.openxmlformats.org/presentationml/2006/main">
   <p:cSld>
     <p:spTree>
@@ -4782,7 +4981,186 @@
 </p:sld>
 </file>
 
+<file path=ppt/slides/slide6.xml><?xml version="1.0" encoding="utf-8"?>
+<p:sld xmlns:a="http://schemas.openxmlformats.org/drawingml/2006/main" xmlns:r="http://schemas.openxmlformats.org/officeDocument/2006/relationships" xmlns:p="http://schemas.openxmlformats.org/presentationml/2006/main">
+  <p:cSld>
+    <p:spTree>
+      <p:nvGrpSpPr>
+        <p:cNvPr id="1" name=""/>
+        <p:cNvGrpSpPr/>
+        <p:nvPr/>
+      </p:nvGrpSpPr>
+      <p:grpSpPr>
+        <a:xfrm>
+          <a:off x="0" y="0"/>
+          <a:ext cx="0" cy="0"/>
+          <a:chOff x="0" y="0"/>
+          <a:chExt cx="0" cy="0"/>
+        </a:xfrm>
+      </p:grpSpPr>
+      <p:sp>
+        <p:nvSpPr>
+          <p:cNvPr id="5" name="Cím 4"/>
+          <p:cNvSpPr>
+            <a:spLocks noGrp="1"/>
+          </p:cNvSpPr>
+          <p:nvPr>
+            <p:ph type="title"/>
+          </p:nvPr>
+        </p:nvSpPr>
+        <p:spPr>
+          <a:xfrm>
+            <a:off x="628650" y="1092451"/>
+            <a:ext cx="7886700" cy="901812"/>
+          </a:xfrm>
+        </p:spPr>
+        <p:txBody>
+          <a:bodyPr>
+            <a:normAutofit/>
+          </a:bodyPr>
+          <a:lstStyle/>
+          <a:p>
+            <a:r>
+              <a:rPr lang="hu-HU" dirty="0" smtClean="0"/>
+              <a:t>Fejlődésem a projekt során</a:t>
+            </a:r>
+            <a:endParaRPr lang="hu-HU" dirty="0"/>
+          </a:p>
+        </p:txBody>
+      </p:sp>
+      <p:sp>
+        <p:nvSpPr>
+          <p:cNvPr id="6" name="Tartalom helye 5"/>
+          <p:cNvSpPr>
+            <a:spLocks noGrp="1"/>
+          </p:cNvSpPr>
+          <p:nvPr>
+            <p:ph idx="1"/>
+          </p:nvPr>
+        </p:nvSpPr>
+        <p:spPr>
+          <a:xfrm>
+            <a:off x="628650" y="1988276"/>
+            <a:ext cx="7886700" cy="2394620"/>
+          </a:xfrm>
+        </p:spPr>
+        <p:txBody>
+          <a:bodyPr/>
+          <a:lstStyle/>
+          <a:p>
+            <a:pPr marL="542925"/>
+            <a:r>
+              <a:rPr lang="hu-HU" dirty="0" smtClean="0"/>
+              <a:t>Csapatmunka és feladatmegosztás</a:t>
+            </a:r>
+          </a:p>
+          <a:p>
+            <a:pPr marL="1000125" lvl="2"/>
+            <a:r>
+              <a:rPr lang="hu-HU" dirty="0"/>
+              <a:t>Kód </a:t>
+            </a:r>
+            <a:r>
+              <a:rPr lang="hu-HU" dirty="0" smtClean="0"/>
+              <a:t>értelmezés</a:t>
+            </a:r>
+          </a:p>
+          <a:p>
+            <a:pPr marL="542925"/>
+            <a:r>
+              <a:rPr lang="hu-HU" dirty="0" smtClean="0"/>
+              <a:t>Kihívások</a:t>
+            </a:r>
+          </a:p>
+          <a:p>
+            <a:pPr marL="542925"/>
+            <a:r>
+              <a:rPr lang="hu-HU" dirty="0" smtClean="0"/>
+              <a:t>Problémamegoldás</a:t>
+            </a:r>
+            <a:endParaRPr lang="hu-HU" dirty="0"/>
+          </a:p>
+        </p:txBody>
+      </p:sp>
+    </p:spTree>
+    <p:extLst>
+      <p:ext uri="{BB962C8B-B14F-4D97-AF65-F5344CB8AC3E}">
+        <p14:creationId xmlns:p14="http://schemas.microsoft.com/office/powerpoint/2010/main" val="3368750094"/>
+      </p:ext>
+    </p:extLst>
+  </p:cSld>
+  <p:clrMapOvr>
+    <a:masterClrMapping/>
+  </p:clrMapOvr>
+  <p:timing>
+    <p:tnLst>
+      <p:par>
+        <p:cTn id="1" dur="indefinite" restart="never" nodeType="tmRoot"/>
+      </p:par>
+    </p:tnLst>
+  </p:timing>
+</p:sld>
+</file>
+
 <file path=ppt/slides/slide7.xml><?xml version="1.0" encoding="utf-8"?>
+<p:sld xmlns:a="http://schemas.openxmlformats.org/drawingml/2006/main" xmlns:r="http://schemas.openxmlformats.org/officeDocument/2006/relationships" xmlns:p="http://schemas.openxmlformats.org/presentationml/2006/main">
+  <p:cSld>
+    <p:spTree>
+      <p:nvGrpSpPr>
+        <p:cNvPr id="1" name=""/>
+        <p:cNvGrpSpPr/>
+        <p:nvPr/>
+      </p:nvGrpSpPr>
+      <p:grpSpPr>
+        <a:xfrm>
+          <a:off x="0" y="0"/>
+          <a:ext cx="0" cy="0"/>
+          <a:chOff x="0" y="0"/>
+          <a:chExt cx="0" cy="0"/>
+        </a:xfrm>
+      </p:grpSpPr>
+      <p:sp>
+        <p:nvSpPr>
+          <p:cNvPr id="4" name="Cím 3"/>
+          <p:cNvSpPr>
+            <a:spLocks noGrp="1"/>
+          </p:cNvSpPr>
+          <p:nvPr>
+            <p:ph type="ctrTitle"/>
+          </p:nvPr>
+        </p:nvSpPr>
+        <p:spPr>
+          <a:xfrm>
+            <a:off x="685800" y="2088952"/>
+            <a:ext cx="7772400" cy="965597"/>
+          </a:xfrm>
+        </p:spPr>
+        <p:txBody>
+          <a:bodyPr/>
+          <a:lstStyle/>
+          <a:p>
+            <a:r>
+              <a:rPr lang="hu-HU" dirty="0" smtClean="0"/>
+              <a:t>Köszönöm a figyelmet</a:t>
+            </a:r>
+            <a:endParaRPr lang="hu-HU" dirty="0"/>
+          </a:p>
+        </p:txBody>
+      </p:sp>
+    </p:spTree>
+    <p:extLst>
+      <p:ext uri="{BB962C8B-B14F-4D97-AF65-F5344CB8AC3E}">
+        <p14:creationId xmlns:p14="http://schemas.microsoft.com/office/powerpoint/2010/main" val="1205420843"/>
+      </p:ext>
+    </p:extLst>
+  </p:cSld>
+  <p:clrMapOvr>
+    <a:masterClrMapping/>
+  </p:clrMapOvr>
+</p:sld>
+</file>
+
+<file path=ppt/slides/slide8.xml><?xml version="1.0" encoding="utf-8"?>
 <p:sld xmlns:a="http://schemas.openxmlformats.org/drawingml/2006/main" xmlns:r="http://schemas.openxmlformats.org/officeDocument/2006/relationships" xmlns:p="http://schemas.openxmlformats.org/presentationml/2006/main">
   <p:cSld>
     <p:bg>

--- a/ksz/KovácsSzabolcsZoltán.pptx
+++ b/ksz/KovácsSzabolcsZoltán.pptx
@@ -234,7 +234,7 @@
           <a:p>
             <a:fld id="{D197CEE4-9B01-468A-A28E-1D4A3510372F}" type="datetimeFigureOut">
               <a:rPr lang="hu-HU" smtClean="0"/>
-              <a:t>2016. 05. 20.</a:t>
+              <a:t>2016. 05. 24.</a:t>
             </a:fld>
             <a:endParaRPr lang="hu-HU"/>
           </a:p>
@@ -552,13 +552,8 @@
             </a:r>
             <a:r>
               <a:rPr lang="hu-HU" baseline="0" dirty="0" smtClean="0"/>
-              <a:t> mindenkit</a:t>
-            </a:r>
-            <a:r>
-              <a:rPr lang="hu-HU" baseline="0" dirty="0" smtClean="0"/>
-              <a:t>! / Jó estét kívánok!</a:t>
-            </a:r>
-            <a:endParaRPr lang="hu-HU" baseline="0" dirty="0" smtClean="0"/>
+              <a:t> mindenkit! / Jó estét kívánok!</a:t>
+            </a:r>
           </a:p>
           <a:p>
             <a:r>
@@ -670,11 +665,19 @@
           <a:p>
             <a:r>
               <a:rPr lang="hu-HU" dirty="0" smtClean="0"/>
-              <a:t>Főb</a:t>
+              <a:t>A projekt során több</a:t>
             </a:r>
             <a:r>
               <a:rPr lang="hu-HU" baseline="0" dirty="0" smtClean="0"/>
-              <a:t>b feladataim a projekt során:</a:t>
+              <a:t> taszkot is megoldottam, </a:t>
+            </a:r>
+            <a:r>
+              <a:rPr lang="hu-HU" baseline="0" dirty="0" smtClean="0"/>
+              <a:t>néhány fontosabb közülük</a:t>
+            </a:r>
+            <a:r>
+              <a:rPr lang="hu-HU" baseline="0" dirty="0" smtClean="0"/>
+              <a:t>:</a:t>
             </a:r>
             <a:endParaRPr lang="hu-HU" dirty="0" smtClean="0"/>
           </a:p>
@@ -683,94 +686,9 @@
           </a:p>
           <a:p>
             <a:r>
-              <a:rPr lang="hu-HU" dirty="0" smtClean="0"/>
-              <a:t>Az egyik feladatom</a:t>
-            </a:r>
-            <a:r>
               <a:rPr lang="hu-HU" baseline="0" dirty="0" smtClean="0"/>
-              <a:t> </a:t>
-            </a:r>
-            <a:r>
-              <a:rPr lang="hu-HU" dirty="0" smtClean="0"/>
-              <a:t>az volt,</a:t>
-            </a:r>
-            <a:r>
-              <a:rPr lang="hu-HU" baseline="0" dirty="0" smtClean="0"/>
-              <a:t> hogy a függőségek </a:t>
-            </a:r>
-            <a:r>
-              <a:rPr lang="hu-HU" baseline="0" dirty="0" smtClean="0"/>
-              <a:t>verziókezelését </a:t>
-            </a:r>
-            <a:r>
-              <a:rPr lang="hu-HU" baseline="0" dirty="0" smtClean="0"/>
-              <a:t>központosítsam. </a:t>
-            </a:r>
-            <a:r>
-              <a:rPr lang="hu-HU" baseline="0" dirty="0" smtClean="0"/>
-              <a:t>Mikor </a:t>
-            </a:r>
-            <a:r>
-              <a:rPr lang="hu-HU" baseline="0" dirty="0" smtClean="0"/>
-              <a:t>nekiláttunk </a:t>
-            </a:r>
-            <a:r>
-              <a:rPr lang="hu-HU" baseline="0" dirty="0" smtClean="0"/>
-              <a:t>a projekt </a:t>
-            </a:r>
-            <a:r>
-              <a:rPr lang="hu-HU" baseline="0" dirty="0" smtClean="0"/>
-              <a:t>elkészítésének a függőségeket </a:t>
-            </a:r>
-            <a:r>
-              <a:rPr lang="hu-HU" baseline="0" dirty="0" smtClean="0"/>
-              <a:t>és verzióikat modulonként </a:t>
-            </a:r>
-            <a:r>
-              <a:rPr lang="hu-HU" baseline="0" dirty="0" smtClean="0"/>
-              <a:t>húztuk be. </a:t>
-            </a:r>
-            <a:r>
-              <a:rPr lang="hu-HU" baseline="0" dirty="0" smtClean="0"/>
-              <a:t>Ennek több hátránya </a:t>
-            </a:r>
-            <a:r>
-              <a:rPr lang="hu-HU" baseline="0" dirty="0" smtClean="0"/>
-              <a:t>is volt, </a:t>
-            </a:r>
-            <a:r>
-              <a:rPr lang="hu-HU" baseline="0" dirty="0" smtClean="0"/>
-              <a:t>egyrészt mindenhol egyeznie kell a </a:t>
-            </a:r>
-            <a:r>
-              <a:rPr lang="hu-HU" baseline="0" dirty="0" smtClean="0"/>
-              <a:t>verzióknak</a:t>
-            </a:r>
-            <a:r>
-              <a:rPr lang="hu-HU" baseline="0" dirty="0" smtClean="0"/>
-              <a:t>, </a:t>
-            </a:r>
-            <a:r>
-              <a:rPr lang="hu-HU" baseline="0" dirty="0" smtClean="0"/>
-              <a:t>másrészt </a:t>
-            </a:r>
-            <a:r>
-              <a:rPr lang="hu-HU" baseline="0" dirty="0" smtClean="0"/>
-              <a:t>ha egy technológiának új verziója jelenne meg és át szeretnénk állni az egész projekttel az új verzióra akkor mindenhol át kéne írni a verziószámot, és ha valahol a régi marad akkor az elsőként említett </a:t>
-            </a:r>
-            <a:r>
-              <a:rPr lang="hu-HU" baseline="0" dirty="0" smtClean="0"/>
-              <a:t>hátrányba ütközünk. </a:t>
-            </a:r>
-            <a:r>
-              <a:rPr lang="hu-HU" baseline="0" dirty="0" smtClean="0"/>
-              <a:t>Ennek elkerülése végett a verziószámok csak egy helyen szerepelnek, a szülő </a:t>
-            </a:r>
-            <a:r>
-              <a:rPr lang="hu-HU" baseline="0" dirty="0" smtClean="0"/>
-              <a:t>modulba.</a:t>
-            </a:r>
-            <a:endParaRPr lang="hu-HU" baseline="0" dirty="0" smtClean="0"/>
+              <a:t>Mikor nekiláttunk a projekt elkészítésének a függőségeket és verzióikat modulonként húztuk be. Ennek több hátránya is volt, egyrészt mindenhol egyeznie kell a verzióknak az összes modulban, másrészt ha egy technológiának új verziója jelenne meg és át szeretnénk állni az egész projekttel az új verzióra akkor mindenhol át kéne írni a verziószámot, és ha valahol a régi marad akkor az elsőként említett hátrányba ütközünk ismét. Ennek kiküszöbölésére kellett a verziószámok központosítani,  így csak egy helyen szerepelnek, a szülő modulba.</a:t>
+            </a:r>
           </a:p>
           <a:p>
             <a:endParaRPr lang="hu-HU" baseline="0" dirty="0" smtClean="0"/>
@@ -786,15 +704,7 @@
             </a:r>
             <a:r>
               <a:rPr lang="hu-HU" baseline="0" dirty="0" smtClean="0"/>
-              <a:t> </a:t>
-            </a:r>
-            <a:r>
-              <a:rPr lang="hu-HU" baseline="0" dirty="0" err="1" smtClean="0"/>
-              <a:t>Bundle</a:t>
-            </a:r>
-            <a:r>
-              <a:rPr lang="hu-HU" baseline="0" dirty="0" smtClean="0"/>
-              <a:t> használatával az alkalmazás nyelv-függetlenné tehető, a </a:t>
+              <a:t> Bundle használatával az alkalmazás nyelv-függetlenné tehető, a </a:t>
             </a:r>
             <a:r>
               <a:rPr lang="hu-HU" baseline="0" dirty="0" err="1" smtClean="0"/>
@@ -802,31 +712,7 @@
             </a:r>
             <a:r>
               <a:rPr lang="hu-HU" baseline="0" dirty="0" smtClean="0"/>
-              <a:t> </a:t>
-            </a:r>
-            <a:r>
-              <a:rPr lang="hu-HU" baseline="0" dirty="0" err="1" smtClean="0"/>
-              <a:t>bundle</a:t>
-            </a:r>
-            <a:r>
-              <a:rPr lang="hu-HU" baseline="0" dirty="0" smtClean="0"/>
-              <a:t> egy .</a:t>
-            </a:r>
-            <a:r>
-              <a:rPr lang="hu-HU" baseline="0" dirty="0" err="1" smtClean="0"/>
-              <a:t>properties</a:t>
-            </a:r>
-            <a:r>
-              <a:rPr lang="hu-HU" baseline="0" dirty="0" smtClean="0"/>
-              <a:t> típusú fájlból olvassa ki az oda tartozó szöveget, a megfelelő nyelven</a:t>
-            </a:r>
-            <a:r>
-              <a:rPr lang="hu-HU" baseline="0" dirty="0" smtClean="0"/>
-              <a:t>. </a:t>
-            </a:r>
-            <a:r>
-              <a:rPr lang="hu-HU" baseline="0" dirty="0" smtClean="0"/>
-              <a:t>A magyar nyelvű </a:t>
+              <a:t> bundle egy .properties típusú fájlból olvassa ki az oda tartozó szöveget, a megfelelő nyelven. A magyar nyelvű </a:t>
             </a:r>
             <a:r>
               <a:rPr lang="hu-HU" baseline="0" dirty="0" err="1" smtClean="0"/>
@@ -834,15 +720,7 @@
             </a:r>
             <a:r>
               <a:rPr lang="hu-HU" baseline="0" dirty="0" smtClean="0"/>
-              <a:t> nagyrészt megvolt, </a:t>
-            </a:r>
-            <a:r>
-              <a:rPr lang="hu-HU" baseline="0" dirty="0" smtClean="0"/>
-              <a:t>viszont az angol nem. A magyart ki egészítettem a még hiányzó elemekkel, majd az egészet </a:t>
-            </a:r>
-            <a:r>
-              <a:rPr lang="hu-HU" baseline="0" dirty="0" smtClean="0"/>
-              <a:t>lefordítottam angolra is.</a:t>
+              <a:t> nagyrészt megvolt, viszont az angol nem. A magyart ki egészítettem a még hiányzó elemekkel, majd az egészet lefordítottam angolra is.</a:t>
             </a:r>
             <a:endParaRPr lang="hu-HU" dirty="0" smtClean="0"/>
           </a:p>
@@ -876,18 +754,13 @@
           <a:p>
             <a:r>
               <a:rPr lang="hu-HU" baseline="0" dirty="0" smtClean="0"/>
-              <a:t>Többek között még foglalkoztam a kódlefedettség javításával.</a:t>
-            </a:r>
-            <a:endParaRPr lang="hu-HU" baseline="0" dirty="0" smtClean="0"/>
+              <a:t>Többek között még foglalkoztam a kódlefedettség javításával is.</a:t>
+            </a:r>
           </a:p>
           <a:p>
             <a:r>
               <a:rPr lang="hu-HU" baseline="0" dirty="0" smtClean="0"/>
-              <a:t>A kódlefedettség egy fontos statisztikai adat egy projektről. Ez mutatja meg hogy a kód mekkora része van letesztelve. Erről </a:t>
-            </a:r>
-            <a:r>
-              <a:rPr lang="hu-HU" baseline="0" dirty="0" smtClean="0"/>
-              <a:t>szintén később lesz szó.</a:t>
+              <a:t>A kódlefedettség egy fontos statisztikai adat egy projektről. Ez mutatja meg hogy a kód mekkora része van letesztelve. Erről szintén később lesz szó.</a:t>
             </a:r>
             <a:endParaRPr lang="hu-HU" dirty="0"/>
           </a:p>
@@ -988,36 +861,16 @@
           <a:p>
             <a:r>
               <a:rPr lang="hu-HU" baseline="0" dirty="0" smtClean="0"/>
-              <a:t>Három alap műveletet kellett megvalósítanom: a létrehozást, a szerkesztést illetve a törlést. </a:t>
-            </a:r>
+              <a:t>Három alap műveletet kellett megvalósítanom: a létrehozást, a szerkesztést illetve a törlést. Ezek mellett szükség volt még a felhasználó jogainak a kezelésére is.</a:t>
+            </a:r>
+          </a:p>
+          <a:p>
+            <a:endParaRPr lang="hu-HU" baseline="0" dirty="0" smtClean="0"/>
+          </a:p>
+          <a:p>
             <a:r>
               <a:rPr lang="hu-HU" baseline="0" dirty="0" smtClean="0"/>
-              <a:t>Ezek mellett szükség </a:t>
-            </a:r>
-            <a:r>
-              <a:rPr lang="hu-HU" baseline="0" dirty="0" smtClean="0"/>
-              <a:t>volt még </a:t>
-            </a:r>
-            <a:r>
-              <a:rPr lang="hu-HU" baseline="0" dirty="0" smtClean="0"/>
-              <a:t>a felhasználó </a:t>
-            </a:r>
-            <a:r>
-              <a:rPr lang="hu-HU" baseline="0" dirty="0" smtClean="0"/>
-              <a:t>jogainak a kezelésére is.</a:t>
-            </a:r>
-          </a:p>
-          <a:p>
-            <a:endParaRPr lang="hu-HU" baseline="0" dirty="0" smtClean="0"/>
-          </a:p>
-          <a:p>
-            <a:r>
-              <a:rPr lang="hu-HU" baseline="0" dirty="0" smtClean="0"/>
-              <a:t>Mikor létrehozunk egy felhasználót csak az alap adatait adhatjuk meg. A jelszó amit az adatbázisba tárolunk véletlenszerűen generált karaktereket tartalmaz, és ezt azonnal titkosítjuk is hogy minél biztonságosabb legyen az alkalmazás. A létrehozás </a:t>
-            </a:r>
-            <a:r>
-              <a:rPr lang="hu-HU" baseline="0" dirty="0" smtClean="0"/>
-              <a:t>befejezéseként a felhasználó kap egy aktiváló linket e-mailbe amire kattintva megadhatja a jelszavát, majd ez szintén titkosítva kerül az adatbázisba.</a:t>
+              <a:t>Mikor létrehozunk egy felhasználót csak az alap adatait adhatjuk meg. A jelszó amit az adatbázisba tárolunk véletlenszerűen generált karaktereket tartalmaz, és ezt azonnal titkosítjuk is hogy minél biztonságosabb legyen az alkalmazás. A létrehozás befejezéseként a felhasználó kap egy aktiváló linket e-mailbe amire kattintva megadhatja a jelszavát, majd ez szintén titkosítva kerül az adatbázisba.</a:t>
             </a:r>
           </a:p>
           <a:p>
@@ -1030,24 +883,19 @@
             </a:br>
             <a:r>
               <a:rPr lang="hu-HU" baseline="0" dirty="0" smtClean="0"/>
-              <a:t>A maradék három gomb akkor aktiválódik </a:t>
-            </a:r>
+              <a:t>A maradék három gomb akkor aktiválódik amikor kiválasztunk egy elemet a táblázatban. </a:t>
+            </a:r>
+          </a:p>
+          <a:p>
             <a:r>
               <a:rPr lang="hu-HU" baseline="0" dirty="0" smtClean="0"/>
-              <a:t>amikor kiválasztunk </a:t>
-            </a:r>
+              <a:t>	A szerkesztés illetve a törlés úgy gondolom mindenki számára egyértelmű. </a:t>
+            </a:r>
+          </a:p>
+          <a:p>
             <a:r>
               <a:rPr lang="hu-HU" baseline="0" dirty="0" smtClean="0"/>
-              <a:t>egy elemet a táblázatban. A szerkesztés illetve a törlés úgy gondolom mindenki számára egyértelmű. </a:t>
-            </a:r>
-          </a:p>
-          <a:p>
-            <a:endParaRPr lang="hu-HU" baseline="0" dirty="0" smtClean="0"/>
-          </a:p>
-          <a:p>
-            <a:r>
-              <a:rPr lang="hu-HU" baseline="0" dirty="0" smtClean="0"/>
-              <a:t>A jogok kezelésére azért van szükség, mert mikor létrehozunk egy felhasználót, vagy beregisztrál ő maga vendégként fog szerepelni az adatbázisba ezért csak néhány funkció lesz elérhető számára.</a:t>
+              <a:t>	A jogok kezelésére azért van szükség, mert mikor létrehozunk egy felhasználót, vagy beregisztrál ő maga vendégként fog szerepelni az adatbázisba ezért csak néhány funkció lesz elérhető számára.</a:t>
             </a:r>
           </a:p>
         </p:txBody>
@@ -1134,6 +982,20 @@
           <a:p>
             <a:r>
               <a:rPr lang="hu-HU" dirty="0" smtClean="0"/>
+              <a:t>A kódlefedettség</a:t>
+            </a:r>
+            <a:r>
+              <a:rPr lang="hu-HU" baseline="0" dirty="0" smtClean="0"/>
+              <a:t> nem volt teljes ezért javításra szorult.</a:t>
+            </a:r>
+            <a:endParaRPr lang="hu-HU" dirty="0" smtClean="0"/>
+          </a:p>
+          <a:p>
+            <a:endParaRPr lang="hu-HU" dirty="0" smtClean="0"/>
+          </a:p>
+          <a:p>
+            <a:r>
+              <a:rPr lang="hu-HU" dirty="0" smtClean="0"/>
               <a:t>Első lépésként elkészítettem</a:t>
             </a:r>
             <a:r>
@@ -1149,11 +1011,7 @@
             </a:r>
             <a:r>
               <a:rPr lang="hu-HU" baseline="0" dirty="0" smtClean="0"/>
-              <a:t>z </a:t>
-            </a:r>
-            <a:r>
-              <a:rPr lang="hu-HU" baseline="0" dirty="0" smtClean="0"/>
-              <a:t>felhasználók, az események illetve a tematika szolgáltatásaihoz tartozó teszteket teljes egészében én írtam. Ezen kívül még hiányoztak tesztek a jogok és a jogcsoportok szolgáltatásai mellől is. </a:t>
+              <a:t>z felhasználók, az események illetve a tematika szolgáltatásaihoz tartozó teszteket teljes egészében én írtam. Ezen kívül még hiányoztak tesztek a jogok és a jogcsoportok szolgáltatásai mellől is. </a:t>
             </a:r>
           </a:p>
           <a:p>
@@ -1175,15 +1033,7 @@
           <a:p>
             <a:r>
               <a:rPr lang="hu-HU" baseline="0" dirty="0" smtClean="0"/>
-              <a:t>A tesztek mellett a kód lefedettségét rontják azok a kódrészletek amik meg lettek írva, de már nincsenek használatba. A helyükre valószínűleg született jobb megoldás, viszont a régi bennmarad a kódban. Ezeket nevezik „halott” kódnak, az ilyen kódrészletek </a:t>
-            </a:r>
-            <a:r>
-              <a:rPr lang="hu-HU" baseline="0" dirty="0" smtClean="0"/>
-              <a:t>kiértékelődése memória </a:t>
-            </a:r>
-            <a:r>
-              <a:rPr lang="hu-HU" baseline="0" dirty="0" smtClean="0"/>
-              <a:t>és processzoridő pazarlás. Eltávolításukkal javul az alkalmazás teljesítménye.</a:t>
+              <a:t>A tesztek mellett a kód lefedettségét rontják azok a kódrészletek amik meg lettek írva, de már nincsenek használatba. A helyükre valószínűleg született jobb megoldás, viszont a régi bennmarad a kódban. Ezeket nevezik „halott” kódnak, az ilyen kódrészletek kiértékelődése memória és processzoridő pazarlás. Eltávolításukkal javul az alkalmazás teljesítménye.</a:t>
             </a:r>
             <a:endParaRPr lang="hu-HU" dirty="0" smtClean="0"/>
           </a:p>
@@ -1289,55 +1139,13 @@
             </a:r>
             <a:r>
               <a:rPr lang="hu-HU" baseline="0" dirty="0" smtClean="0"/>
-              <a:t> </a:t>
-            </a:r>
+              <a:t> projekt munka során csapatba kellett dolgozni, eleinte ez furcsa volt számomra, bár dolgoztam már másokkal csapatba, például csapatversenyeken, de ez azért más volt. Nem két vagy három ember dolgozott együtt hanem 10. Nem csak egy feladatot oldottunk meg közösen, hanem feladatok sorát. </a:t>
+            </a:r>
+          </a:p>
+          <a:p>
             <a:r>
               <a:rPr lang="hu-HU" baseline="0" dirty="0" smtClean="0"/>
-              <a:t>projekt munka </a:t>
-            </a:r>
-            <a:r>
-              <a:rPr lang="hu-HU" baseline="0" dirty="0" smtClean="0"/>
-              <a:t>során csapatba kellett dolgozni, eleinte </a:t>
-            </a:r>
-            <a:r>
-              <a:rPr lang="hu-HU" baseline="0" dirty="0" smtClean="0"/>
-              <a:t>ez </a:t>
-            </a:r>
-            <a:r>
-              <a:rPr lang="hu-HU" baseline="0" dirty="0" smtClean="0"/>
-              <a:t>furcsa volt számomra, bár dolgoztam már másokkal </a:t>
-            </a:r>
-            <a:r>
-              <a:rPr lang="hu-HU" baseline="0" dirty="0" smtClean="0"/>
-              <a:t>csapatba, például </a:t>
-            </a:r>
-            <a:r>
-              <a:rPr lang="hu-HU" baseline="0" dirty="0" smtClean="0"/>
-              <a:t>csapatversenyeken, de ez azért más volt. Nem két vagy három ember dolgozott együtt hanem 10. Nem csak egy feladatot oldottunk meg együtt, hanem feladatok sorát. </a:t>
-            </a:r>
-            <a:r>
-              <a:rPr lang="hu-HU" baseline="0" dirty="0" smtClean="0"/>
-              <a:t>A saját feladatunk elvégzése közbe esetenként más </a:t>
-            </a:r>
-            <a:r>
-              <a:rPr lang="hu-HU" baseline="0" dirty="0" smtClean="0"/>
-              <a:t>munkáját (kódját) egészítettük ki</a:t>
-            </a:r>
-            <a:r>
-              <a:rPr lang="hu-HU" baseline="0" dirty="0" smtClean="0"/>
-              <a:t>, vagy használtuk fel. </a:t>
-            </a:r>
-            <a:r>
-              <a:rPr lang="hu-HU" baseline="0" dirty="0" smtClean="0"/>
-              <a:t>Mivel sok „idegen” kódot láttam, olvastam ezért most már sokkal könnyebben el tudok vonatkoztatni a saját </a:t>
-            </a:r>
-            <a:r>
-              <a:rPr lang="hu-HU" baseline="0" dirty="0" smtClean="0"/>
-              <a:t>stílusomtól, </a:t>
-            </a:r>
-            <a:r>
-              <a:rPr lang="hu-HU" baseline="0" dirty="0" smtClean="0"/>
-              <a:t>és kevésbe jelent gondot értelmezni azt ami elém kerül.</a:t>
+              <a:t>A saját feladatunk elvégzése közbe esetenként más munkáját (kódját) egészítettük ki, vagy használtuk fel. Mivel sok „idegen” kódot láttam, olvastam ezért most már sokkal könnyebben el tudok vonatkoztatni a saját stílusomtól, és kevésbe jelent gondot értelmezni azt ami elém kerül.</a:t>
             </a:r>
           </a:p>
           <a:p>
@@ -1367,15 +1175,39 @@
             </a:r>
             <a:r>
               <a:rPr lang="hu-HU" baseline="0" dirty="0" smtClean="0"/>
-              <a:t> belül nem voltak a feladatok személyekre szabva vagy egy bizonyos személyre kiszabva, </a:t>
-            </a:r>
+              <a:t> belül nem voltak a feladatok egy bizonyos személyre kiszabva, mindenki magának választhatott szabadon, azonban igyekeztünk egyenlően elosztani a feladatokat. </a:t>
+            </a:r>
+          </a:p>
+          <a:p>
+            <a:pPr marL="0" marR="0" indent="0" algn="l" defTabSz="914400" rtl="0" eaLnBrk="1" fontAlgn="auto" latinLnBrk="0" hangingPunct="1">
+              <a:lnSpc>
+                <a:spcPct val="100000"/>
+              </a:lnSpc>
+              <a:spcBef>
+                <a:spcPts val="0"/>
+              </a:spcBef>
+              <a:spcAft>
+                <a:spcPts val="0"/>
+              </a:spcAft>
+              <a:buClrTx/>
+              <a:buSzTx/>
+              <a:buFontTx/>
+              <a:buNone/>
+              <a:tabLst/>
+              <a:defRPr/>
+            </a:pPr>
             <a:r>
               <a:rPr lang="hu-HU" baseline="0" dirty="0" smtClean="0"/>
-              <a:t>azonban igyekeztünk </a:t>
-            </a:r>
+              <a:t>Fontos volt még számunkra az is hogy senkit se hagyjunk hátra. Ha valaki elakadt, vagy több napja dolgozott egy adott feladaton, a saját feladatainkat félre téve segítettünk neki megoldani a problémát.</a:t>
+            </a:r>
+          </a:p>
+          <a:p>
+            <a:endParaRPr lang="hu-HU" baseline="0" dirty="0" smtClean="0"/>
+          </a:p>
+          <a:p>
             <a:r>
               <a:rPr lang="hu-HU" baseline="0" dirty="0" smtClean="0"/>
-              <a:t>egyenlően elosztani a feladatokat. Mindenki magának választhatott szabadon. Fontos volt számunk az hogy senkit se hagyjunk hátra. Ha valaki elakadt, vagy több napja dolgozott egy adott feladaton, a saját feladatainkat félre téve segítettünk neki megoldani a problémát.</a:t>
+              <a:t>A fejlesztés során gyakran kihívásokba ütköztem, amit én magam motivációként fogtam fel. A megoldásukkal folyamatosan bizonyíthattam magamnak, és másoknak is, hogy igen is sokat tanultam az elmúlt néhány hétben.</a:t>
             </a:r>
           </a:p>
           <a:p>
@@ -1384,40 +1216,7 @@
           <a:p>
             <a:r>
               <a:rPr lang="hu-HU" baseline="0" dirty="0" smtClean="0"/>
-              <a:t>A fejlesztés során </a:t>
-            </a:r>
-            <a:r>
-              <a:rPr lang="hu-HU" baseline="0" dirty="0" smtClean="0"/>
-              <a:t>gyakran kihívásokba ütköztem, amit én magam motivációként fogtam fel. </a:t>
-            </a:r>
-            <a:r>
-              <a:rPr lang="hu-HU" baseline="0" dirty="0" smtClean="0"/>
-              <a:t>A megoldásukkal folyamatosan bizonyíthattam magamnak, és másoknak is, hogy igen is sokat tanultam az elmúlt néhány hétben.</a:t>
-            </a:r>
-          </a:p>
-          <a:p>
-            <a:endParaRPr lang="hu-HU" baseline="0" dirty="0" smtClean="0"/>
-          </a:p>
-          <a:p>
-            <a:r>
-              <a:rPr lang="hu-HU" baseline="0" dirty="0" smtClean="0"/>
-              <a:t>A kihívások mellett felmerültek kisebb-nagyobb problémák is, de a nagyrészük hamar meg is oldódott. Mivel a problémák nagyrész amivel találkoztam nagy valószínűséggel csak nekem </a:t>
-            </a:r>
-            <a:r>
-              <a:rPr lang="hu-HU" baseline="0" dirty="0" smtClean="0"/>
-              <a:t>voltak újak, </a:t>
-            </a:r>
-            <a:r>
-              <a:rPr lang="hu-HU" baseline="0" dirty="0" smtClean="0"/>
-              <a:t>ezért először az interneten próbáltam rábukkanni a megoldásra, ha nem jártam sikerrel akkor a csapattársaimtól kértem segítséget, ha pedig ők sem tudtak segíteni akkor az </a:t>
-            </a:r>
-            <a:r>
-              <a:rPr lang="hu-HU" baseline="0" dirty="0" smtClean="0"/>
-              <a:t>projekt vezetőnkhöz fordultam, </a:t>
-            </a:r>
-            <a:r>
-              <a:rPr lang="hu-HU" baseline="0" dirty="0" smtClean="0"/>
-              <a:t>aki amint tudott segített, de probléma nem maradt megoldatlanul!</a:t>
+              <a:t>A kihívások mellett felmerültek kisebb-nagyobb problémák is, de a nagyrészük hamar meg is oldódott. Mivel a problémák nagy része, amivel találkoztam, nagy valószínűséggel csak nekem voltak újak, ezért először az interneten próbáltam rábukkanni a megoldásra, ha nem jártam sikerrel akkor a csapattársaimtól kértem segítséget, ha pedig ők sem tudtak segíteni akkor az projekt vezetőnkhöz fordultam, aki amint tudott segített, de probléma nem maradt megoldatlanul!</a:t>
             </a:r>
           </a:p>
           <a:p>
@@ -1509,7 +1308,7 @@
           <a:lstStyle/>
           <a:p>
             <a:r>
-              <a:rPr lang="hu-HU" smtClean="0"/>
+              <a:rPr lang="hu-HU" dirty="0" smtClean="0"/>
               <a:t>Zárógondolat.</a:t>
             </a:r>
             <a:endParaRPr lang="hu-HU" dirty="0"/>
@@ -1683,7 +1482,7 @@
           <a:p>
             <a:fld id="{C6E8B002-83F0-41C5-A7B7-2819A96BD9B2}" type="datetimeFigureOut">
               <a:rPr lang="hu-HU" smtClean="0"/>
-              <a:t>2016. 05. 20.</a:t>
+              <a:t>2016. 05. 24.</a:t>
             </a:fld>
             <a:endParaRPr lang="hu-HU"/>
           </a:p>
@@ -1853,7 +1652,7 @@
           <a:p>
             <a:fld id="{C6E8B002-83F0-41C5-A7B7-2819A96BD9B2}" type="datetimeFigureOut">
               <a:rPr lang="hu-HU" smtClean="0"/>
-              <a:t>2016. 05. 20.</a:t>
+              <a:t>2016. 05. 24.</a:t>
             </a:fld>
             <a:endParaRPr lang="hu-HU"/>
           </a:p>
@@ -2033,7 +1832,7 @@
           <a:p>
             <a:fld id="{C6E8B002-83F0-41C5-A7B7-2819A96BD9B2}" type="datetimeFigureOut">
               <a:rPr lang="hu-HU" smtClean="0"/>
-              <a:t>2016. 05. 20.</a:t>
+              <a:t>2016. 05. 24.</a:t>
             </a:fld>
             <a:endParaRPr lang="hu-HU"/>
           </a:p>
@@ -2203,7 +2002,7 @@
           <a:p>
             <a:fld id="{C6E8B002-83F0-41C5-A7B7-2819A96BD9B2}" type="datetimeFigureOut">
               <a:rPr lang="hu-HU" smtClean="0"/>
-              <a:t>2016. 05. 20.</a:t>
+              <a:t>2016. 05. 24.</a:t>
             </a:fld>
             <a:endParaRPr lang="hu-HU"/>
           </a:p>
@@ -2447,7 +2246,7 @@
           <a:p>
             <a:fld id="{C6E8B002-83F0-41C5-A7B7-2819A96BD9B2}" type="datetimeFigureOut">
               <a:rPr lang="hu-HU" smtClean="0"/>
-              <a:t>2016. 05. 20.</a:t>
+              <a:t>2016. 05. 24.</a:t>
             </a:fld>
             <a:endParaRPr lang="hu-HU"/>
           </a:p>
@@ -2679,7 +2478,7 @@
           <a:p>
             <a:fld id="{C6E8B002-83F0-41C5-A7B7-2819A96BD9B2}" type="datetimeFigureOut">
               <a:rPr lang="hu-HU" smtClean="0"/>
-              <a:t>2016. 05. 20.</a:t>
+              <a:t>2016. 05. 24.</a:t>
             </a:fld>
             <a:endParaRPr lang="hu-HU"/>
           </a:p>
@@ -3046,7 +2845,7 @@
           <a:p>
             <a:fld id="{C6E8B002-83F0-41C5-A7B7-2819A96BD9B2}" type="datetimeFigureOut">
               <a:rPr lang="hu-HU" smtClean="0"/>
-              <a:t>2016. 05. 20.</a:t>
+              <a:t>2016. 05. 24.</a:t>
             </a:fld>
             <a:endParaRPr lang="hu-HU"/>
           </a:p>
@@ -3164,7 +2963,7 @@
           <a:p>
             <a:fld id="{C6E8B002-83F0-41C5-A7B7-2819A96BD9B2}" type="datetimeFigureOut">
               <a:rPr lang="hu-HU" smtClean="0"/>
-              <a:t>2016. 05. 20.</a:t>
+              <a:t>2016. 05. 24.</a:t>
             </a:fld>
             <a:endParaRPr lang="hu-HU"/>
           </a:p>
@@ -3259,7 +3058,7 @@
           <a:p>
             <a:fld id="{C6E8B002-83F0-41C5-A7B7-2819A96BD9B2}" type="datetimeFigureOut">
               <a:rPr lang="hu-HU" smtClean="0"/>
-              <a:t>2016. 05. 20.</a:t>
+              <a:t>2016. 05. 24.</a:t>
             </a:fld>
             <a:endParaRPr lang="hu-HU"/>
           </a:p>
@@ -3536,7 +3335,7 @@
           <a:p>
             <a:fld id="{C6E8B002-83F0-41C5-A7B7-2819A96BD9B2}" type="datetimeFigureOut">
               <a:rPr lang="hu-HU" smtClean="0"/>
-              <a:t>2016. 05. 20.</a:t>
+              <a:t>2016. 05. 24.</a:t>
             </a:fld>
             <a:endParaRPr lang="hu-HU"/>
           </a:p>
@@ -3793,7 +3592,7 @@
           <a:p>
             <a:fld id="{C6E8B002-83F0-41C5-A7B7-2819A96BD9B2}" type="datetimeFigureOut">
               <a:rPr lang="hu-HU" smtClean="0"/>
-              <a:t>2016. 05. 20.</a:t>
+              <a:t>2016. 05. 24.</a:t>
             </a:fld>
             <a:endParaRPr lang="hu-HU"/>
           </a:p>
@@ -4013,7 +3812,7 @@
           <a:p>
             <a:fld id="{C6E8B002-83F0-41C5-A7B7-2819A96BD9B2}" type="datetimeFigureOut">
               <a:rPr lang="hu-HU" smtClean="0"/>
-              <a:t>2016. 05. 20.</a:t>
+              <a:t>2016. 05. 24.</a:t>
             </a:fld>
             <a:endParaRPr lang="hu-HU"/>
           </a:p>
@@ -4543,30 +4342,35 @@
           </a:p>
         </p:txBody>
       </p:sp>
-      <p:sp>
-        <p:nvSpPr>
-          <p:cNvPr id="5" name="Tartalom helye 4"/>
-          <p:cNvSpPr>
-            <a:spLocks noGrp="1"/>
-          </p:cNvSpPr>
+      <p:pic>
+        <p:nvPicPr>
+          <p:cNvPr id="2" name="Tartalom helye 1"/>
+          <p:cNvPicPr>
+            <a:picLocks noGrp="1" noChangeAspect="1"/>
+          </p:cNvPicPr>
           <p:nvPr>
             <p:ph idx="1"/>
           </p:nvPr>
-        </p:nvSpPr>
+        </p:nvPicPr>
+        <p:blipFill>
+          <a:blip r:embed="rId3" cstate="print">
+            <a:extLst>
+              <a:ext uri="{28A0092B-C50C-407E-A947-70E740481C1C}">
+                <a14:useLocalDpi xmlns:a14="http://schemas.microsoft.com/office/drawing/2010/main" val="0"/>
+              </a:ext>
+            </a:extLst>
+          </a:blip>
+          <a:stretch>
+            <a:fillRect/>
+          </a:stretch>
+        </p:blipFill>
         <p:spPr>
           <a:xfrm>
-            <a:off x="740228" y="1088539"/>
-            <a:ext cx="2908221" cy="3655219"/>
+            <a:off x="926131" y="1089025"/>
+            <a:ext cx="2535588" cy="3654425"/>
           </a:xfrm>
         </p:spPr>
-        <p:txBody>
-          <a:bodyPr/>
-          <a:lstStyle/>
-          <a:p>
-            <a:endParaRPr lang="hu-HU" dirty="0"/>
-          </a:p>
-        </p:txBody>
-      </p:sp>
+      </p:pic>
       <p:sp>
         <p:nvSpPr>
           <p:cNvPr id="6" name="Szöveg helye 5"/>
